--- a/COMP1004.pptx
+++ b/COMP1004.pptx
@@ -2,10 +2,18 @@
 <file path=ppt/presentation.xml><?xml version="1.0" encoding="utf-8"?>
 <p:presentation xmlns:a="http://schemas.openxmlformats.org/drawingml/2006/main" xmlns:r="http://schemas.openxmlformats.org/officeDocument/2006/relationships" xmlns:p="http://schemas.openxmlformats.org/presentationml/2006/main" saveSubsetFonts="1">
   <p:sldMasterIdLst>
-    <p:sldMasterId id="2147483648" r:id="rId1"/>
+    <p:sldMasterId id="2147483749" r:id="rId1"/>
   </p:sldMasterIdLst>
   <p:sldIdLst>
     <p:sldId id="256" r:id="rId2"/>
+    <p:sldId id="257" r:id="rId3"/>
+    <p:sldId id="259" r:id="rId4"/>
+    <p:sldId id="261" r:id="rId5"/>
+    <p:sldId id="269" r:id="rId6"/>
+    <p:sldId id="263" r:id="rId7"/>
+    <p:sldId id="265" r:id="rId8"/>
+    <p:sldId id="267" r:id="rId9"/>
+    <p:sldId id="268" r:id="rId10"/>
   </p:sldIdLst>
   <p:sldSz cx="12192000" cy="6858000"/>
   <p:notesSz cx="6858000" cy="9144000"/>
@@ -13,7 +21,7 @@
     <a:defPPr>
       <a:defRPr lang="en-US"/>
     </a:defPPr>
-    <a:lvl1pPr marL="0" algn="l" defTabSz="914400" rtl="0" eaLnBrk="1" latinLnBrk="0" hangingPunct="1">
+    <a:lvl1pPr marL="0" algn="l" defTabSz="457200" rtl="0" eaLnBrk="1" latinLnBrk="0" hangingPunct="1">
       <a:defRPr sz="1800" kern="1200">
         <a:solidFill>
           <a:schemeClr val="tx1"/>
@@ -23,7 +31,7 @@
         <a:cs typeface="+mn-cs"/>
       </a:defRPr>
     </a:lvl1pPr>
-    <a:lvl2pPr marL="457200" algn="l" defTabSz="914400" rtl="0" eaLnBrk="1" latinLnBrk="0" hangingPunct="1">
+    <a:lvl2pPr marL="457200" algn="l" defTabSz="457200" rtl="0" eaLnBrk="1" latinLnBrk="0" hangingPunct="1">
       <a:defRPr sz="1800" kern="1200">
         <a:solidFill>
           <a:schemeClr val="tx1"/>
@@ -33,7 +41,7 @@
         <a:cs typeface="+mn-cs"/>
       </a:defRPr>
     </a:lvl2pPr>
-    <a:lvl3pPr marL="914400" algn="l" defTabSz="914400" rtl="0" eaLnBrk="1" latinLnBrk="0" hangingPunct="1">
+    <a:lvl3pPr marL="914400" algn="l" defTabSz="457200" rtl="0" eaLnBrk="1" latinLnBrk="0" hangingPunct="1">
       <a:defRPr sz="1800" kern="1200">
         <a:solidFill>
           <a:schemeClr val="tx1"/>
@@ -43,7 +51,7 @@
         <a:cs typeface="+mn-cs"/>
       </a:defRPr>
     </a:lvl3pPr>
-    <a:lvl4pPr marL="1371600" algn="l" defTabSz="914400" rtl="0" eaLnBrk="1" latinLnBrk="0" hangingPunct="1">
+    <a:lvl4pPr marL="1371600" algn="l" defTabSz="457200" rtl="0" eaLnBrk="1" latinLnBrk="0" hangingPunct="1">
       <a:defRPr sz="1800" kern="1200">
         <a:solidFill>
           <a:schemeClr val="tx1"/>
@@ -53,7 +61,7 @@
         <a:cs typeface="+mn-cs"/>
       </a:defRPr>
     </a:lvl4pPr>
-    <a:lvl5pPr marL="1828800" algn="l" defTabSz="914400" rtl="0" eaLnBrk="1" latinLnBrk="0" hangingPunct="1">
+    <a:lvl5pPr marL="1828800" algn="l" defTabSz="457200" rtl="0" eaLnBrk="1" latinLnBrk="0" hangingPunct="1">
       <a:defRPr sz="1800" kern="1200">
         <a:solidFill>
           <a:schemeClr val="tx1"/>
@@ -63,7 +71,7 @@
         <a:cs typeface="+mn-cs"/>
       </a:defRPr>
     </a:lvl5pPr>
-    <a:lvl6pPr marL="2286000" algn="l" defTabSz="914400" rtl="0" eaLnBrk="1" latinLnBrk="0" hangingPunct="1">
+    <a:lvl6pPr marL="2286000" algn="l" defTabSz="457200" rtl="0" eaLnBrk="1" latinLnBrk="0" hangingPunct="1">
       <a:defRPr sz="1800" kern="1200">
         <a:solidFill>
           <a:schemeClr val="tx1"/>
@@ -73,7 +81,7 @@
         <a:cs typeface="+mn-cs"/>
       </a:defRPr>
     </a:lvl6pPr>
-    <a:lvl7pPr marL="2743200" algn="l" defTabSz="914400" rtl="0" eaLnBrk="1" latinLnBrk="0" hangingPunct="1">
+    <a:lvl7pPr marL="2743200" algn="l" defTabSz="457200" rtl="0" eaLnBrk="1" latinLnBrk="0" hangingPunct="1">
       <a:defRPr sz="1800" kern="1200">
         <a:solidFill>
           <a:schemeClr val="tx1"/>
@@ -83,7 +91,7 @@
         <a:cs typeface="+mn-cs"/>
       </a:defRPr>
     </a:lvl7pPr>
-    <a:lvl8pPr marL="3200400" algn="l" defTabSz="914400" rtl="0" eaLnBrk="1" latinLnBrk="0" hangingPunct="1">
+    <a:lvl8pPr marL="3200400" algn="l" defTabSz="457200" rtl="0" eaLnBrk="1" latinLnBrk="0" hangingPunct="1">
       <a:defRPr sz="1800" kern="1200">
         <a:solidFill>
           <a:schemeClr val="tx1"/>
@@ -93,7 +101,7 @@
         <a:cs typeface="+mn-cs"/>
       </a:defRPr>
     </a:lvl8pPr>
-    <a:lvl9pPr marL="3657600" algn="l" defTabSz="914400" rtl="0" eaLnBrk="1" latinLnBrk="0" hangingPunct="1">
+    <a:lvl9pPr marL="3657600" algn="l" defTabSz="457200" rtl="0" eaLnBrk="1" latinLnBrk="0" hangingPunct="1">
       <a:defRPr sz="1800" kern="1200">
         <a:solidFill>
           <a:schemeClr val="tx1"/>
@@ -104,12 +112,427 @@
       </a:defRPr>
     </a:lvl9pPr>
   </p:defaultTextStyle>
+  <p:extLst>
+    <p:ext uri="{EFAFB233-063F-42B5-8137-9DF3F51BA10A}">
+      <p15:sldGuideLst xmlns:p15="http://schemas.microsoft.com/office/powerpoint/2012/main"/>
+    </p:ext>
+  </p:extLst>
 </p:presentation>
 </file>
 
+<file path=ppt/changesInfos/changesInfo1.xml><?xml version="1.0" encoding="utf-8"?>
+<pc:chgInfo xmlns:a="http://schemas.openxmlformats.org/drawingml/2006/main" xmlns:r="http://schemas.openxmlformats.org/officeDocument/2006/relationships" xmlns:ac="http://schemas.microsoft.com/office/drawing/2013/main/command" xmlns:pc="http://schemas.microsoft.com/office/powerpoint/2013/main/command">
+  <pc:docChgLst>
+    <pc:chgData name="(s) Jackson Hau" userId="53784e41-29b4-41a9-aedc-2836ff8a2afb" providerId="ADAL" clId="{D2C11081-30DD-418C-BE20-D62B86B746C8}"/>
+    <pc:docChg chg="undo redo custSel addSld delSld modSld">
+      <pc:chgData name="(s) Jackson Hau" userId="53784e41-29b4-41a9-aedc-2836ff8a2afb" providerId="ADAL" clId="{D2C11081-30DD-418C-BE20-D62B86B746C8}" dt="2024-01-13T22:54:28.399" v="567" actId="20577"/>
+      <pc:docMkLst>
+        <pc:docMk/>
+      </pc:docMkLst>
+      <pc:sldChg chg="modSp mod">
+        <pc:chgData name="(s) Jackson Hau" userId="53784e41-29b4-41a9-aedc-2836ff8a2afb" providerId="ADAL" clId="{D2C11081-30DD-418C-BE20-D62B86B746C8}" dt="2024-01-13T18:03:19.049" v="307" actId="20577"/>
+        <pc:sldMkLst>
+          <pc:docMk/>
+          <pc:sldMk cId="491139303" sldId="256"/>
+        </pc:sldMkLst>
+        <pc:spChg chg="mod">
+          <ac:chgData name="(s) Jackson Hau" userId="53784e41-29b4-41a9-aedc-2836ff8a2afb" providerId="ADAL" clId="{D2C11081-30DD-418C-BE20-D62B86B746C8}" dt="2024-01-12T14:46:57.708" v="0"/>
+          <ac:spMkLst>
+            <pc:docMk/>
+            <pc:sldMk cId="491139303" sldId="256"/>
+            <ac:spMk id="2" creationId="{CDB87BF2-8697-0047-0822-29B0E3FEF57A}"/>
+          </ac:spMkLst>
+        </pc:spChg>
+        <pc:spChg chg="mod">
+          <ac:chgData name="(s) Jackson Hau" userId="53784e41-29b4-41a9-aedc-2836ff8a2afb" providerId="ADAL" clId="{D2C11081-30DD-418C-BE20-D62B86B746C8}" dt="2024-01-13T18:03:19.049" v="307" actId="20577"/>
+          <ac:spMkLst>
+            <pc:docMk/>
+            <pc:sldMk cId="491139303" sldId="256"/>
+            <ac:spMk id="3" creationId="{C252153D-C611-62F2-D668-ACA1030EF542}"/>
+          </ac:spMkLst>
+        </pc:spChg>
+      </pc:sldChg>
+      <pc:sldChg chg="modSp mod modTransition modAnim">
+        <pc:chgData name="(s) Jackson Hau" userId="53784e41-29b4-41a9-aedc-2836ff8a2afb" providerId="ADAL" clId="{D2C11081-30DD-418C-BE20-D62B86B746C8}" dt="2024-01-13T22:45:11.607" v="494"/>
+        <pc:sldMkLst>
+          <pc:docMk/>
+          <pc:sldMk cId="1210216527" sldId="257"/>
+        </pc:sldMkLst>
+        <pc:spChg chg="mod">
+          <ac:chgData name="(s) Jackson Hau" userId="53784e41-29b4-41a9-aedc-2836ff8a2afb" providerId="ADAL" clId="{D2C11081-30DD-418C-BE20-D62B86B746C8}" dt="2024-01-13T15:30:16.922" v="196" actId="1076"/>
+          <ac:spMkLst>
+            <pc:docMk/>
+            <pc:sldMk cId="1210216527" sldId="257"/>
+            <ac:spMk id="7" creationId="{DABDA961-A7A4-512F-D05C-1119AEE9DB3D}"/>
+          </ac:spMkLst>
+        </pc:spChg>
+        <pc:spChg chg="mod">
+          <ac:chgData name="(s) Jackson Hau" userId="53784e41-29b4-41a9-aedc-2836ff8a2afb" providerId="ADAL" clId="{D2C11081-30DD-418C-BE20-D62B86B746C8}" dt="2024-01-13T15:29:10.864" v="78" actId="255"/>
+          <ac:spMkLst>
+            <pc:docMk/>
+            <pc:sldMk cId="1210216527" sldId="257"/>
+            <ac:spMk id="8" creationId="{14700767-AB7A-BF66-9AA4-DE20DAD57171}"/>
+          </ac:spMkLst>
+        </pc:spChg>
+      </pc:sldChg>
+      <pc:sldChg chg="modSp del mod">
+        <pc:chgData name="(s) Jackson Hau" userId="53784e41-29b4-41a9-aedc-2836ff8a2afb" providerId="ADAL" clId="{D2C11081-30DD-418C-BE20-D62B86B746C8}" dt="2024-01-13T15:34:18.454" v="198" actId="2696"/>
+        <pc:sldMkLst>
+          <pc:docMk/>
+          <pc:sldMk cId="3971687143" sldId="258"/>
+        </pc:sldMkLst>
+        <pc:spChg chg="mod">
+          <ac:chgData name="(s) Jackson Hau" userId="53784e41-29b4-41a9-aedc-2836ff8a2afb" providerId="ADAL" clId="{D2C11081-30DD-418C-BE20-D62B86B746C8}" dt="2024-01-12T14:46:57.708" v="0"/>
+          <ac:spMkLst>
+            <pc:docMk/>
+            <pc:sldMk cId="3971687143" sldId="258"/>
+            <ac:spMk id="4" creationId="{289E0DBA-2F87-062E-526B-057614350FBC}"/>
+          </ac:spMkLst>
+        </pc:spChg>
+        <pc:spChg chg="mod">
+          <ac:chgData name="(s) Jackson Hau" userId="53784e41-29b4-41a9-aedc-2836ff8a2afb" providerId="ADAL" clId="{D2C11081-30DD-418C-BE20-D62B86B746C8}" dt="2024-01-13T15:29:35.937" v="149" actId="20577"/>
+          <ac:spMkLst>
+            <pc:docMk/>
+            <pc:sldMk cId="3971687143" sldId="258"/>
+            <ac:spMk id="5" creationId="{388A9E6B-E5ED-19D2-9FE9-3D3B0A592766}"/>
+          </ac:spMkLst>
+        </pc:spChg>
+      </pc:sldChg>
+      <pc:sldChg chg="modSp mod modTransition">
+        <pc:chgData name="(s) Jackson Hau" userId="53784e41-29b4-41a9-aedc-2836ff8a2afb" providerId="ADAL" clId="{D2C11081-30DD-418C-BE20-D62B86B746C8}" dt="2024-01-13T22:45:42.310" v="497"/>
+        <pc:sldMkLst>
+          <pc:docMk/>
+          <pc:sldMk cId="921768442" sldId="259"/>
+        </pc:sldMkLst>
+        <pc:spChg chg="mod">
+          <ac:chgData name="(s) Jackson Hau" userId="53784e41-29b4-41a9-aedc-2836ff8a2afb" providerId="ADAL" clId="{D2C11081-30DD-418C-BE20-D62B86B746C8}" dt="2024-01-13T15:30:07.665" v="195" actId="20577"/>
+          <ac:spMkLst>
+            <pc:docMk/>
+            <pc:sldMk cId="921768442" sldId="259"/>
+            <ac:spMk id="2" creationId="{3884317C-0FA7-5D3E-2EF7-3A0E1ABE2280}"/>
+          </ac:spMkLst>
+        </pc:spChg>
+        <pc:spChg chg="mod">
+          <ac:chgData name="(s) Jackson Hau" userId="53784e41-29b4-41a9-aedc-2836ff8a2afb" providerId="ADAL" clId="{D2C11081-30DD-418C-BE20-D62B86B746C8}" dt="2024-01-13T18:03:58.842" v="373" actId="27636"/>
+          <ac:spMkLst>
+            <pc:docMk/>
+            <pc:sldMk cId="921768442" sldId="259"/>
+            <ac:spMk id="3" creationId="{9F8E2657-DA5D-8DFE-836E-848CFCC4F3A4}"/>
+          </ac:spMkLst>
+        </pc:spChg>
+      </pc:sldChg>
+      <pc:sldChg chg="modSp del">
+        <pc:chgData name="(s) Jackson Hau" userId="53784e41-29b4-41a9-aedc-2836ff8a2afb" providerId="ADAL" clId="{D2C11081-30DD-418C-BE20-D62B86B746C8}" dt="2024-01-13T15:34:22.400" v="199" actId="2696"/>
+        <pc:sldMkLst>
+          <pc:docMk/>
+          <pc:sldMk cId="3805144402" sldId="260"/>
+        </pc:sldMkLst>
+        <pc:spChg chg="mod">
+          <ac:chgData name="(s) Jackson Hau" userId="53784e41-29b4-41a9-aedc-2836ff8a2afb" providerId="ADAL" clId="{D2C11081-30DD-418C-BE20-D62B86B746C8}" dt="2024-01-12T14:46:57.708" v="0"/>
+          <ac:spMkLst>
+            <pc:docMk/>
+            <pc:sldMk cId="3805144402" sldId="260"/>
+            <ac:spMk id="4" creationId="{7DA9AF41-1104-F192-3974-DF125BD64F81}"/>
+          </ac:spMkLst>
+        </pc:spChg>
+        <pc:spChg chg="mod">
+          <ac:chgData name="(s) Jackson Hau" userId="53784e41-29b4-41a9-aedc-2836ff8a2afb" providerId="ADAL" clId="{D2C11081-30DD-418C-BE20-D62B86B746C8}" dt="2024-01-12T14:46:57.708" v="0"/>
+          <ac:spMkLst>
+            <pc:docMk/>
+            <pc:sldMk cId="3805144402" sldId="260"/>
+            <ac:spMk id="5" creationId="{F755AF6F-6381-90DE-7FE5-CEBE7AED0A04}"/>
+          </ac:spMkLst>
+        </pc:spChg>
+      </pc:sldChg>
+      <pc:sldChg chg="addSp delSp modSp mod">
+        <pc:chgData name="(s) Jackson Hau" userId="53784e41-29b4-41a9-aedc-2836ff8a2afb" providerId="ADAL" clId="{D2C11081-30DD-418C-BE20-D62B86B746C8}" dt="2024-01-13T18:24:59.314" v="396" actId="122"/>
+        <pc:sldMkLst>
+          <pc:docMk/>
+          <pc:sldMk cId="2823083689" sldId="261"/>
+        </pc:sldMkLst>
+        <pc:spChg chg="mod">
+          <ac:chgData name="(s) Jackson Hau" userId="53784e41-29b4-41a9-aedc-2836ff8a2afb" providerId="ADAL" clId="{D2C11081-30DD-418C-BE20-D62B86B746C8}" dt="2024-01-13T18:24:59.314" v="396" actId="122"/>
+          <ac:spMkLst>
+            <pc:docMk/>
+            <pc:sldMk cId="2823083689" sldId="261"/>
+            <ac:spMk id="2" creationId="{6131FC55-6DAB-E928-0267-5E6CBC9EA8EF}"/>
+          </ac:spMkLst>
+        </pc:spChg>
+        <pc:spChg chg="del mod">
+          <ac:chgData name="(s) Jackson Hau" userId="53784e41-29b4-41a9-aedc-2836ff8a2afb" providerId="ADAL" clId="{D2C11081-30DD-418C-BE20-D62B86B746C8}" dt="2024-01-13T18:21:34.974" v="374" actId="22"/>
+          <ac:spMkLst>
+            <pc:docMk/>
+            <pc:sldMk cId="2823083689" sldId="261"/>
+            <ac:spMk id="3" creationId="{E1DAF594-722D-8B07-108E-842010C59351}"/>
+          </ac:spMkLst>
+        </pc:spChg>
+        <pc:picChg chg="add mod ord">
+          <ac:chgData name="(s) Jackson Hau" userId="53784e41-29b4-41a9-aedc-2836ff8a2afb" providerId="ADAL" clId="{D2C11081-30DD-418C-BE20-D62B86B746C8}" dt="2024-01-13T18:24:55.084" v="395" actId="1076"/>
+          <ac:picMkLst>
+            <pc:docMk/>
+            <pc:sldMk cId="2823083689" sldId="261"/>
+            <ac:picMk id="5" creationId="{D1B4E1B7-CAF2-1EA1-D604-940895102C3F}"/>
+          </ac:picMkLst>
+        </pc:picChg>
+        <pc:picChg chg="add del mod">
+          <ac:chgData name="(s) Jackson Hau" userId="53784e41-29b4-41a9-aedc-2836ff8a2afb" providerId="ADAL" clId="{D2C11081-30DD-418C-BE20-D62B86B746C8}" dt="2024-01-13T18:22:13.800" v="381" actId="22"/>
+          <ac:picMkLst>
+            <pc:docMk/>
+            <pc:sldMk cId="2823083689" sldId="261"/>
+            <ac:picMk id="7" creationId="{452C088A-0235-F311-68E1-4936549CA0C7}"/>
+          </ac:picMkLst>
+        </pc:picChg>
+      </pc:sldChg>
+      <pc:sldChg chg="modSp del">
+        <pc:chgData name="(s) Jackson Hau" userId="53784e41-29b4-41a9-aedc-2836ff8a2afb" providerId="ADAL" clId="{D2C11081-30DD-418C-BE20-D62B86B746C8}" dt="2024-01-13T15:34:25.664" v="200" actId="2696"/>
+        <pc:sldMkLst>
+          <pc:docMk/>
+          <pc:sldMk cId="666425841" sldId="262"/>
+        </pc:sldMkLst>
+        <pc:spChg chg="mod">
+          <ac:chgData name="(s) Jackson Hau" userId="53784e41-29b4-41a9-aedc-2836ff8a2afb" providerId="ADAL" clId="{D2C11081-30DD-418C-BE20-D62B86B746C8}" dt="2024-01-12T14:46:57.708" v="0"/>
+          <ac:spMkLst>
+            <pc:docMk/>
+            <pc:sldMk cId="666425841" sldId="262"/>
+            <ac:spMk id="4" creationId="{EEAF633A-950A-CBDA-040B-E963622CDC61}"/>
+          </ac:spMkLst>
+        </pc:spChg>
+        <pc:spChg chg="mod">
+          <ac:chgData name="(s) Jackson Hau" userId="53784e41-29b4-41a9-aedc-2836ff8a2afb" providerId="ADAL" clId="{D2C11081-30DD-418C-BE20-D62B86B746C8}" dt="2024-01-12T14:46:57.708" v="0"/>
+          <ac:spMkLst>
+            <pc:docMk/>
+            <pc:sldMk cId="666425841" sldId="262"/>
+            <ac:spMk id="5" creationId="{9ED5552E-8DA4-FC7D-A7C7-47197F01D8BA}"/>
+          </ac:spMkLst>
+        </pc:spChg>
+      </pc:sldChg>
+      <pc:sldChg chg="addSp delSp modSp mod">
+        <pc:chgData name="(s) Jackson Hau" userId="53784e41-29b4-41a9-aedc-2836ff8a2afb" providerId="ADAL" clId="{D2C11081-30DD-418C-BE20-D62B86B746C8}" dt="2024-01-13T22:47:12.243" v="501" actId="14100"/>
+        <pc:sldMkLst>
+          <pc:docMk/>
+          <pc:sldMk cId="6959203" sldId="263"/>
+        </pc:sldMkLst>
+        <pc:spChg chg="mod">
+          <ac:chgData name="(s) Jackson Hau" userId="53784e41-29b4-41a9-aedc-2836ff8a2afb" providerId="ADAL" clId="{D2C11081-30DD-418C-BE20-D62B86B746C8}" dt="2024-01-13T16:09:50.234" v="221" actId="20577"/>
+          <ac:spMkLst>
+            <pc:docMk/>
+            <pc:sldMk cId="6959203" sldId="263"/>
+            <ac:spMk id="2" creationId="{AFF6D287-1064-F536-F5E3-B23DD86DD2E0}"/>
+          </ac:spMkLst>
+        </pc:spChg>
+        <pc:spChg chg="del mod">
+          <ac:chgData name="(s) Jackson Hau" userId="53784e41-29b4-41a9-aedc-2836ff8a2afb" providerId="ADAL" clId="{D2C11081-30DD-418C-BE20-D62B86B746C8}" dt="2024-01-13T21:27:56.965" v="398" actId="22"/>
+          <ac:spMkLst>
+            <pc:docMk/>
+            <pc:sldMk cId="6959203" sldId="263"/>
+            <ac:spMk id="3" creationId="{6893EF2A-089C-1371-272D-F0DF4B877AD0}"/>
+          </ac:spMkLst>
+        </pc:spChg>
+        <pc:spChg chg="add del mod">
+          <ac:chgData name="(s) Jackson Hau" userId="53784e41-29b4-41a9-aedc-2836ff8a2afb" providerId="ADAL" clId="{D2C11081-30DD-418C-BE20-D62B86B746C8}" dt="2024-01-13T22:16:57.653" v="401" actId="22"/>
+          <ac:spMkLst>
+            <pc:docMk/>
+            <pc:sldMk cId="6959203" sldId="263"/>
+            <ac:spMk id="7" creationId="{8FCA602C-1301-2985-ABDA-2E2609B89C61}"/>
+          </ac:spMkLst>
+        </pc:spChg>
+        <pc:spChg chg="add del mod">
+          <ac:chgData name="(s) Jackson Hau" userId="53784e41-29b4-41a9-aedc-2836ff8a2afb" providerId="ADAL" clId="{D2C11081-30DD-418C-BE20-D62B86B746C8}" dt="2024-01-13T22:47:08.753" v="499"/>
+          <ac:spMkLst>
+            <pc:docMk/>
+            <pc:sldMk cId="6959203" sldId="263"/>
+            <ac:spMk id="11" creationId="{E2918AAC-B2E4-ED22-A9AF-FF80992623AC}"/>
+          </ac:spMkLst>
+        </pc:spChg>
+        <pc:picChg chg="add del mod ord">
+          <ac:chgData name="(s) Jackson Hau" userId="53784e41-29b4-41a9-aedc-2836ff8a2afb" providerId="ADAL" clId="{D2C11081-30DD-418C-BE20-D62B86B746C8}" dt="2024-01-13T22:16:44.359" v="400" actId="21"/>
+          <ac:picMkLst>
+            <pc:docMk/>
+            <pc:sldMk cId="6959203" sldId="263"/>
+            <ac:picMk id="5" creationId="{153F4DAB-90B1-1D55-9E5E-00C274FCC95C}"/>
+          </ac:picMkLst>
+        </pc:picChg>
+        <pc:picChg chg="add del mod ord">
+          <ac:chgData name="(s) Jackson Hau" userId="53784e41-29b4-41a9-aedc-2836ff8a2afb" providerId="ADAL" clId="{D2C11081-30DD-418C-BE20-D62B86B746C8}" dt="2024-01-13T22:47:07.560" v="498" actId="21"/>
+          <ac:picMkLst>
+            <pc:docMk/>
+            <pc:sldMk cId="6959203" sldId="263"/>
+            <ac:picMk id="9" creationId="{7D48CFCE-C1FA-AE13-5C63-A2C9F549710A}"/>
+          </ac:picMkLst>
+        </pc:picChg>
+        <pc:picChg chg="add mod">
+          <ac:chgData name="(s) Jackson Hau" userId="53784e41-29b4-41a9-aedc-2836ff8a2afb" providerId="ADAL" clId="{D2C11081-30DD-418C-BE20-D62B86B746C8}" dt="2024-01-13T22:47:12.243" v="501" actId="14100"/>
+          <ac:picMkLst>
+            <pc:docMk/>
+            <pc:sldMk cId="6959203" sldId="263"/>
+            <ac:picMk id="12" creationId="{7D48CFCE-C1FA-AE13-5C63-A2C9F549710A}"/>
+          </ac:picMkLst>
+        </pc:picChg>
+      </pc:sldChg>
+      <pc:sldChg chg="modSp del">
+        <pc:chgData name="(s) Jackson Hau" userId="53784e41-29b4-41a9-aedc-2836ff8a2afb" providerId="ADAL" clId="{D2C11081-30DD-418C-BE20-D62B86B746C8}" dt="2024-01-13T15:34:28.765" v="201" actId="2696"/>
+        <pc:sldMkLst>
+          <pc:docMk/>
+          <pc:sldMk cId="2932326081" sldId="264"/>
+        </pc:sldMkLst>
+        <pc:spChg chg="mod">
+          <ac:chgData name="(s) Jackson Hau" userId="53784e41-29b4-41a9-aedc-2836ff8a2afb" providerId="ADAL" clId="{D2C11081-30DD-418C-BE20-D62B86B746C8}" dt="2024-01-12T14:46:57.708" v="0"/>
+          <ac:spMkLst>
+            <pc:docMk/>
+            <pc:sldMk cId="2932326081" sldId="264"/>
+            <ac:spMk id="4" creationId="{EA79F9B0-B947-11BC-1829-A0C7A74E919E}"/>
+          </ac:spMkLst>
+        </pc:spChg>
+        <pc:spChg chg="mod">
+          <ac:chgData name="(s) Jackson Hau" userId="53784e41-29b4-41a9-aedc-2836ff8a2afb" providerId="ADAL" clId="{D2C11081-30DD-418C-BE20-D62B86B746C8}" dt="2024-01-12T14:46:57.708" v="0"/>
+          <ac:spMkLst>
+            <pc:docMk/>
+            <pc:sldMk cId="2932326081" sldId="264"/>
+            <ac:spMk id="5" creationId="{E4187025-0B2A-C028-CDE9-AB6953C39FDF}"/>
+          </ac:spMkLst>
+        </pc:spChg>
+      </pc:sldChg>
+      <pc:sldChg chg="addSp delSp modSp mod modClrScheme chgLayout">
+        <pc:chgData name="(s) Jackson Hau" userId="53784e41-29b4-41a9-aedc-2836ff8a2afb" providerId="ADAL" clId="{D2C11081-30DD-418C-BE20-D62B86B746C8}" dt="2024-01-13T16:19:30.641" v="269" actId="1076"/>
+        <pc:sldMkLst>
+          <pc:docMk/>
+          <pc:sldMk cId="4105249273" sldId="265"/>
+        </pc:sldMkLst>
+        <pc:spChg chg="del mod ord">
+          <ac:chgData name="(s) Jackson Hau" userId="53784e41-29b4-41a9-aedc-2836ff8a2afb" providerId="ADAL" clId="{D2C11081-30DD-418C-BE20-D62B86B746C8}" dt="2024-01-13T16:18:24.436" v="222" actId="700"/>
+          <ac:spMkLst>
+            <pc:docMk/>
+            <pc:sldMk cId="4105249273" sldId="265"/>
+            <ac:spMk id="2" creationId="{2605AAD6-CC90-BA3F-2FDB-C92826E647CF}"/>
+          </ac:spMkLst>
+        </pc:spChg>
+        <pc:spChg chg="del mod ord">
+          <ac:chgData name="(s) Jackson Hau" userId="53784e41-29b4-41a9-aedc-2836ff8a2afb" providerId="ADAL" clId="{D2C11081-30DD-418C-BE20-D62B86B746C8}" dt="2024-01-13T16:18:24.436" v="222" actId="700"/>
+          <ac:spMkLst>
+            <pc:docMk/>
+            <pc:sldMk cId="4105249273" sldId="265"/>
+            <ac:spMk id="3" creationId="{665E6129-C42A-225B-18B5-D46A8E33BE1F}"/>
+          </ac:spMkLst>
+        </pc:spChg>
+        <pc:spChg chg="add mod ord">
+          <ac:chgData name="(s) Jackson Hau" userId="53784e41-29b4-41a9-aedc-2836ff8a2afb" providerId="ADAL" clId="{D2C11081-30DD-418C-BE20-D62B86B746C8}" dt="2024-01-13T16:19:30.641" v="269" actId="1076"/>
+          <ac:spMkLst>
+            <pc:docMk/>
+            <pc:sldMk cId="4105249273" sldId="265"/>
+            <ac:spMk id="4" creationId="{577F9F7E-8C65-1065-4D09-D54212F33D13}"/>
+          </ac:spMkLst>
+        </pc:spChg>
+        <pc:spChg chg="add del mod ord">
+          <ac:chgData name="(s) Jackson Hau" userId="53784e41-29b4-41a9-aedc-2836ff8a2afb" providerId="ADAL" clId="{D2C11081-30DD-418C-BE20-D62B86B746C8}" dt="2024-01-13T16:19:15.555" v="266" actId="21"/>
+          <ac:spMkLst>
+            <pc:docMk/>
+            <pc:sldMk cId="4105249273" sldId="265"/>
+            <ac:spMk id="5" creationId="{1EF6BFA2-4FF3-61D9-B83C-66AD65F7AD9A}"/>
+          </ac:spMkLst>
+        </pc:spChg>
+      </pc:sldChg>
+      <pc:sldChg chg="modSp del">
+        <pc:chgData name="(s) Jackson Hau" userId="53784e41-29b4-41a9-aedc-2836ff8a2afb" providerId="ADAL" clId="{D2C11081-30DD-418C-BE20-D62B86B746C8}" dt="2024-01-13T15:34:31.689" v="202" actId="2696"/>
+        <pc:sldMkLst>
+          <pc:docMk/>
+          <pc:sldMk cId="41553273" sldId="266"/>
+        </pc:sldMkLst>
+        <pc:spChg chg="mod">
+          <ac:chgData name="(s) Jackson Hau" userId="53784e41-29b4-41a9-aedc-2836ff8a2afb" providerId="ADAL" clId="{D2C11081-30DD-418C-BE20-D62B86B746C8}" dt="2024-01-12T14:46:57.708" v="0"/>
+          <ac:spMkLst>
+            <pc:docMk/>
+            <pc:sldMk cId="41553273" sldId="266"/>
+            <ac:spMk id="4" creationId="{4AAC1C46-FF90-71AA-9F52-45E21503E5E6}"/>
+          </ac:spMkLst>
+        </pc:spChg>
+        <pc:spChg chg="mod">
+          <ac:chgData name="(s) Jackson Hau" userId="53784e41-29b4-41a9-aedc-2836ff8a2afb" providerId="ADAL" clId="{D2C11081-30DD-418C-BE20-D62B86B746C8}" dt="2024-01-12T14:46:57.708" v="0"/>
+          <ac:spMkLst>
+            <pc:docMk/>
+            <pc:sldMk cId="41553273" sldId="266"/>
+            <ac:spMk id="5" creationId="{ECB4A6D7-6208-47F0-B80D-593BC12E1B46}"/>
+          </ac:spMkLst>
+        </pc:spChg>
+      </pc:sldChg>
+      <pc:sldChg chg="modSp mod">
+        <pc:chgData name="(s) Jackson Hau" userId="53784e41-29b4-41a9-aedc-2836ff8a2afb" providerId="ADAL" clId="{D2C11081-30DD-418C-BE20-D62B86B746C8}" dt="2024-01-13T22:54:28.399" v="567" actId="20577"/>
+        <pc:sldMkLst>
+          <pc:docMk/>
+          <pc:sldMk cId="1890543961" sldId="267"/>
+        </pc:sldMkLst>
+        <pc:spChg chg="mod">
+          <ac:chgData name="(s) Jackson Hau" userId="53784e41-29b4-41a9-aedc-2836ff8a2afb" providerId="ADAL" clId="{D2C11081-30DD-418C-BE20-D62B86B746C8}" dt="2024-01-13T18:03:03.240" v="303" actId="20577"/>
+          <ac:spMkLst>
+            <pc:docMk/>
+            <pc:sldMk cId="1890543961" sldId="267"/>
+            <ac:spMk id="2" creationId="{FD129BA6-F0FF-A9B5-2E0D-66CA21D9E94F}"/>
+          </ac:spMkLst>
+        </pc:spChg>
+        <pc:spChg chg="mod">
+          <ac:chgData name="(s) Jackson Hau" userId="53784e41-29b4-41a9-aedc-2836ff8a2afb" providerId="ADAL" clId="{D2C11081-30DD-418C-BE20-D62B86B746C8}" dt="2024-01-13T22:54:28.399" v="567" actId="20577"/>
+          <ac:spMkLst>
+            <pc:docMk/>
+            <pc:sldMk cId="1890543961" sldId="267"/>
+            <ac:spMk id="3" creationId="{B1AFD78C-05B3-1947-A7FC-40D1733734A4}"/>
+          </ac:spMkLst>
+        </pc:spChg>
+      </pc:sldChg>
+      <pc:sldChg chg="new">
+        <pc:chgData name="(s) Jackson Hau" userId="53784e41-29b4-41a9-aedc-2836ff8a2afb" providerId="ADAL" clId="{D2C11081-30DD-418C-BE20-D62B86B746C8}" dt="2024-01-13T18:03:06.930" v="304" actId="680"/>
+        <pc:sldMkLst>
+          <pc:docMk/>
+          <pc:sldMk cId="2355933921" sldId="268"/>
+        </pc:sldMkLst>
+      </pc:sldChg>
+      <pc:sldChg chg="addSp delSp modSp new mod">
+        <pc:chgData name="(s) Jackson Hau" userId="53784e41-29b4-41a9-aedc-2836ff8a2afb" providerId="ADAL" clId="{D2C11081-30DD-418C-BE20-D62B86B746C8}" dt="2024-01-13T18:25:02.742" v="397" actId="122"/>
+        <pc:sldMkLst>
+          <pc:docMk/>
+          <pc:sldMk cId="2171703894" sldId="269"/>
+        </pc:sldMkLst>
+        <pc:spChg chg="mod">
+          <ac:chgData name="(s) Jackson Hau" userId="53784e41-29b4-41a9-aedc-2836ff8a2afb" providerId="ADAL" clId="{D2C11081-30DD-418C-BE20-D62B86B746C8}" dt="2024-01-13T18:25:02.742" v="397" actId="122"/>
+          <ac:spMkLst>
+            <pc:docMk/>
+            <pc:sldMk cId="2171703894" sldId="269"/>
+            <ac:spMk id="2" creationId="{BCE2BFCD-4EC1-E3C7-90FF-54B29522BA7B}"/>
+          </ac:spMkLst>
+        </pc:spChg>
+        <pc:spChg chg="del">
+          <ac:chgData name="(s) Jackson Hau" userId="53784e41-29b4-41a9-aedc-2836ff8a2afb" providerId="ADAL" clId="{D2C11081-30DD-418C-BE20-D62B86B746C8}" dt="2024-01-13T18:22:37.687" v="385" actId="22"/>
+          <ac:spMkLst>
+            <pc:docMk/>
+            <pc:sldMk cId="2171703894" sldId="269"/>
+            <ac:spMk id="3" creationId="{5243D821-3AEA-83B5-4AFA-57CE36FC0894}"/>
+          </ac:spMkLst>
+        </pc:spChg>
+        <pc:picChg chg="add mod ord modCrop">
+          <ac:chgData name="(s) Jackson Hau" userId="53784e41-29b4-41a9-aedc-2836ff8a2afb" providerId="ADAL" clId="{D2C11081-30DD-418C-BE20-D62B86B746C8}" dt="2024-01-13T18:23:44.163" v="394" actId="1076"/>
+          <ac:picMkLst>
+            <pc:docMk/>
+            <pc:sldMk cId="2171703894" sldId="269"/>
+            <ac:picMk id="5" creationId="{319D39AA-1C91-61E3-8407-5D1162ACF5D5}"/>
+          </ac:picMkLst>
+        </pc:picChg>
+      </pc:sldChg>
+    </pc:docChg>
+  </pc:docChgLst>
+</pc:chgInfo>
+</file>
+
 <file path=ppt/slideLayouts/slideLayout1.xml><?xml version="1.0" encoding="utf-8"?>
-<p:sldLayout xmlns:a="http://schemas.openxmlformats.org/drawingml/2006/main" xmlns:r="http://schemas.openxmlformats.org/officeDocument/2006/relationships" xmlns:p="http://schemas.openxmlformats.org/presentationml/2006/main" type="title" preserve="1">
+<p:sldLayout xmlns:a="http://schemas.openxmlformats.org/drawingml/2006/main" xmlns:r="http://schemas.openxmlformats.org/officeDocument/2006/relationships" xmlns:p="http://schemas.openxmlformats.org/presentationml/2006/main" showMasterSp="0" type="title" preserve="1">
   <p:cSld name="Title Slide">
+    <p:bg>
+      <p:bgPr>
+        <a:solidFill>
+          <a:schemeClr val="bg2">
+            <a:lumMod val="75000"/>
+          </a:schemeClr>
+        </a:solidFill>
+        <a:effectLst/>
+      </p:bgPr>
+    </p:bg>
     <p:spTree>
       <p:nvGrpSpPr>
         <p:cNvPr id="1" name=""/>
@@ -126,13 +549,7 @@
       </p:grpSpPr>
       <p:sp>
         <p:nvSpPr>
-          <p:cNvPr id="2" name="Title 1">
-            <a:extLst>
-              <a:ext uri="{FF2B5EF4-FFF2-40B4-BE49-F238E27FC236}">
-                <a16:creationId xmlns:a16="http://schemas.microsoft.com/office/drawing/2014/main" id="{1DD22B54-DAEF-9C48-07B9-4BE318FC3048}"/>
-              </a:ext>
-            </a:extLst>
-          </p:cNvPr>
+          <p:cNvPr id="2" name="Title 1"/>
           <p:cNvSpPr>
             <a:spLocks noGrp="1"/>
           </p:cNvSpPr>
@@ -142,15 +559,24 @@
         </p:nvSpPr>
         <p:spPr>
           <a:xfrm>
-            <a:off x="1524000" y="1122363"/>
-            <a:ext cx="9144000" cy="2387600"/>
+            <a:off x="1261872" y="758952"/>
+            <a:ext cx="9418320" cy="4041648"/>
           </a:xfrm>
         </p:spPr>
         <p:txBody>
-          <a:bodyPr anchor="b"/>
+          <a:bodyPr anchor="b">
+            <a:normAutofit/>
+          </a:bodyPr>
           <a:lstStyle>
-            <a:lvl1pPr algn="ctr">
-              <a:defRPr sz="6000"/>
+            <a:lvl1pPr algn="l">
+              <a:lnSpc>
+                <a:spcPct val="85000"/>
+              </a:lnSpc>
+              <a:defRPr sz="7200" baseline="0">
+                <a:solidFill>
+                  <a:schemeClr val="tx1"/>
+                </a:solidFill>
+              </a:defRPr>
             </a:lvl1pPr>
           </a:lstStyle>
           <a:p>
@@ -158,19 +584,13 @@
               <a:rPr lang="en-US"/>
               <a:t>Click to edit Master title style</a:t>
             </a:r>
-            <a:endParaRPr lang="en-MY"/>
-          </a:p>
-        </p:txBody>
-      </p:sp>
-      <p:sp>
-        <p:nvSpPr>
-          <p:cNvPr id="3" name="Subtitle 2">
-            <a:extLst>
-              <a:ext uri="{FF2B5EF4-FFF2-40B4-BE49-F238E27FC236}">
-                <a16:creationId xmlns:a16="http://schemas.microsoft.com/office/drawing/2014/main" id="{5350EA3E-D484-24E1-C902-46E659BF5995}"/>
-              </a:ext>
-            </a:extLst>
-          </p:cNvPr>
+            <a:endParaRPr lang="en-US" dirty="0"/>
+          </a:p>
+        </p:txBody>
+      </p:sp>
+      <p:sp>
+        <p:nvSpPr>
+          <p:cNvPr id="3" name="Subtitle 2"/>
           <p:cNvSpPr>
             <a:spLocks noGrp="1"/>
           </p:cNvSpPr>
@@ -180,48 +600,56 @@
         </p:nvSpPr>
         <p:spPr>
           <a:xfrm>
-            <a:off x="1524000" y="3602038"/>
-            <a:ext cx="9144000" cy="1655762"/>
+            <a:off x="1261872" y="4800600"/>
+            <a:ext cx="9418320" cy="1691640"/>
           </a:xfrm>
         </p:spPr>
         <p:txBody>
-          <a:bodyPr/>
+          <a:bodyPr>
+            <a:normAutofit/>
+          </a:bodyPr>
           <a:lstStyle>
-            <a:lvl1pPr marL="0" indent="0" algn="ctr">
+            <a:lvl1pPr marL="0" indent="0" algn="l">
               <a:buNone/>
-              <a:defRPr sz="2400"/>
+              <a:defRPr sz="2200" baseline="0">
+                <a:solidFill>
+                  <a:schemeClr val="tx1">
+                    <a:lumMod val="75000"/>
+                  </a:schemeClr>
+                </a:solidFill>
+              </a:defRPr>
             </a:lvl1pPr>
             <a:lvl2pPr marL="457200" indent="0" algn="ctr">
               <a:buNone/>
-              <a:defRPr sz="2000"/>
+              <a:defRPr sz="2200"/>
             </a:lvl2pPr>
             <a:lvl3pPr marL="914400" indent="0" algn="ctr">
               <a:buNone/>
-              <a:defRPr sz="1800"/>
+              <a:defRPr sz="2200"/>
             </a:lvl3pPr>
             <a:lvl4pPr marL="1371600" indent="0" algn="ctr">
               <a:buNone/>
-              <a:defRPr sz="1600"/>
+              <a:defRPr sz="2000"/>
             </a:lvl4pPr>
             <a:lvl5pPr marL="1828800" indent="0" algn="ctr">
               <a:buNone/>
-              <a:defRPr sz="1600"/>
+              <a:defRPr sz="2000"/>
             </a:lvl5pPr>
             <a:lvl6pPr marL="2286000" indent="0" algn="ctr">
               <a:buNone/>
-              <a:defRPr sz="1600"/>
+              <a:defRPr sz="2000"/>
             </a:lvl6pPr>
             <a:lvl7pPr marL="2743200" indent="0" algn="ctr">
               <a:buNone/>
-              <a:defRPr sz="1600"/>
+              <a:defRPr sz="2000"/>
             </a:lvl7pPr>
             <a:lvl8pPr marL="3200400" indent="0" algn="ctr">
               <a:buNone/>
-              <a:defRPr sz="1600"/>
+              <a:defRPr sz="2000"/>
             </a:lvl8pPr>
             <a:lvl9pPr marL="3657600" indent="0" algn="ctr">
               <a:buNone/>
-              <a:defRPr sz="1600"/>
+              <a:defRPr sz="2000"/>
             </a:lvl9pPr>
           </a:lstStyle>
           <a:p>
@@ -229,19 +657,13 @@
               <a:rPr lang="en-US"/>
               <a:t>Click to edit Master subtitle style</a:t>
             </a:r>
-            <a:endParaRPr lang="en-MY"/>
-          </a:p>
-        </p:txBody>
-      </p:sp>
-      <p:sp>
-        <p:nvSpPr>
-          <p:cNvPr id="4" name="Date Placeholder 3">
-            <a:extLst>
-              <a:ext uri="{FF2B5EF4-FFF2-40B4-BE49-F238E27FC236}">
-                <a16:creationId xmlns:a16="http://schemas.microsoft.com/office/drawing/2014/main" id="{5D005B39-C88A-3D42-DE69-A9986AE19355}"/>
-              </a:ext>
-            </a:extLst>
-          </p:cNvPr>
+            <a:endParaRPr lang="en-US" dirty="0"/>
+          </a:p>
+        </p:txBody>
+      </p:sp>
+      <p:sp>
+        <p:nvSpPr>
+          <p:cNvPr id="4" name="Date Placeholder 3"/>
           <p:cNvSpPr>
             <a:spLocks noGrp="1"/>
           </p:cNvSpPr>
@@ -252,11 +674,21 @@
         <p:spPr/>
         <p:txBody>
           <a:bodyPr/>
-          <a:lstStyle/>
+          <a:lstStyle>
+            <a:lvl1pPr>
+              <a:defRPr>
+                <a:solidFill>
+                  <a:schemeClr val="tx1">
+                    <a:lumMod val="50000"/>
+                  </a:schemeClr>
+                </a:solidFill>
+              </a:defRPr>
+            </a:lvl1pPr>
+          </a:lstStyle>
           <a:p>
             <a:fld id="{E42C0315-CB05-4C87-8043-96F5DC3A635F}" type="datetimeFigureOut">
               <a:rPr lang="en-MY" smtClean="0"/>
-              <a:t>4/1/2024</a:t>
+              <a:t>14/1/2024</a:t>
             </a:fld>
             <a:endParaRPr lang="en-MY"/>
           </a:p>
@@ -264,13 +696,7 @@
       </p:sp>
       <p:sp>
         <p:nvSpPr>
-          <p:cNvPr id="5" name="Footer Placeholder 4">
-            <a:extLst>
-              <a:ext uri="{FF2B5EF4-FFF2-40B4-BE49-F238E27FC236}">
-                <a16:creationId xmlns:a16="http://schemas.microsoft.com/office/drawing/2014/main" id="{F2BDFCE6-4974-DC67-7FD8-2E2389A61F9B}"/>
-              </a:ext>
-            </a:extLst>
-          </p:cNvPr>
+          <p:cNvPr id="5" name="Footer Placeholder 4"/>
           <p:cNvSpPr>
             <a:spLocks noGrp="1"/>
           </p:cNvSpPr>
@@ -281,7 +707,17 @@
         <p:spPr/>
         <p:txBody>
           <a:bodyPr/>
-          <a:lstStyle/>
+          <a:lstStyle>
+            <a:lvl1pPr>
+              <a:defRPr>
+                <a:solidFill>
+                  <a:schemeClr val="tx1">
+                    <a:lumMod val="65000"/>
+                  </a:schemeClr>
+                </a:solidFill>
+              </a:defRPr>
+            </a:lvl1pPr>
+          </a:lstStyle>
           <a:p>
             <a:endParaRPr lang="en-MY"/>
           </a:p>
@@ -289,13 +725,7 @@
       </p:sp>
       <p:sp>
         <p:nvSpPr>
-          <p:cNvPr id="6" name="Slide Number Placeholder 5">
-            <a:extLst>
-              <a:ext uri="{FF2B5EF4-FFF2-40B4-BE49-F238E27FC236}">
-                <a16:creationId xmlns:a16="http://schemas.microsoft.com/office/drawing/2014/main" id="{0832508E-D9D6-B406-1A7C-B03226858757}"/>
-              </a:ext>
-            </a:extLst>
-          </p:cNvPr>
+          <p:cNvPr id="6" name="Slide Number Placeholder 5"/>
           <p:cNvSpPr>
             <a:spLocks noGrp="1"/>
           </p:cNvSpPr>
@@ -306,7 +736,17 @@
         <p:spPr/>
         <p:txBody>
           <a:bodyPr/>
-          <a:lstStyle/>
+          <a:lstStyle>
+            <a:lvl1pPr>
+              <a:defRPr>
+                <a:solidFill>
+                  <a:schemeClr val="tx1">
+                    <a:lumMod val="65000"/>
+                  </a:schemeClr>
+                </a:solidFill>
+              </a:defRPr>
+            </a:lvl1pPr>
+          </a:lstStyle>
           <a:p>
             <a:fld id="{8C309E9C-A1B2-4B6F-95F5-4F9471CED59E}" type="slidenum">
               <a:rPr lang="en-MY" smtClean="0"/>
@@ -316,15 +756,53 @@
           </a:p>
         </p:txBody>
       </p:sp>
+      <p:sp>
+        <p:nvSpPr>
+          <p:cNvPr id="7" name="Rectangle 6"/>
+          <p:cNvSpPr/>
+          <p:nvPr/>
+        </p:nvSpPr>
+        <p:spPr>
+          <a:xfrm>
+            <a:off x="0" y="0"/>
+            <a:ext cx="457200" cy="6858000"/>
+          </a:xfrm>
+          <a:prstGeom prst="rect">
+            <a:avLst/>
+          </a:prstGeom>
+          <a:solidFill>
+            <a:schemeClr val="accent1"/>
+          </a:solidFill>
+          <a:ln>
+            <a:noFill/>
+          </a:ln>
+        </p:spPr>
+        <p:style>
+          <a:lnRef idx="2">
+            <a:schemeClr val="accent1">
+              <a:shade val="50000"/>
+            </a:schemeClr>
+          </a:lnRef>
+          <a:fillRef idx="1">
+            <a:schemeClr val="accent1"/>
+          </a:fillRef>
+          <a:effectRef idx="0">
+            <a:schemeClr val="accent1"/>
+          </a:effectRef>
+          <a:fontRef idx="minor">
+            <a:schemeClr val="lt1"/>
+          </a:fontRef>
+        </p:style>
+      </p:sp>
     </p:spTree>
     <p:extLst>
       <p:ext uri="{BB962C8B-B14F-4D97-AF65-F5344CB8AC3E}">
-        <p14:creationId xmlns:p14="http://schemas.microsoft.com/office/powerpoint/2010/main" val="1104337106"/>
+        <p14:creationId xmlns:p14="http://schemas.microsoft.com/office/powerpoint/2010/main" val="296076716"/>
       </p:ext>
     </p:extLst>
   </p:cSld>
   <p:clrMapOvr>
-    <a:masterClrMapping/>
+    <a:overrideClrMapping bg1="dk1" tx1="lt1" bg2="dk2" tx2="lt2" accent1="accent1" accent2="accent2" accent3="accent3" accent4="accent4" accent5="accent5" accent6="accent6" hlink="hlink" folHlink="folHlink"/>
   </p:clrMapOvr>
 </p:sldLayout>
 </file>
@@ -348,13 +826,7 @@
       </p:grpSpPr>
       <p:sp>
         <p:nvSpPr>
-          <p:cNvPr id="2" name="Title 1">
-            <a:extLst>
-              <a:ext uri="{FF2B5EF4-FFF2-40B4-BE49-F238E27FC236}">
-                <a16:creationId xmlns:a16="http://schemas.microsoft.com/office/drawing/2014/main" id="{21634355-CEFC-C187-5456-0129027D749B}"/>
-              </a:ext>
-            </a:extLst>
-          </p:cNvPr>
+          <p:cNvPr id="2" name="Title 1"/>
           <p:cNvSpPr>
             <a:spLocks noGrp="1"/>
           </p:cNvSpPr>
@@ -371,19 +843,13 @@
               <a:rPr lang="en-US"/>
               <a:t>Click to edit Master title style</a:t>
             </a:r>
-            <a:endParaRPr lang="en-MY"/>
-          </a:p>
-        </p:txBody>
-      </p:sp>
-      <p:sp>
-        <p:nvSpPr>
-          <p:cNvPr id="3" name="Vertical Text Placeholder 2">
-            <a:extLst>
-              <a:ext uri="{FF2B5EF4-FFF2-40B4-BE49-F238E27FC236}">
-                <a16:creationId xmlns:a16="http://schemas.microsoft.com/office/drawing/2014/main" id="{C82E862B-44E2-7889-BED7-2A0FE8C9160F}"/>
-              </a:ext>
-            </a:extLst>
-          </p:cNvPr>
+            <a:endParaRPr lang="en-US" dirty="0"/>
+          </a:p>
+        </p:txBody>
+      </p:sp>
+      <p:sp>
+        <p:nvSpPr>
+          <p:cNvPr id="3" name="Vertical Text Placeholder 2"/>
           <p:cNvSpPr>
             <a:spLocks noGrp="1"/>
           </p:cNvSpPr>
@@ -429,19 +895,13 @@
               <a:rPr lang="en-US"/>
               <a:t>Fifth level</a:t>
             </a:r>
-            <a:endParaRPr lang="en-MY"/>
-          </a:p>
-        </p:txBody>
-      </p:sp>
-      <p:sp>
-        <p:nvSpPr>
-          <p:cNvPr id="4" name="Date Placeholder 3">
-            <a:extLst>
-              <a:ext uri="{FF2B5EF4-FFF2-40B4-BE49-F238E27FC236}">
-                <a16:creationId xmlns:a16="http://schemas.microsoft.com/office/drawing/2014/main" id="{FD06A9B2-7D9A-8DC0-ECC3-556B49501EB8}"/>
-              </a:ext>
-            </a:extLst>
-          </p:cNvPr>
+            <a:endParaRPr lang="en-US" dirty="0"/>
+          </a:p>
+        </p:txBody>
+      </p:sp>
+      <p:sp>
+        <p:nvSpPr>
+          <p:cNvPr id="4" name="Date Placeholder 3"/>
           <p:cNvSpPr>
             <a:spLocks noGrp="1"/>
           </p:cNvSpPr>
@@ -456,7 +916,7 @@
           <a:p>
             <a:fld id="{E42C0315-CB05-4C87-8043-96F5DC3A635F}" type="datetimeFigureOut">
               <a:rPr lang="en-MY" smtClean="0"/>
-              <a:t>4/1/2024</a:t>
+              <a:t>14/1/2024</a:t>
             </a:fld>
             <a:endParaRPr lang="en-MY"/>
           </a:p>
@@ -464,13 +924,7 @@
       </p:sp>
       <p:sp>
         <p:nvSpPr>
-          <p:cNvPr id="5" name="Footer Placeholder 4">
-            <a:extLst>
-              <a:ext uri="{FF2B5EF4-FFF2-40B4-BE49-F238E27FC236}">
-                <a16:creationId xmlns:a16="http://schemas.microsoft.com/office/drawing/2014/main" id="{43690F46-172B-49CD-2E96-7FB1B3E85030}"/>
-              </a:ext>
-            </a:extLst>
-          </p:cNvPr>
+          <p:cNvPr id="5" name="Footer Placeholder 4"/>
           <p:cNvSpPr>
             <a:spLocks noGrp="1"/>
           </p:cNvSpPr>
@@ -489,13 +943,7 @@
       </p:sp>
       <p:sp>
         <p:nvSpPr>
-          <p:cNvPr id="6" name="Slide Number Placeholder 5">
-            <a:extLst>
-              <a:ext uri="{FF2B5EF4-FFF2-40B4-BE49-F238E27FC236}">
-                <a16:creationId xmlns:a16="http://schemas.microsoft.com/office/drawing/2014/main" id="{54C70D1D-6377-B961-1539-663F19A3D73B}"/>
-              </a:ext>
-            </a:extLst>
-          </p:cNvPr>
+          <p:cNvPr id="6" name="Slide Number Placeholder 5"/>
           <p:cNvSpPr>
             <a:spLocks noGrp="1"/>
           </p:cNvSpPr>
@@ -519,7 +967,7 @@
     </p:spTree>
     <p:extLst>
       <p:ext uri="{BB962C8B-B14F-4D97-AF65-F5344CB8AC3E}">
-        <p14:creationId xmlns:p14="http://schemas.microsoft.com/office/powerpoint/2010/main" val="435947668"/>
+        <p14:creationId xmlns:p14="http://schemas.microsoft.com/office/powerpoint/2010/main" val="1339857032"/>
       </p:ext>
     </p:extLst>
   </p:cSld>
@@ -548,13 +996,7 @@
       </p:grpSpPr>
       <p:sp>
         <p:nvSpPr>
-          <p:cNvPr id="2" name="Vertical Title 1">
-            <a:extLst>
-              <a:ext uri="{FF2B5EF4-FFF2-40B4-BE49-F238E27FC236}">
-                <a16:creationId xmlns:a16="http://schemas.microsoft.com/office/drawing/2014/main" id="{0BA6C931-D828-39E9-734A-D9B387E7F8E7}"/>
-              </a:ext>
-            </a:extLst>
-          </p:cNvPr>
+          <p:cNvPr id="2" name="Vertical Title 1"/>
           <p:cNvSpPr>
             <a:spLocks noGrp="1"/>
           </p:cNvSpPr>
@@ -564,8 +1006,8 @@
         </p:nvSpPr>
         <p:spPr>
           <a:xfrm>
-            <a:off x="8724900" y="365125"/>
-            <a:ext cx="2628900" cy="5811838"/>
+            <a:off x="8648700" y="381000"/>
+            <a:ext cx="2476500" cy="5897562"/>
           </a:xfrm>
         </p:spPr>
         <p:txBody>
@@ -576,19 +1018,13 @@
               <a:rPr lang="en-US"/>
               <a:t>Click to edit Master title style</a:t>
             </a:r>
-            <a:endParaRPr lang="en-MY"/>
-          </a:p>
-        </p:txBody>
-      </p:sp>
-      <p:sp>
-        <p:nvSpPr>
-          <p:cNvPr id="3" name="Vertical Text Placeholder 2">
-            <a:extLst>
-              <a:ext uri="{FF2B5EF4-FFF2-40B4-BE49-F238E27FC236}">
-                <a16:creationId xmlns:a16="http://schemas.microsoft.com/office/drawing/2014/main" id="{53BCA44B-663E-8C8B-8961-867503244E77}"/>
-              </a:ext>
-            </a:extLst>
-          </p:cNvPr>
+            <a:endParaRPr lang="en-US" dirty="0"/>
+          </a:p>
+        </p:txBody>
+      </p:sp>
+      <p:sp>
+        <p:nvSpPr>
+          <p:cNvPr id="3" name="Vertical Text Placeholder 2"/>
           <p:cNvSpPr>
             <a:spLocks noGrp="1"/>
           </p:cNvSpPr>
@@ -598,8 +1034,8 @@
         </p:nvSpPr>
         <p:spPr>
           <a:xfrm>
-            <a:off x="838200" y="365125"/>
-            <a:ext cx="7734300" cy="5811838"/>
+            <a:off x="762000" y="381000"/>
+            <a:ext cx="7734300" cy="5897562"/>
           </a:xfrm>
         </p:spPr>
         <p:txBody>
@@ -639,19 +1075,13 @@
               <a:rPr lang="en-US"/>
               <a:t>Fifth level</a:t>
             </a:r>
-            <a:endParaRPr lang="en-MY"/>
-          </a:p>
-        </p:txBody>
-      </p:sp>
-      <p:sp>
-        <p:nvSpPr>
-          <p:cNvPr id="4" name="Date Placeholder 3">
-            <a:extLst>
-              <a:ext uri="{FF2B5EF4-FFF2-40B4-BE49-F238E27FC236}">
-                <a16:creationId xmlns:a16="http://schemas.microsoft.com/office/drawing/2014/main" id="{006526D2-ABA6-3E8C-BC03-6DEA86B08363}"/>
-              </a:ext>
-            </a:extLst>
-          </p:cNvPr>
+            <a:endParaRPr lang="en-US" dirty="0"/>
+          </a:p>
+        </p:txBody>
+      </p:sp>
+      <p:sp>
+        <p:nvSpPr>
+          <p:cNvPr id="4" name="Date Placeholder 3"/>
           <p:cNvSpPr>
             <a:spLocks noGrp="1"/>
           </p:cNvSpPr>
@@ -666,7 +1096,7 @@
           <a:p>
             <a:fld id="{E42C0315-CB05-4C87-8043-96F5DC3A635F}" type="datetimeFigureOut">
               <a:rPr lang="en-MY" smtClean="0"/>
-              <a:t>4/1/2024</a:t>
+              <a:t>14/1/2024</a:t>
             </a:fld>
             <a:endParaRPr lang="en-MY"/>
           </a:p>
@@ -674,13 +1104,7 @@
       </p:sp>
       <p:sp>
         <p:nvSpPr>
-          <p:cNvPr id="5" name="Footer Placeholder 4">
-            <a:extLst>
-              <a:ext uri="{FF2B5EF4-FFF2-40B4-BE49-F238E27FC236}">
-                <a16:creationId xmlns:a16="http://schemas.microsoft.com/office/drawing/2014/main" id="{52AC4DB7-5B12-269E-4D29-78B97DD3F660}"/>
-              </a:ext>
-            </a:extLst>
-          </p:cNvPr>
+          <p:cNvPr id="5" name="Footer Placeholder 4"/>
           <p:cNvSpPr>
             <a:spLocks noGrp="1"/>
           </p:cNvSpPr>
@@ -699,13 +1123,7 @@
       </p:sp>
       <p:sp>
         <p:nvSpPr>
-          <p:cNvPr id="6" name="Slide Number Placeholder 5">
-            <a:extLst>
-              <a:ext uri="{FF2B5EF4-FFF2-40B4-BE49-F238E27FC236}">
-                <a16:creationId xmlns:a16="http://schemas.microsoft.com/office/drawing/2014/main" id="{ECEDA80D-8079-D1EC-8927-9732922CAFC7}"/>
-              </a:ext>
-            </a:extLst>
-          </p:cNvPr>
+          <p:cNvPr id="6" name="Slide Number Placeholder 5"/>
           <p:cNvSpPr>
             <a:spLocks noGrp="1"/>
           </p:cNvSpPr>
@@ -729,7 +1147,7 @@
     </p:spTree>
     <p:extLst>
       <p:ext uri="{BB962C8B-B14F-4D97-AF65-F5344CB8AC3E}">
-        <p14:creationId xmlns:p14="http://schemas.microsoft.com/office/powerpoint/2010/main" val="3525323613"/>
+        <p14:creationId xmlns:p14="http://schemas.microsoft.com/office/powerpoint/2010/main" val="3766486119"/>
       </p:ext>
     </p:extLst>
   </p:cSld>
@@ -758,13 +1176,7 @@
       </p:grpSpPr>
       <p:sp>
         <p:nvSpPr>
-          <p:cNvPr id="2" name="Title 1">
-            <a:extLst>
-              <a:ext uri="{FF2B5EF4-FFF2-40B4-BE49-F238E27FC236}">
-                <a16:creationId xmlns:a16="http://schemas.microsoft.com/office/drawing/2014/main" id="{F0B0954F-4D91-9363-66D9-5701CD125917}"/>
-              </a:ext>
-            </a:extLst>
-          </p:cNvPr>
+          <p:cNvPr id="2" name="Title 1"/>
           <p:cNvSpPr>
             <a:spLocks noGrp="1"/>
           </p:cNvSpPr>
@@ -781,19 +1193,13 @@
               <a:rPr lang="en-US"/>
               <a:t>Click to edit Master title style</a:t>
             </a:r>
-            <a:endParaRPr lang="en-MY"/>
-          </a:p>
-        </p:txBody>
-      </p:sp>
-      <p:sp>
-        <p:nvSpPr>
-          <p:cNvPr id="3" name="Content Placeholder 2">
-            <a:extLst>
-              <a:ext uri="{FF2B5EF4-FFF2-40B4-BE49-F238E27FC236}">
-                <a16:creationId xmlns:a16="http://schemas.microsoft.com/office/drawing/2014/main" id="{DAEA519D-BC52-0075-B455-0CF875019F4A}"/>
-              </a:ext>
-            </a:extLst>
-          </p:cNvPr>
+            <a:endParaRPr lang="en-US" dirty="0"/>
+          </a:p>
+        </p:txBody>
+      </p:sp>
+      <p:sp>
+        <p:nvSpPr>
+          <p:cNvPr id="3" name="Content Placeholder 2"/>
           <p:cNvSpPr>
             <a:spLocks noGrp="1"/>
           </p:cNvSpPr>
@@ -839,19 +1245,13 @@
               <a:rPr lang="en-US"/>
               <a:t>Fifth level</a:t>
             </a:r>
-            <a:endParaRPr lang="en-MY"/>
-          </a:p>
-        </p:txBody>
-      </p:sp>
-      <p:sp>
-        <p:nvSpPr>
-          <p:cNvPr id="4" name="Date Placeholder 3">
-            <a:extLst>
-              <a:ext uri="{FF2B5EF4-FFF2-40B4-BE49-F238E27FC236}">
-                <a16:creationId xmlns:a16="http://schemas.microsoft.com/office/drawing/2014/main" id="{AF3D9EBB-F871-62B8-7703-11DDC5D31D4D}"/>
-              </a:ext>
-            </a:extLst>
-          </p:cNvPr>
+            <a:endParaRPr lang="en-US" dirty="0"/>
+          </a:p>
+        </p:txBody>
+      </p:sp>
+      <p:sp>
+        <p:nvSpPr>
+          <p:cNvPr id="4" name="Date Placeholder 3"/>
           <p:cNvSpPr>
             <a:spLocks noGrp="1"/>
           </p:cNvSpPr>
@@ -866,7 +1266,7 @@
           <a:p>
             <a:fld id="{E42C0315-CB05-4C87-8043-96F5DC3A635F}" type="datetimeFigureOut">
               <a:rPr lang="en-MY" smtClean="0"/>
-              <a:t>4/1/2024</a:t>
+              <a:t>14/1/2024</a:t>
             </a:fld>
             <a:endParaRPr lang="en-MY"/>
           </a:p>
@@ -874,13 +1274,7 @@
       </p:sp>
       <p:sp>
         <p:nvSpPr>
-          <p:cNvPr id="5" name="Footer Placeholder 4">
-            <a:extLst>
-              <a:ext uri="{FF2B5EF4-FFF2-40B4-BE49-F238E27FC236}">
-                <a16:creationId xmlns:a16="http://schemas.microsoft.com/office/drawing/2014/main" id="{BAB4B975-7F90-2810-4974-2345911BBAD7}"/>
-              </a:ext>
-            </a:extLst>
-          </p:cNvPr>
+          <p:cNvPr id="5" name="Footer Placeholder 4"/>
           <p:cNvSpPr>
             <a:spLocks noGrp="1"/>
           </p:cNvSpPr>
@@ -899,13 +1293,7 @@
       </p:sp>
       <p:sp>
         <p:nvSpPr>
-          <p:cNvPr id="6" name="Slide Number Placeholder 5">
-            <a:extLst>
-              <a:ext uri="{FF2B5EF4-FFF2-40B4-BE49-F238E27FC236}">
-                <a16:creationId xmlns:a16="http://schemas.microsoft.com/office/drawing/2014/main" id="{79677BF5-E0FC-DF40-A017-BEB0A37C8141}"/>
-              </a:ext>
-            </a:extLst>
-          </p:cNvPr>
+          <p:cNvPr id="6" name="Slide Number Placeholder 5"/>
           <p:cNvSpPr>
             <a:spLocks noGrp="1"/>
           </p:cNvSpPr>
@@ -929,7 +1317,7 @@
     </p:spTree>
     <p:extLst>
       <p:ext uri="{BB962C8B-B14F-4D97-AF65-F5344CB8AC3E}">
-        <p14:creationId xmlns:p14="http://schemas.microsoft.com/office/powerpoint/2010/main" val="654976711"/>
+        <p14:creationId xmlns:p14="http://schemas.microsoft.com/office/powerpoint/2010/main" val="1592354892"/>
       </p:ext>
     </p:extLst>
   </p:cSld>
@@ -958,13 +1346,7 @@
       </p:grpSpPr>
       <p:sp>
         <p:nvSpPr>
-          <p:cNvPr id="2" name="Title 1">
-            <a:extLst>
-              <a:ext uri="{FF2B5EF4-FFF2-40B4-BE49-F238E27FC236}">
-                <a16:creationId xmlns:a16="http://schemas.microsoft.com/office/drawing/2014/main" id="{CCF139B1-40AB-55B9-456A-142DE4940CD1}"/>
-              </a:ext>
-            </a:extLst>
-          </p:cNvPr>
+          <p:cNvPr id="2" name="Title 1"/>
           <p:cNvSpPr>
             <a:spLocks noGrp="1"/>
           </p:cNvSpPr>
@@ -974,15 +1356,20 @@
         </p:nvSpPr>
         <p:spPr>
           <a:xfrm>
-            <a:off x="831850" y="1709738"/>
-            <a:ext cx="10515600" cy="2852737"/>
+            <a:off x="1261872" y="758952"/>
+            <a:ext cx="9418320" cy="4041648"/>
           </a:xfrm>
         </p:spPr>
         <p:txBody>
-          <a:bodyPr anchor="b"/>
+          <a:bodyPr anchor="b">
+            <a:normAutofit/>
+          </a:bodyPr>
           <a:lstStyle>
             <a:lvl1pPr>
-              <a:defRPr sz="6000"/>
+              <a:lnSpc>
+                <a:spcPct val="85000"/>
+              </a:lnSpc>
+              <a:defRPr sz="7200" b="0"/>
             </a:lvl1pPr>
           </a:lstStyle>
           <a:p>
@@ -990,19 +1377,13 @@
               <a:rPr lang="en-US"/>
               <a:t>Click to edit Master title style</a:t>
             </a:r>
-            <a:endParaRPr lang="en-MY"/>
-          </a:p>
-        </p:txBody>
-      </p:sp>
-      <p:sp>
-        <p:nvSpPr>
-          <p:cNvPr id="3" name="Text Placeholder 2">
-            <a:extLst>
-              <a:ext uri="{FF2B5EF4-FFF2-40B4-BE49-F238E27FC236}">
-                <a16:creationId xmlns:a16="http://schemas.microsoft.com/office/drawing/2014/main" id="{808529B9-A409-6E44-55E3-1863AA05F0AD}"/>
-              </a:ext>
-            </a:extLst>
-          </p:cNvPr>
+            <a:endParaRPr lang="en-US" dirty="0"/>
+          </a:p>
+        </p:txBody>
+      </p:sp>
+      <p:sp>
+        <p:nvSpPr>
+          <p:cNvPr id="3" name="Text Placeholder 2"/>
           <p:cNvSpPr>
             <a:spLocks noGrp="1"/>
           </p:cNvSpPr>
@@ -1012,26 +1393,29 @@
         </p:nvSpPr>
         <p:spPr>
           <a:xfrm>
-            <a:off x="831850" y="4589463"/>
-            <a:ext cx="10515600" cy="1500187"/>
+            <a:off x="1261872" y="4800600"/>
+            <a:ext cx="9418320" cy="1691640"/>
           </a:xfrm>
         </p:spPr>
         <p:txBody>
-          <a:bodyPr/>
+          <a:bodyPr anchor="t">
+            <a:normAutofit/>
+          </a:bodyPr>
           <a:lstStyle>
             <a:lvl1pPr marL="0" indent="0">
               <a:buNone/>
-              <a:defRPr sz="2400">
+              <a:defRPr sz="2200">
                 <a:solidFill>
                   <a:schemeClr val="tx1">
-                    <a:tint val="75000"/>
+                    <a:lumMod val="65000"/>
+                    <a:lumOff val="35000"/>
                   </a:schemeClr>
                 </a:solidFill>
               </a:defRPr>
             </a:lvl1pPr>
             <a:lvl2pPr marL="457200" indent="0">
               <a:buNone/>
-              <a:defRPr sz="2000">
+              <a:defRPr sz="1800">
                 <a:solidFill>
                   <a:schemeClr val="tx1">
                     <a:tint val="75000"/>
@@ -1041,7 +1425,7 @@
             </a:lvl2pPr>
             <a:lvl3pPr marL="914400" indent="0">
               <a:buNone/>
-              <a:defRPr sz="1800">
+              <a:defRPr sz="1600">
                 <a:solidFill>
                   <a:schemeClr val="tx1">
                     <a:tint val="75000"/>
@@ -1051,7 +1435,7 @@
             </a:lvl3pPr>
             <a:lvl4pPr marL="1371600" indent="0">
               <a:buNone/>
-              <a:defRPr sz="1600">
+              <a:defRPr sz="1400">
                 <a:solidFill>
                   <a:schemeClr val="tx1">
                     <a:tint val="75000"/>
@@ -1061,7 +1445,7 @@
             </a:lvl4pPr>
             <a:lvl5pPr marL="1828800" indent="0">
               <a:buNone/>
-              <a:defRPr sz="1600">
+              <a:defRPr sz="1400">
                 <a:solidFill>
                   <a:schemeClr val="tx1">
                     <a:tint val="75000"/>
@@ -1071,7 +1455,7 @@
             </a:lvl5pPr>
             <a:lvl6pPr marL="2286000" indent="0">
               <a:buNone/>
-              <a:defRPr sz="1600">
+              <a:defRPr sz="1400">
                 <a:solidFill>
                   <a:schemeClr val="tx1">
                     <a:tint val="75000"/>
@@ -1081,7 +1465,7 @@
             </a:lvl6pPr>
             <a:lvl7pPr marL="2743200" indent="0">
               <a:buNone/>
-              <a:defRPr sz="1600">
+              <a:defRPr sz="1400">
                 <a:solidFill>
                   <a:schemeClr val="tx1">
                     <a:tint val="75000"/>
@@ -1091,7 +1475,7 @@
             </a:lvl7pPr>
             <a:lvl8pPr marL="3200400" indent="0">
               <a:buNone/>
-              <a:defRPr sz="1600">
+              <a:defRPr sz="1400">
                 <a:solidFill>
                   <a:schemeClr val="tx1">
                     <a:tint val="75000"/>
@@ -1101,7 +1485,7 @@
             </a:lvl8pPr>
             <a:lvl9pPr marL="3657600" indent="0">
               <a:buNone/>
-              <a:defRPr sz="1600">
+              <a:defRPr sz="1400">
                 <a:solidFill>
                   <a:schemeClr val="tx1">
                     <a:tint val="75000"/>
@@ -1121,13 +1505,7 @@
       </p:sp>
       <p:sp>
         <p:nvSpPr>
-          <p:cNvPr id="4" name="Date Placeholder 3">
-            <a:extLst>
-              <a:ext uri="{FF2B5EF4-FFF2-40B4-BE49-F238E27FC236}">
-                <a16:creationId xmlns:a16="http://schemas.microsoft.com/office/drawing/2014/main" id="{499D6E83-7211-7866-06A3-210F8AB446F9}"/>
-              </a:ext>
-            </a:extLst>
-          </p:cNvPr>
+          <p:cNvPr id="4" name="Date Placeholder 3"/>
           <p:cNvSpPr>
             <a:spLocks noGrp="1"/>
           </p:cNvSpPr>
@@ -1142,7 +1520,7 @@
           <a:p>
             <a:fld id="{E42C0315-CB05-4C87-8043-96F5DC3A635F}" type="datetimeFigureOut">
               <a:rPr lang="en-MY" smtClean="0"/>
-              <a:t>4/1/2024</a:t>
+              <a:t>14/1/2024</a:t>
             </a:fld>
             <a:endParaRPr lang="en-MY"/>
           </a:p>
@@ -1150,13 +1528,7 @@
       </p:sp>
       <p:sp>
         <p:nvSpPr>
-          <p:cNvPr id="5" name="Footer Placeholder 4">
-            <a:extLst>
-              <a:ext uri="{FF2B5EF4-FFF2-40B4-BE49-F238E27FC236}">
-                <a16:creationId xmlns:a16="http://schemas.microsoft.com/office/drawing/2014/main" id="{E554DB10-2F95-8D59-BE9A-0B240109616D}"/>
-              </a:ext>
-            </a:extLst>
-          </p:cNvPr>
+          <p:cNvPr id="5" name="Footer Placeholder 4"/>
           <p:cNvSpPr>
             <a:spLocks noGrp="1"/>
           </p:cNvSpPr>
@@ -1175,13 +1547,7 @@
       </p:sp>
       <p:sp>
         <p:nvSpPr>
-          <p:cNvPr id="6" name="Slide Number Placeholder 5">
-            <a:extLst>
-              <a:ext uri="{FF2B5EF4-FFF2-40B4-BE49-F238E27FC236}">
-                <a16:creationId xmlns:a16="http://schemas.microsoft.com/office/drawing/2014/main" id="{8A7229EE-6CC8-F9B7-C1E5-79C6932468C1}"/>
-              </a:ext>
-            </a:extLst>
-          </p:cNvPr>
+          <p:cNvPr id="6" name="Slide Number Placeholder 5"/>
           <p:cNvSpPr>
             <a:spLocks noGrp="1"/>
           </p:cNvSpPr>
@@ -1202,10 +1568,48 @@
           </a:p>
         </p:txBody>
       </p:sp>
+      <p:sp>
+        <p:nvSpPr>
+          <p:cNvPr id="7" name="Rectangle 6"/>
+          <p:cNvSpPr/>
+          <p:nvPr/>
+        </p:nvSpPr>
+        <p:spPr>
+          <a:xfrm>
+            <a:off x="0" y="0"/>
+            <a:ext cx="457200" cy="6858000"/>
+          </a:xfrm>
+          <a:prstGeom prst="rect">
+            <a:avLst/>
+          </a:prstGeom>
+          <a:solidFill>
+            <a:schemeClr val="accent1"/>
+          </a:solidFill>
+          <a:ln>
+            <a:noFill/>
+          </a:ln>
+        </p:spPr>
+        <p:style>
+          <a:lnRef idx="2">
+            <a:schemeClr val="accent1">
+              <a:shade val="50000"/>
+            </a:schemeClr>
+          </a:lnRef>
+          <a:fillRef idx="1">
+            <a:schemeClr val="accent1"/>
+          </a:fillRef>
+          <a:effectRef idx="0">
+            <a:schemeClr val="accent1"/>
+          </a:effectRef>
+          <a:fontRef idx="minor">
+            <a:schemeClr val="lt1"/>
+          </a:fontRef>
+        </p:style>
+      </p:sp>
     </p:spTree>
     <p:extLst>
       <p:ext uri="{BB962C8B-B14F-4D97-AF65-F5344CB8AC3E}">
-        <p14:creationId xmlns:p14="http://schemas.microsoft.com/office/powerpoint/2010/main" val="1457141499"/>
+        <p14:creationId xmlns:p14="http://schemas.microsoft.com/office/powerpoint/2010/main" val="4090025016"/>
       </p:ext>
     </p:extLst>
   </p:cSld>
@@ -1234,13 +1638,7 @@
       </p:grpSpPr>
       <p:sp>
         <p:nvSpPr>
-          <p:cNvPr id="2" name="Title 1">
-            <a:extLst>
-              <a:ext uri="{FF2B5EF4-FFF2-40B4-BE49-F238E27FC236}">
-                <a16:creationId xmlns:a16="http://schemas.microsoft.com/office/drawing/2014/main" id="{CBA4ABB4-678F-4881-D880-A5594E723B47}"/>
-              </a:ext>
-            </a:extLst>
-          </p:cNvPr>
+          <p:cNvPr id="2" name="Title 1"/>
           <p:cNvSpPr>
             <a:spLocks noGrp="1"/>
           </p:cNvSpPr>
@@ -1257,19 +1655,13 @@
               <a:rPr lang="en-US"/>
               <a:t>Click to edit Master title style</a:t>
             </a:r>
-            <a:endParaRPr lang="en-MY"/>
-          </a:p>
-        </p:txBody>
-      </p:sp>
-      <p:sp>
-        <p:nvSpPr>
-          <p:cNvPr id="3" name="Content Placeholder 2">
-            <a:extLst>
-              <a:ext uri="{FF2B5EF4-FFF2-40B4-BE49-F238E27FC236}">
-                <a16:creationId xmlns:a16="http://schemas.microsoft.com/office/drawing/2014/main" id="{D3CDD6E7-44C6-CC69-E7D5-4DC817734F48}"/>
-              </a:ext>
-            </a:extLst>
-          </p:cNvPr>
+            <a:endParaRPr lang="en-US" dirty="0"/>
+          </a:p>
+        </p:txBody>
+      </p:sp>
+      <p:sp>
+        <p:nvSpPr>
+          <p:cNvPr id="3" name="Content Placeholder 2"/>
           <p:cNvSpPr>
             <a:spLocks noGrp="1"/>
           </p:cNvSpPr>
@@ -1279,13 +1671,41 @@
         </p:nvSpPr>
         <p:spPr>
           <a:xfrm>
-            <a:off x="838200" y="1825625"/>
-            <a:ext cx="5181600" cy="4351338"/>
+            <a:off x="1261872" y="1828800"/>
+            <a:ext cx="4480560" cy="4351337"/>
           </a:xfrm>
         </p:spPr>
         <p:txBody>
           <a:bodyPr/>
-          <a:lstStyle/>
+          <a:lstStyle>
+            <a:lvl1pPr>
+              <a:defRPr sz="1800"/>
+            </a:lvl1pPr>
+            <a:lvl2pPr>
+              <a:defRPr sz="1600"/>
+            </a:lvl2pPr>
+            <a:lvl3pPr>
+              <a:defRPr sz="1400"/>
+            </a:lvl3pPr>
+            <a:lvl4pPr>
+              <a:defRPr sz="1400"/>
+            </a:lvl4pPr>
+            <a:lvl5pPr>
+              <a:defRPr sz="1400"/>
+            </a:lvl5pPr>
+            <a:lvl6pPr>
+              <a:defRPr sz="1400"/>
+            </a:lvl6pPr>
+            <a:lvl7pPr>
+              <a:defRPr sz="1400"/>
+            </a:lvl7pPr>
+            <a:lvl8pPr>
+              <a:defRPr sz="1400"/>
+            </a:lvl8pPr>
+            <a:lvl9pPr>
+              <a:defRPr sz="1400"/>
+            </a:lvl9pPr>
+          </a:lstStyle>
           <a:p>
             <a:pPr lvl="0"/>
             <a:r>
@@ -1320,19 +1740,13 @@
               <a:rPr lang="en-US"/>
               <a:t>Fifth level</a:t>
             </a:r>
-            <a:endParaRPr lang="en-MY"/>
-          </a:p>
-        </p:txBody>
-      </p:sp>
-      <p:sp>
-        <p:nvSpPr>
-          <p:cNvPr id="4" name="Content Placeholder 3">
-            <a:extLst>
-              <a:ext uri="{FF2B5EF4-FFF2-40B4-BE49-F238E27FC236}">
-                <a16:creationId xmlns:a16="http://schemas.microsoft.com/office/drawing/2014/main" id="{777733BA-DD8B-83F3-DC10-6AFBF6FA6781}"/>
-              </a:ext>
-            </a:extLst>
-          </p:cNvPr>
+            <a:endParaRPr lang="en-US" dirty="0"/>
+          </a:p>
+        </p:txBody>
+      </p:sp>
+      <p:sp>
+        <p:nvSpPr>
+          <p:cNvPr id="4" name="Content Placeholder 3"/>
           <p:cNvSpPr>
             <a:spLocks noGrp="1"/>
           </p:cNvSpPr>
@@ -1342,13 +1756,41 @@
         </p:nvSpPr>
         <p:spPr>
           <a:xfrm>
-            <a:off x="6172200" y="1825625"/>
-            <a:ext cx="5181600" cy="4351338"/>
+            <a:off x="6126480" y="1828800"/>
+            <a:ext cx="4480560" cy="4351337"/>
           </a:xfrm>
         </p:spPr>
         <p:txBody>
           <a:bodyPr/>
-          <a:lstStyle/>
+          <a:lstStyle>
+            <a:lvl1pPr>
+              <a:defRPr sz="1800"/>
+            </a:lvl1pPr>
+            <a:lvl2pPr>
+              <a:defRPr sz="1600"/>
+            </a:lvl2pPr>
+            <a:lvl3pPr>
+              <a:defRPr sz="1400"/>
+            </a:lvl3pPr>
+            <a:lvl4pPr>
+              <a:defRPr sz="1400"/>
+            </a:lvl4pPr>
+            <a:lvl5pPr>
+              <a:defRPr sz="1400"/>
+            </a:lvl5pPr>
+            <a:lvl6pPr>
+              <a:defRPr sz="1400"/>
+            </a:lvl6pPr>
+            <a:lvl7pPr>
+              <a:defRPr sz="1400"/>
+            </a:lvl7pPr>
+            <a:lvl8pPr>
+              <a:defRPr sz="1400"/>
+            </a:lvl8pPr>
+            <a:lvl9pPr>
+              <a:defRPr sz="1400"/>
+            </a:lvl9pPr>
+          </a:lstStyle>
           <a:p>
             <a:pPr lvl="0"/>
             <a:r>
@@ -1383,19 +1825,13 @@
               <a:rPr lang="en-US"/>
               <a:t>Fifth level</a:t>
             </a:r>
-            <a:endParaRPr lang="en-MY"/>
-          </a:p>
-        </p:txBody>
-      </p:sp>
-      <p:sp>
-        <p:nvSpPr>
-          <p:cNvPr id="5" name="Date Placeholder 4">
-            <a:extLst>
-              <a:ext uri="{FF2B5EF4-FFF2-40B4-BE49-F238E27FC236}">
-                <a16:creationId xmlns:a16="http://schemas.microsoft.com/office/drawing/2014/main" id="{F8BFA24C-2032-1EBB-0554-338B3BF040DF}"/>
-              </a:ext>
-            </a:extLst>
-          </p:cNvPr>
+            <a:endParaRPr lang="en-US" dirty="0"/>
+          </a:p>
+        </p:txBody>
+      </p:sp>
+      <p:sp>
+        <p:nvSpPr>
+          <p:cNvPr id="5" name="Date Placeholder 4"/>
           <p:cNvSpPr>
             <a:spLocks noGrp="1"/>
           </p:cNvSpPr>
@@ -1410,7 +1846,7 @@
           <a:p>
             <a:fld id="{E42C0315-CB05-4C87-8043-96F5DC3A635F}" type="datetimeFigureOut">
               <a:rPr lang="en-MY" smtClean="0"/>
-              <a:t>4/1/2024</a:t>
+              <a:t>14/1/2024</a:t>
             </a:fld>
             <a:endParaRPr lang="en-MY"/>
           </a:p>
@@ -1418,13 +1854,7 @@
       </p:sp>
       <p:sp>
         <p:nvSpPr>
-          <p:cNvPr id="6" name="Footer Placeholder 5">
-            <a:extLst>
-              <a:ext uri="{FF2B5EF4-FFF2-40B4-BE49-F238E27FC236}">
-                <a16:creationId xmlns:a16="http://schemas.microsoft.com/office/drawing/2014/main" id="{513A8CA9-5238-8B6C-126E-C1F5C4BFD494}"/>
-              </a:ext>
-            </a:extLst>
-          </p:cNvPr>
+          <p:cNvPr id="6" name="Footer Placeholder 5"/>
           <p:cNvSpPr>
             <a:spLocks noGrp="1"/>
           </p:cNvSpPr>
@@ -1443,13 +1873,7 @@
       </p:sp>
       <p:sp>
         <p:nvSpPr>
-          <p:cNvPr id="7" name="Slide Number Placeholder 6">
-            <a:extLst>
-              <a:ext uri="{FF2B5EF4-FFF2-40B4-BE49-F238E27FC236}">
-                <a16:creationId xmlns:a16="http://schemas.microsoft.com/office/drawing/2014/main" id="{78CA2E53-3859-6B34-4ECF-F433F0F0D1D2}"/>
-              </a:ext>
-            </a:extLst>
-          </p:cNvPr>
+          <p:cNvPr id="7" name="Slide Number Placeholder 6"/>
           <p:cNvSpPr>
             <a:spLocks noGrp="1"/>
           </p:cNvSpPr>
@@ -1473,7 +1897,7 @@
     </p:spTree>
     <p:extLst>
       <p:ext uri="{BB962C8B-B14F-4D97-AF65-F5344CB8AC3E}">
-        <p14:creationId xmlns:p14="http://schemas.microsoft.com/office/powerpoint/2010/main" val="1636331508"/>
+        <p14:creationId xmlns:p14="http://schemas.microsoft.com/office/powerpoint/2010/main" val="3010180131"/>
       </p:ext>
     </p:extLst>
   </p:cSld>
@@ -1502,66 +1926,58 @@
       </p:grpSpPr>
       <p:sp>
         <p:nvSpPr>
-          <p:cNvPr id="2" name="Title 1">
-            <a:extLst>
-              <a:ext uri="{FF2B5EF4-FFF2-40B4-BE49-F238E27FC236}">
-                <a16:creationId xmlns:a16="http://schemas.microsoft.com/office/drawing/2014/main" id="{6DBCD60E-6083-8906-0821-39003F51499A}"/>
-              </a:ext>
-            </a:extLst>
-          </p:cNvPr>
+          <p:cNvPr id="10" name="Title 9"/>
           <p:cNvSpPr>
             <a:spLocks noGrp="1"/>
           </p:cNvSpPr>
           <p:nvPr>
             <p:ph type="title"/>
+          </p:nvPr>
+        </p:nvSpPr>
+        <p:spPr/>
+        <p:txBody>
+          <a:bodyPr/>
+          <a:lstStyle/>
+          <a:p>
+            <a:r>
+              <a:rPr lang="en-US"/>
+              <a:t>Click to edit Master title style</a:t>
+            </a:r>
+            <a:endParaRPr lang="en-US" dirty="0"/>
+          </a:p>
+        </p:txBody>
+      </p:sp>
+      <p:sp>
+        <p:nvSpPr>
+          <p:cNvPr id="3" name="Text Placeholder 2"/>
+          <p:cNvSpPr>
+            <a:spLocks noGrp="1"/>
+          </p:cNvSpPr>
+          <p:nvPr>
+            <p:ph type="body" idx="1"/>
           </p:nvPr>
         </p:nvSpPr>
         <p:spPr>
           <a:xfrm>
-            <a:off x="839788" y="365125"/>
-            <a:ext cx="10515600" cy="1325563"/>
+            <a:off x="1261872" y="1713655"/>
+            <a:ext cx="4480560" cy="731520"/>
           </a:xfrm>
         </p:spPr>
         <p:txBody>
-          <a:bodyPr/>
-          <a:lstStyle/>
-          <a:p>
-            <a:r>
-              <a:rPr lang="en-US"/>
-              <a:t>Click to edit Master title style</a:t>
-            </a:r>
-            <a:endParaRPr lang="en-MY"/>
-          </a:p>
-        </p:txBody>
-      </p:sp>
-      <p:sp>
-        <p:nvSpPr>
-          <p:cNvPr id="3" name="Text Placeholder 2">
-            <a:extLst>
-              <a:ext uri="{FF2B5EF4-FFF2-40B4-BE49-F238E27FC236}">
-                <a16:creationId xmlns:a16="http://schemas.microsoft.com/office/drawing/2014/main" id="{35F74BB2-E944-2C23-A2D5-C3CDF76EE215}"/>
-              </a:ext>
-            </a:extLst>
-          </p:cNvPr>
-          <p:cNvSpPr>
-            <a:spLocks noGrp="1"/>
-          </p:cNvSpPr>
-          <p:nvPr>
-            <p:ph type="body" idx="1"/>
-          </p:nvPr>
-        </p:nvSpPr>
-        <p:spPr>
-          <a:xfrm>
-            <a:off x="839788" y="1681163"/>
-            <a:ext cx="5157787" cy="823912"/>
-          </a:xfrm>
-        </p:spPr>
-        <p:txBody>
-          <a:bodyPr anchor="b"/>
+          <a:bodyPr anchor="b">
+            <a:normAutofit/>
+          </a:bodyPr>
           <a:lstStyle>
             <a:lvl1pPr marL="0" indent="0">
+              <a:spcBef>
+                <a:spcPts val="0"/>
+              </a:spcBef>
               <a:buNone/>
-              <a:defRPr sz="2400" b="1"/>
+              <a:defRPr sz="2000" b="0">
+                <a:solidFill>
+                  <a:schemeClr val="tx2"/>
+                </a:solidFill>
+              </a:defRPr>
             </a:lvl1pPr>
             <a:lvl2pPr marL="457200" indent="0">
               <a:buNone/>
@@ -1607,13 +2023,7 @@
       </p:sp>
       <p:sp>
         <p:nvSpPr>
-          <p:cNvPr id="4" name="Content Placeholder 3">
-            <a:extLst>
-              <a:ext uri="{FF2B5EF4-FFF2-40B4-BE49-F238E27FC236}">
-                <a16:creationId xmlns:a16="http://schemas.microsoft.com/office/drawing/2014/main" id="{CBEF2524-7997-F9E6-440F-525AC75044F3}"/>
-              </a:ext>
-            </a:extLst>
-          </p:cNvPr>
+          <p:cNvPr id="4" name="Content Placeholder 3"/>
           <p:cNvSpPr>
             <a:spLocks noGrp="1"/>
           </p:cNvSpPr>
@@ -1623,13 +2033,41 @@
         </p:nvSpPr>
         <p:spPr>
           <a:xfrm>
-            <a:off x="839788" y="2505075"/>
-            <a:ext cx="5157787" cy="3684588"/>
+            <a:off x="1261872" y="2507550"/>
+            <a:ext cx="4480560" cy="3664650"/>
           </a:xfrm>
         </p:spPr>
         <p:txBody>
           <a:bodyPr/>
-          <a:lstStyle/>
+          <a:lstStyle>
+            <a:lvl1pPr>
+              <a:defRPr sz="1800"/>
+            </a:lvl1pPr>
+            <a:lvl2pPr>
+              <a:defRPr sz="1600"/>
+            </a:lvl2pPr>
+            <a:lvl3pPr>
+              <a:defRPr sz="1400"/>
+            </a:lvl3pPr>
+            <a:lvl4pPr>
+              <a:defRPr sz="1400"/>
+            </a:lvl4pPr>
+            <a:lvl5pPr>
+              <a:defRPr sz="1400"/>
+            </a:lvl5pPr>
+            <a:lvl6pPr>
+              <a:defRPr sz="1400"/>
+            </a:lvl6pPr>
+            <a:lvl7pPr>
+              <a:defRPr sz="1400"/>
+            </a:lvl7pPr>
+            <a:lvl8pPr>
+              <a:defRPr sz="1400"/>
+            </a:lvl8pPr>
+            <a:lvl9pPr>
+              <a:defRPr sz="1400"/>
+            </a:lvl9pPr>
+          </a:lstStyle>
           <a:p>
             <a:pPr lvl="0"/>
             <a:r>
@@ -1664,19 +2102,13 @@
               <a:rPr lang="en-US"/>
               <a:t>Fifth level</a:t>
             </a:r>
-            <a:endParaRPr lang="en-MY"/>
-          </a:p>
-        </p:txBody>
-      </p:sp>
-      <p:sp>
-        <p:nvSpPr>
-          <p:cNvPr id="5" name="Text Placeholder 4">
-            <a:extLst>
-              <a:ext uri="{FF2B5EF4-FFF2-40B4-BE49-F238E27FC236}">
-                <a16:creationId xmlns:a16="http://schemas.microsoft.com/office/drawing/2014/main" id="{31E4FBFD-3907-2C8C-0AA7-1A32DF59B401}"/>
-              </a:ext>
-            </a:extLst>
-          </p:cNvPr>
+            <a:endParaRPr lang="en-US" dirty="0"/>
+          </a:p>
+        </p:txBody>
+      </p:sp>
+      <p:sp>
+        <p:nvSpPr>
+          <p:cNvPr id="5" name="Text Placeholder 4"/>
           <p:cNvSpPr>
             <a:spLocks noGrp="1"/>
           </p:cNvSpPr>
@@ -1686,16 +2118,31 @@
         </p:nvSpPr>
         <p:spPr>
           <a:xfrm>
-            <a:off x="6172200" y="1681163"/>
-            <a:ext cx="5183188" cy="823912"/>
+            <a:off x="6126480" y="1713655"/>
+            <a:ext cx="4480560" cy="731520"/>
           </a:xfrm>
         </p:spPr>
         <p:txBody>
-          <a:bodyPr anchor="b"/>
+          <a:bodyPr anchor="b">
+            <a:normAutofit/>
+          </a:bodyPr>
           <a:lstStyle>
             <a:lvl1pPr marL="0" indent="0">
+              <a:lnSpc>
+                <a:spcPct val="95000"/>
+              </a:lnSpc>
+              <a:spcBef>
+                <a:spcPts val="0"/>
+              </a:spcBef>
               <a:buNone/>
-              <a:defRPr sz="2400" b="1"/>
+              <a:defRPr lang="en-US" sz="2000" b="0" kern="1200" dirty="0">
+                <a:solidFill>
+                  <a:schemeClr val="tx2"/>
+                </a:solidFill>
+                <a:latin typeface="+mn-lt"/>
+                <a:ea typeface="+mn-ea"/>
+                <a:cs typeface="+mn-cs"/>
+              </a:defRPr>
             </a:lvl1pPr>
             <a:lvl2pPr marL="457200" indent="0">
               <a:buNone/>
@@ -1731,7 +2178,16 @@
             </a:lvl9pPr>
           </a:lstStyle>
           <a:p>
-            <a:pPr lvl="0"/>
+            <a:pPr marL="0" lvl="0" indent="0" algn="l" defTabSz="914400" rtl="0" eaLnBrk="1" latinLnBrk="0" hangingPunct="1">
+              <a:lnSpc>
+                <a:spcPct val="90000"/>
+              </a:lnSpc>
+              <a:spcBef>
+                <a:spcPts val="2000"/>
+              </a:spcBef>
+              <a:buFontTx/>
+              <a:buNone/>
+            </a:pPr>
             <a:r>
               <a:rPr lang="en-US"/>
               <a:t>Click to edit Master text styles</a:t>
@@ -1741,13 +2197,7 @@
       </p:sp>
       <p:sp>
         <p:nvSpPr>
-          <p:cNvPr id="6" name="Content Placeholder 5">
-            <a:extLst>
-              <a:ext uri="{FF2B5EF4-FFF2-40B4-BE49-F238E27FC236}">
-                <a16:creationId xmlns:a16="http://schemas.microsoft.com/office/drawing/2014/main" id="{2246845C-E2A3-7EBF-A5D6-D3C7A19E6A5A}"/>
-              </a:ext>
-            </a:extLst>
-          </p:cNvPr>
+          <p:cNvPr id="6" name="Content Placeholder 5"/>
           <p:cNvSpPr>
             <a:spLocks noGrp="1"/>
           </p:cNvSpPr>
@@ -1757,13 +2207,41 @@
         </p:nvSpPr>
         <p:spPr>
           <a:xfrm>
-            <a:off x="6172200" y="2505075"/>
-            <a:ext cx="5183188" cy="3684588"/>
+            <a:off x="6126480" y="2507550"/>
+            <a:ext cx="4480560" cy="3664650"/>
           </a:xfrm>
         </p:spPr>
         <p:txBody>
           <a:bodyPr/>
-          <a:lstStyle/>
+          <a:lstStyle>
+            <a:lvl1pPr>
+              <a:defRPr sz="1800"/>
+            </a:lvl1pPr>
+            <a:lvl2pPr>
+              <a:defRPr sz="1600"/>
+            </a:lvl2pPr>
+            <a:lvl3pPr>
+              <a:defRPr sz="1400"/>
+            </a:lvl3pPr>
+            <a:lvl4pPr>
+              <a:defRPr sz="1400"/>
+            </a:lvl4pPr>
+            <a:lvl5pPr>
+              <a:defRPr sz="1400"/>
+            </a:lvl5pPr>
+            <a:lvl6pPr>
+              <a:defRPr sz="1400"/>
+            </a:lvl6pPr>
+            <a:lvl7pPr>
+              <a:defRPr sz="1400"/>
+            </a:lvl7pPr>
+            <a:lvl8pPr>
+              <a:defRPr sz="1400"/>
+            </a:lvl8pPr>
+            <a:lvl9pPr>
+              <a:defRPr sz="1400"/>
+            </a:lvl9pPr>
+          </a:lstStyle>
           <a:p>
             <a:pPr lvl="0"/>
             <a:r>
@@ -1798,19 +2276,13 @@
               <a:rPr lang="en-US"/>
               <a:t>Fifth level</a:t>
             </a:r>
-            <a:endParaRPr lang="en-MY"/>
-          </a:p>
-        </p:txBody>
-      </p:sp>
-      <p:sp>
-        <p:nvSpPr>
-          <p:cNvPr id="7" name="Date Placeholder 6">
-            <a:extLst>
-              <a:ext uri="{FF2B5EF4-FFF2-40B4-BE49-F238E27FC236}">
-                <a16:creationId xmlns:a16="http://schemas.microsoft.com/office/drawing/2014/main" id="{9FEC410E-DCAE-CD49-F471-D60762C64AB4}"/>
-              </a:ext>
-            </a:extLst>
-          </p:cNvPr>
+            <a:endParaRPr lang="en-US" dirty="0"/>
+          </a:p>
+        </p:txBody>
+      </p:sp>
+      <p:sp>
+        <p:nvSpPr>
+          <p:cNvPr id="7" name="Date Placeholder 6"/>
           <p:cNvSpPr>
             <a:spLocks noGrp="1"/>
           </p:cNvSpPr>
@@ -1825,7 +2297,7 @@
           <a:p>
             <a:fld id="{E42C0315-CB05-4C87-8043-96F5DC3A635F}" type="datetimeFigureOut">
               <a:rPr lang="en-MY" smtClean="0"/>
-              <a:t>4/1/2024</a:t>
+              <a:t>14/1/2024</a:t>
             </a:fld>
             <a:endParaRPr lang="en-MY"/>
           </a:p>
@@ -1833,13 +2305,7 @@
       </p:sp>
       <p:sp>
         <p:nvSpPr>
-          <p:cNvPr id="8" name="Footer Placeholder 7">
-            <a:extLst>
-              <a:ext uri="{FF2B5EF4-FFF2-40B4-BE49-F238E27FC236}">
-                <a16:creationId xmlns:a16="http://schemas.microsoft.com/office/drawing/2014/main" id="{6657CF0D-3D27-5288-A94F-0782055EDD3D}"/>
-              </a:ext>
-            </a:extLst>
-          </p:cNvPr>
+          <p:cNvPr id="8" name="Footer Placeholder 7"/>
           <p:cNvSpPr>
             <a:spLocks noGrp="1"/>
           </p:cNvSpPr>
@@ -1858,13 +2324,7 @@
       </p:sp>
       <p:sp>
         <p:nvSpPr>
-          <p:cNvPr id="9" name="Slide Number Placeholder 8">
-            <a:extLst>
-              <a:ext uri="{FF2B5EF4-FFF2-40B4-BE49-F238E27FC236}">
-                <a16:creationId xmlns:a16="http://schemas.microsoft.com/office/drawing/2014/main" id="{0344DE07-EE86-F7BF-0E0C-B5C6F3917645}"/>
-              </a:ext>
-            </a:extLst>
-          </p:cNvPr>
+          <p:cNvPr id="9" name="Slide Number Placeholder 8"/>
           <p:cNvSpPr>
             <a:spLocks noGrp="1"/>
           </p:cNvSpPr>
@@ -1888,7 +2348,7 @@
     </p:spTree>
     <p:extLst>
       <p:ext uri="{BB962C8B-B14F-4D97-AF65-F5344CB8AC3E}">
-        <p14:creationId xmlns:p14="http://schemas.microsoft.com/office/powerpoint/2010/main" val="2942785377"/>
+        <p14:creationId xmlns:p14="http://schemas.microsoft.com/office/powerpoint/2010/main" val="1606945792"/>
       </p:ext>
     </p:extLst>
   </p:cSld>
@@ -1917,13 +2377,7 @@
       </p:grpSpPr>
       <p:sp>
         <p:nvSpPr>
-          <p:cNvPr id="2" name="Title 1">
-            <a:extLst>
-              <a:ext uri="{FF2B5EF4-FFF2-40B4-BE49-F238E27FC236}">
-                <a16:creationId xmlns:a16="http://schemas.microsoft.com/office/drawing/2014/main" id="{2D8B441F-818B-70AE-96E9-440F6C6678D7}"/>
-              </a:ext>
-            </a:extLst>
-          </p:cNvPr>
+          <p:cNvPr id="6" name="Title 5"/>
           <p:cNvSpPr>
             <a:spLocks noGrp="1"/>
           </p:cNvSpPr>
@@ -1940,19 +2394,13 @@
               <a:rPr lang="en-US"/>
               <a:t>Click to edit Master title style</a:t>
             </a:r>
-            <a:endParaRPr lang="en-MY"/>
-          </a:p>
-        </p:txBody>
-      </p:sp>
-      <p:sp>
-        <p:nvSpPr>
-          <p:cNvPr id="3" name="Date Placeholder 2">
-            <a:extLst>
-              <a:ext uri="{FF2B5EF4-FFF2-40B4-BE49-F238E27FC236}">
-                <a16:creationId xmlns:a16="http://schemas.microsoft.com/office/drawing/2014/main" id="{2DACD1D5-6F0F-65C9-2553-DA36E49291B3}"/>
-              </a:ext>
-            </a:extLst>
-          </p:cNvPr>
+            <a:endParaRPr lang="en-US" dirty="0"/>
+          </a:p>
+        </p:txBody>
+      </p:sp>
+      <p:sp>
+        <p:nvSpPr>
+          <p:cNvPr id="3" name="Date Placeholder 2"/>
           <p:cNvSpPr>
             <a:spLocks noGrp="1"/>
           </p:cNvSpPr>
@@ -1967,7 +2415,7 @@
           <a:p>
             <a:fld id="{E42C0315-CB05-4C87-8043-96F5DC3A635F}" type="datetimeFigureOut">
               <a:rPr lang="en-MY" smtClean="0"/>
-              <a:t>4/1/2024</a:t>
+              <a:t>14/1/2024</a:t>
             </a:fld>
             <a:endParaRPr lang="en-MY"/>
           </a:p>
@@ -1975,13 +2423,7 @@
       </p:sp>
       <p:sp>
         <p:nvSpPr>
-          <p:cNvPr id="4" name="Footer Placeholder 3">
-            <a:extLst>
-              <a:ext uri="{FF2B5EF4-FFF2-40B4-BE49-F238E27FC236}">
-                <a16:creationId xmlns:a16="http://schemas.microsoft.com/office/drawing/2014/main" id="{3AD606C3-5204-3784-5AFD-46BD4044EB40}"/>
-              </a:ext>
-            </a:extLst>
-          </p:cNvPr>
+          <p:cNvPr id="4" name="Footer Placeholder 3"/>
           <p:cNvSpPr>
             <a:spLocks noGrp="1"/>
           </p:cNvSpPr>
@@ -2000,13 +2442,7 @@
       </p:sp>
       <p:sp>
         <p:nvSpPr>
-          <p:cNvPr id="5" name="Slide Number Placeholder 4">
-            <a:extLst>
-              <a:ext uri="{FF2B5EF4-FFF2-40B4-BE49-F238E27FC236}">
-                <a16:creationId xmlns:a16="http://schemas.microsoft.com/office/drawing/2014/main" id="{DAA6C8B8-B651-990F-FD89-656E16FCCE6B}"/>
-              </a:ext>
-            </a:extLst>
-          </p:cNvPr>
+          <p:cNvPr id="5" name="Slide Number Placeholder 4"/>
           <p:cNvSpPr>
             <a:spLocks noGrp="1"/>
           </p:cNvSpPr>
@@ -2030,7 +2466,7 @@
     </p:spTree>
     <p:extLst>
       <p:ext uri="{BB962C8B-B14F-4D97-AF65-F5344CB8AC3E}">
-        <p14:creationId xmlns:p14="http://schemas.microsoft.com/office/powerpoint/2010/main" val="1936759702"/>
+        <p14:creationId xmlns:p14="http://schemas.microsoft.com/office/powerpoint/2010/main" val="474006991"/>
       </p:ext>
     </p:extLst>
   </p:cSld>
@@ -2059,13 +2495,7 @@
       </p:grpSpPr>
       <p:sp>
         <p:nvSpPr>
-          <p:cNvPr id="2" name="Date Placeholder 1">
-            <a:extLst>
-              <a:ext uri="{FF2B5EF4-FFF2-40B4-BE49-F238E27FC236}">
-                <a16:creationId xmlns:a16="http://schemas.microsoft.com/office/drawing/2014/main" id="{58F1505C-E8C4-6B4A-D2B0-0143206ED8E0}"/>
-              </a:ext>
-            </a:extLst>
-          </p:cNvPr>
+          <p:cNvPr id="2" name="Date Placeholder 1"/>
           <p:cNvSpPr>
             <a:spLocks noGrp="1"/>
           </p:cNvSpPr>
@@ -2080,7 +2510,7 @@
           <a:p>
             <a:fld id="{E42C0315-CB05-4C87-8043-96F5DC3A635F}" type="datetimeFigureOut">
               <a:rPr lang="en-MY" smtClean="0"/>
-              <a:t>4/1/2024</a:t>
+              <a:t>14/1/2024</a:t>
             </a:fld>
             <a:endParaRPr lang="en-MY"/>
           </a:p>
@@ -2088,13 +2518,7 @@
       </p:sp>
       <p:sp>
         <p:nvSpPr>
-          <p:cNvPr id="3" name="Footer Placeholder 2">
-            <a:extLst>
-              <a:ext uri="{FF2B5EF4-FFF2-40B4-BE49-F238E27FC236}">
-                <a16:creationId xmlns:a16="http://schemas.microsoft.com/office/drawing/2014/main" id="{E8DB3361-BF77-6CAF-4670-5DD5A841C93A}"/>
-              </a:ext>
-            </a:extLst>
-          </p:cNvPr>
+          <p:cNvPr id="3" name="Footer Placeholder 2"/>
           <p:cNvSpPr>
             <a:spLocks noGrp="1"/>
           </p:cNvSpPr>
@@ -2113,13 +2537,7 @@
       </p:sp>
       <p:sp>
         <p:nvSpPr>
-          <p:cNvPr id="4" name="Slide Number Placeholder 3">
-            <a:extLst>
-              <a:ext uri="{FF2B5EF4-FFF2-40B4-BE49-F238E27FC236}">
-                <a16:creationId xmlns:a16="http://schemas.microsoft.com/office/drawing/2014/main" id="{EFD9D904-D479-5FF4-53E1-9ECC6CE64F47}"/>
-              </a:ext>
-            </a:extLst>
-          </p:cNvPr>
+          <p:cNvPr id="4" name="Slide Number Placeholder 3"/>
           <p:cNvSpPr>
             <a:spLocks noGrp="1"/>
           </p:cNvSpPr>
@@ -2143,7 +2561,7 @@
     </p:spTree>
     <p:extLst>
       <p:ext uri="{BB962C8B-B14F-4D97-AF65-F5344CB8AC3E}">
-        <p14:creationId xmlns:p14="http://schemas.microsoft.com/office/powerpoint/2010/main" val="2427110474"/>
+        <p14:creationId xmlns:p14="http://schemas.microsoft.com/office/powerpoint/2010/main" val="333189042"/>
       </p:ext>
     </p:extLst>
   </p:cSld>
@@ -2172,13 +2590,7 @@
       </p:grpSpPr>
       <p:sp>
         <p:nvSpPr>
-          <p:cNvPr id="2" name="Title 1">
-            <a:extLst>
-              <a:ext uri="{FF2B5EF4-FFF2-40B4-BE49-F238E27FC236}">
-                <a16:creationId xmlns:a16="http://schemas.microsoft.com/office/drawing/2014/main" id="{A783555A-CD45-A1BA-88F6-687F77A8927C}"/>
-              </a:ext>
-            </a:extLst>
-          </p:cNvPr>
+          <p:cNvPr id="2" name="Title 1"/>
           <p:cNvSpPr>
             <a:spLocks noGrp="1"/>
           </p:cNvSpPr>
@@ -2188,15 +2600,17 @@
         </p:nvSpPr>
         <p:spPr>
           <a:xfrm>
-            <a:off x="839788" y="457200"/>
-            <a:ext cx="3932237" cy="1600200"/>
+            <a:off x="841248" y="457200"/>
+            <a:ext cx="3200400" cy="1600197"/>
           </a:xfrm>
         </p:spPr>
         <p:txBody>
-          <a:bodyPr anchor="b"/>
+          <a:bodyPr anchor="b">
+            <a:normAutofit/>
+          </a:bodyPr>
           <a:lstStyle>
             <a:lvl1pPr>
-              <a:defRPr sz="3200"/>
+              <a:defRPr sz="3200" b="0" baseline="0"/>
             </a:lvl1pPr>
           </a:lstStyle>
           <a:p>
@@ -2204,19 +2618,13 @@
               <a:rPr lang="en-US"/>
               <a:t>Click to edit Master title style</a:t>
             </a:r>
-            <a:endParaRPr lang="en-MY"/>
-          </a:p>
-        </p:txBody>
-      </p:sp>
-      <p:sp>
-        <p:nvSpPr>
-          <p:cNvPr id="3" name="Content Placeholder 2">
-            <a:extLst>
-              <a:ext uri="{FF2B5EF4-FFF2-40B4-BE49-F238E27FC236}">
-                <a16:creationId xmlns:a16="http://schemas.microsoft.com/office/drawing/2014/main" id="{66A6C794-5194-484D-E792-6450543D39DC}"/>
-              </a:ext>
-            </a:extLst>
-          </p:cNvPr>
+            <a:endParaRPr lang="en-US" dirty="0"/>
+          </a:p>
+        </p:txBody>
+      </p:sp>
+      <p:sp>
+        <p:nvSpPr>
+          <p:cNvPr id="3" name="Content Placeholder 2"/>
           <p:cNvSpPr>
             <a:spLocks noGrp="1"/>
           </p:cNvSpPr>
@@ -2226,39 +2634,39 @@
         </p:nvSpPr>
         <p:spPr>
           <a:xfrm>
-            <a:off x="5183188" y="987425"/>
-            <a:ext cx="6172200" cy="4873625"/>
+            <a:off x="4504267" y="685800"/>
+            <a:ext cx="6079066" cy="5486400"/>
           </a:xfrm>
         </p:spPr>
         <p:txBody>
           <a:bodyPr/>
           <a:lstStyle>
             <a:lvl1pPr>
-              <a:defRPr sz="3200"/>
+              <a:defRPr sz="2000"/>
             </a:lvl1pPr>
             <a:lvl2pPr>
-              <a:defRPr sz="2800"/>
+              <a:defRPr sz="1800"/>
             </a:lvl2pPr>
             <a:lvl3pPr>
-              <a:defRPr sz="2400"/>
+              <a:defRPr sz="1600"/>
             </a:lvl3pPr>
             <a:lvl4pPr>
-              <a:defRPr sz="2000"/>
+              <a:defRPr sz="1400"/>
             </a:lvl4pPr>
             <a:lvl5pPr>
-              <a:defRPr sz="2000"/>
+              <a:defRPr sz="1400"/>
             </a:lvl5pPr>
             <a:lvl6pPr>
-              <a:defRPr sz="2000"/>
+              <a:defRPr sz="1400"/>
             </a:lvl6pPr>
             <a:lvl7pPr>
-              <a:defRPr sz="2000"/>
+              <a:defRPr sz="1400"/>
             </a:lvl7pPr>
             <a:lvl8pPr>
-              <a:defRPr sz="2000"/>
+              <a:defRPr sz="1400"/>
             </a:lvl8pPr>
             <a:lvl9pPr>
-              <a:defRPr sz="2000"/>
+              <a:defRPr sz="1400"/>
             </a:lvl9pPr>
           </a:lstStyle>
           <a:p>
@@ -2295,19 +2703,13 @@
               <a:rPr lang="en-US"/>
               <a:t>Fifth level</a:t>
             </a:r>
-            <a:endParaRPr lang="en-MY"/>
-          </a:p>
-        </p:txBody>
-      </p:sp>
-      <p:sp>
-        <p:nvSpPr>
-          <p:cNvPr id="4" name="Text Placeholder 3">
-            <a:extLst>
-              <a:ext uri="{FF2B5EF4-FFF2-40B4-BE49-F238E27FC236}">
-                <a16:creationId xmlns:a16="http://schemas.microsoft.com/office/drawing/2014/main" id="{696D8A6C-C3C7-5F2A-CDBD-CE40EDFF2D57}"/>
-              </a:ext>
-            </a:extLst>
-          </p:cNvPr>
+            <a:endParaRPr lang="en-US" dirty="0"/>
+          </a:p>
+        </p:txBody>
+      </p:sp>
+      <p:sp>
+        <p:nvSpPr>
+          <p:cNvPr id="4" name="Text Placeholder 3"/>
           <p:cNvSpPr>
             <a:spLocks noGrp="1"/>
           </p:cNvSpPr>
@@ -2317,48 +2719,56 @@
         </p:nvSpPr>
         <p:spPr>
           <a:xfrm>
-            <a:off x="839788" y="2057400"/>
-            <a:ext cx="3932237" cy="3811588"/>
+            <a:off x="841248" y="2099734"/>
+            <a:ext cx="3200400" cy="3810001"/>
           </a:xfrm>
         </p:spPr>
         <p:txBody>
-          <a:bodyPr/>
+          <a:bodyPr>
+            <a:normAutofit/>
+          </a:bodyPr>
           <a:lstStyle>
             <a:lvl1pPr marL="0" indent="0">
+              <a:lnSpc>
+                <a:spcPct val="114000"/>
+              </a:lnSpc>
+              <a:spcBef>
+                <a:spcPts val="800"/>
+              </a:spcBef>
               <a:buNone/>
-              <a:defRPr sz="1600"/>
+              <a:defRPr sz="1300"/>
             </a:lvl1pPr>
             <a:lvl2pPr marL="457200" indent="0">
               <a:buNone/>
-              <a:defRPr sz="1400"/>
+              <a:defRPr sz="1200"/>
             </a:lvl2pPr>
             <a:lvl3pPr marL="914400" indent="0">
               <a:buNone/>
-              <a:defRPr sz="1200"/>
+              <a:defRPr sz="1000"/>
             </a:lvl3pPr>
             <a:lvl4pPr marL="1371600" indent="0">
               <a:buNone/>
-              <a:defRPr sz="1000"/>
+              <a:defRPr sz="900"/>
             </a:lvl4pPr>
             <a:lvl5pPr marL="1828800" indent="0">
               <a:buNone/>
-              <a:defRPr sz="1000"/>
+              <a:defRPr sz="900"/>
             </a:lvl5pPr>
             <a:lvl6pPr marL="2286000" indent="0">
               <a:buNone/>
-              <a:defRPr sz="1000"/>
+              <a:defRPr sz="900"/>
             </a:lvl6pPr>
             <a:lvl7pPr marL="2743200" indent="0">
               <a:buNone/>
-              <a:defRPr sz="1000"/>
+              <a:defRPr sz="900"/>
             </a:lvl7pPr>
             <a:lvl8pPr marL="3200400" indent="0">
               <a:buNone/>
-              <a:defRPr sz="1000"/>
+              <a:defRPr sz="900"/>
             </a:lvl8pPr>
             <a:lvl9pPr marL="3657600" indent="0">
               <a:buNone/>
-              <a:defRPr sz="1000"/>
+              <a:defRPr sz="900"/>
             </a:lvl9pPr>
           </a:lstStyle>
           <a:p>
@@ -2372,13 +2782,7 @@
       </p:sp>
       <p:sp>
         <p:nvSpPr>
-          <p:cNvPr id="5" name="Date Placeholder 4">
-            <a:extLst>
-              <a:ext uri="{FF2B5EF4-FFF2-40B4-BE49-F238E27FC236}">
-                <a16:creationId xmlns:a16="http://schemas.microsoft.com/office/drawing/2014/main" id="{1F2B6F3C-A5F2-6B58-8879-2929CAF52180}"/>
-              </a:ext>
-            </a:extLst>
-          </p:cNvPr>
+          <p:cNvPr id="5" name="Date Placeholder 4"/>
           <p:cNvSpPr>
             <a:spLocks noGrp="1"/>
           </p:cNvSpPr>
@@ -2393,7 +2797,7 @@
           <a:p>
             <a:fld id="{E42C0315-CB05-4C87-8043-96F5DC3A635F}" type="datetimeFigureOut">
               <a:rPr lang="en-MY" smtClean="0"/>
-              <a:t>4/1/2024</a:t>
+              <a:t>14/1/2024</a:t>
             </a:fld>
             <a:endParaRPr lang="en-MY"/>
           </a:p>
@@ -2401,13 +2805,7 @@
       </p:sp>
       <p:sp>
         <p:nvSpPr>
-          <p:cNvPr id="6" name="Footer Placeholder 5">
-            <a:extLst>
-              <a:ext uri="{FF2B5EF4-FFF2-40B4-BE49-F238E27FC236}">
-                <a16:creationId xmlns:a16="http://schemas.microsoft.com/office/drawing/2014/main" id="{7307DEDF-CE24-CC0E-75E2-42EDDEABBF4A}"/>
-              </a:ext>
-            </a:extLst>
-          </p:cNvPr>
+          <p:cNvPr id="6" name="Footer Placeholder 5"/>
           <p:cNvSpPr>
             <a:spLocks noGrp="1"/>
           </p:cNvSpPr>
@@ -2426,13 +2824,7 @@
       </p:sp>
       <p:sp>
         <p:nvSpPr>
-          <p:cNvPr id="7" name="Slide Number Placeholder 6">
-            <a:extLst>
-              <a:ext uri="{FF2B5EF4-FFF2-40B4-BE49-F238E27FC236}">
-                <a16:creationId xmlns:a16="http://schemas.microsoft.com/office/drawing/2014/main" id="{13E8A452-DC34-ED31-A470-097E4B813462}"/>
-              </a:ext>
-            </a:extLst>
-          </p:cNvPr>
+          <p:cNvPr id="7" name="Slide Number Placeholder 6"/>
           <p:cNvSpPr>
             <a:spLocks noGrp="1"/>
           </p:cNvSpPr>
@@ -2456,7 +2848,7 @@
     </p:spTree>
     <p:extLst>
       <p:ext uri="{BB962C8B-B14F-4D97-AF65-F5344CB8AC3E}">
-        <p14:creationId xmlns:p14="http://schemas.microsoft.com/office/powerpoint/2010/main" val="2588537401"/>
+        <p14:creationId xmlns:p14="http://schemas.microsoft.com/office/powerpoint/2010/main" val="1346153874"/>
       </p:ext>
     </p:extLst>
   </p:cSld>
@@ -2485,31 +2877,69 @@
       </p:grpSpPr>
       <p:sp>
         <p:nvSpPr>
-          <p:cNvPr id="2" name="Title 1">
-            <a:extLst>
-              <a:ext uri="{FF2B5EF4-FFF2-40B4-BE49-F238E27FC236}">
-                <a16:creationId xmlns:a16="http://schemas.microsoft.com/office/drawing/2014/main" id="{FCCDF74A-51FF-BF03-1D59-D35B2973C13C}"/>
-              </a:ext>
-            </a:extLst>
-          </p:cNvPr>
-          <p:cNvSpPr>
-            <a:spLocks noGrp="1"/>
-          </p:cNvSpPr>
-          <p:nvPr>
-            <p:ph type="title"/>
-          </p:nvPr>
+          <p:cNvPr id="8" name="Rectangle 7"/>
+          <p:cNvSpPr/>
+          <p:nvPr/>
         </p:nvSpPr>
         <p:spPr>
           <a:xfrm>
-            <a:off x="839788" y="457200"/>
-            <a:ext cx="3932237" cy="1600200"/>
+            <a:off x="0" y="5105400"/>
+            <a:ext cx="11292840" cy="1752600"/>
+          </a:xfrm>
+          <a:prstGeom prst="rect">
+            <a:avLst/>
+          </a:prstGeom>
+          <a:solidFill>
+            <a:srgbClr val="000000"/>
+          </a:solidFill>
+          <a:ln>
+            <a:noFill/>
+          </a:ln>
+        </p:spPr>
+        <p:style>
+          <a:lnRef idx="2">
+            <a:schemeClr val="accent1">
+              <a:shade val="50000"/>
+            </a:schemeClr>
+          </a:lnRef>
+          <a:fillRef idx="1">
+            <a:schemeClr val="accent1"/>
+          </a:fillRef>
+          <a:effectRef idx="0">
+            <a:schemeClr val="accent1"/>
+          </a:effectRef>
+          <a:fontRef idx="minor">
+            <a:schemeClr val="lt1"/>
+          </a:fontRef>
+        </p:style>
+      </p:sp>
+      <p:sp>
+        <p:nvSpPr>
+          <p:cNvPr id="2" name="Title 1"/>
+          <p:cNvSpPr>
+            <a:spLocks noGrp="1"/>
+          </p:cNvSpPr>
+          <p:nvPr>
+            <p:ph type="title"/>
+          </p:nvPr>
+        </p:nvSpPr>
+        <p:spPr>
+          <a:xfrm>
+            <a:off x="914400" y="5257800"/>
+            <a:ext cx="9982200" cy="914400"/>
           </a:xfrm>
         </p:spPr>
         <p:txBody>
-          <a:bodyPr anchor="b"/>
+          <a:bodyPr anchor="b">
+            <a:normAutofit/>
+          </a:bodyPr>
           <a:lstStyle>
             <a:lvl1pPr>
-              <a:defRPr sz="3200"/>
+              <a:defRPr sz="2800" b="0">
+                <a:solidFill>
+                  <a:schemeClr val="bg1"/>
+                </a:solidFill>
+              </a:defRPr>
             </a:lvl1pPr>
           </a:lstStyle>
           <a:p>
@@ -2517,21 +2947,15 @@
               <a:rPr lang="en-US"/>
               <a:t>Click to edit Master title style</a:t>
             </a:r>
-            <a:endParaRPr lang="en-MY"/>
-          </a:p>
-        </p:txBody>
-      </p:sp>
-      <p:sp>
-        <p:nvSpPr>
-          <p:cNvPr id="3" name="Picture Placeholder 2">
-            <a:extLst>
-              <a:ext uri="{FF2B5EF4-FFF2-40B4-BE49-F238E27FC236}">
-                <a16:creationId xmlns:a16="http://schemas.microsoft.com/office/drawing/2014/main" id="{018D5EDD-7B75-87A8-89D5-223EBECF775B}"/>
-              </a:ext>
-            </a:extLst>
-          </p:cNvPr>
-          <p:cNvSpPr>
-            <a:spLocks noGrp="1"/>
+            <a:endParaRPr lang="en-US" dirty="0"/>
+          </a:p>
+        </p:txBody>
+      </p:sp>
+      <p:sp>
+        <p:nvSpPr>
+          <p:cNvPr id="3" name="Picture Placeholder 2"/>
+          <p:cNvSpPr>
+            <a:spLocks noGrp="1" noChangeAspect="1"/>
           </p:cNvSpPr>
           <p:nvPr>
             <p:ph type="pic" idx="1"/>
@@ -2539,16 +2963,23 @@
         </p:nvSpPr>
         <p:spPr>
           <a:xfrm>
-            <a:off x="5183188" y="987425"/>
-            <a:ext cx="6172200" cy="4873625"/>
+            <a:off x="0" y="0"/>
+            <a:ext cx="11292840" cy="5128923"/>
           </a:xfrm>
+          <a:solidFill>
+            <a:schemeClr val="accent1"/>
+          </a:solidFill>
         </p:spPr>
         <p:txBody>
-          <a:bodyPr/>
+          <a:bodyPr anchor="t"/>
           <a:lstStyle>
             <a:lvl1pPr marL="0" indent="0">
               <a:buNone/>
-              <a:defRPr sz="3200"/>
+              <a:defRPr sz="3200">
+                <a:solidFill>
+                  <a:schemeClr val="bg1"/>
+                </a:solidFill>
+              </a:defRPr>
             </a:lvl1pPr>
             <a:lvl2pPr marL="457200" indent="0">
               <a:buNone/>
@@ -2584,19 +3015,17 @@
             </a:lvl9pPr>
           </a:lstStyle>
           <a:p>
-            <a:endParaRPr lang="en-MY"/>
-          </a:p>
-        </p:txBody>
-      </p:sp>
-      <p:sp>
-        <p:nvSpPr>
-          <p:cNvPr id="4" name="Text Placeholder 3">
-            <a:extLst>
-              <a:ext uri="{FF2B5EF4-FFF2-40B4-BE49-F238E27FC236}">
-                <a16:creationId xmlns:a16="http://schemas.microsoft.com/office/drawing/2014/main" id="{8A445017-DA38-21CF-56D3-E025C42D9567}"/>
-              </a:ext>
-            </a:extLst>
-          </p:cNvPr>
+            <a:r>
+              <a:rPr lang="en-US"/>
+              <a:t>Click icon to add picture</a:t>
+            </a:r>
+            <a:endParaRPr lang="en-US" dirty="0"/>
+          </a:p>
+        </p:txBody>
+      </p:sp>
+      <p:sp>
+        <p:nvSpPr>
+          <p:cNvPr id="4" name="Text Placeholder 3"/>
           <p:cNvSpPr>
             <a:spLocks noGrp="1"/>
           </p:cNvSpPr>
@@ -2606,48 +3035,62 @@
         </p:nvSpPr>
         <p:spPr>
           <a:xfrm>
-            <a:off x="839788" y="2057400"/>
-            <a:ext cx="3932237" cy="3811588"/>
+            <a:off x="914400" y="6108589"/>
+            <a:ext cx="9982200" cy="597011"/>
           </a:xfrm>
         </p:spPr>
         <p:txBody>
-          <a:bodyPr/>
+          <a:bodyPr>
+            <a:normAutofit/>
+          </a:bodyPr>
           <a:lstStyle>
             <a:lvl1pPr marL="0" indent="0">
+              <a:lnSpc>
+                <a:spcPct val="100000"/>
+              </a:lnSpc>
+              <a:spcBef>
+                <a:spcPts val="800"/>
+              </a:spcBef>
               <a:buNone/>
-              <a:defRPr sz="1600"/>
+              <a:defRPr sz="1300">
+                <a:solidFill>
+                  <a:schemeClr val="bg1">
+                    <a:lumMod val="85000"/>
+                  </a:schemeClr>
+                </a:solidFill>
+              </a:defRPr>
             </a:lvl1pPr>
             <a:lvl2pPr marL="457200" indent="0">
               <a:buNone/>
-              <a:defRPr sz="1400"/>
+              <a:defRPr sz="1200"/>
             </a:lvl2pPr>
             <a:lvl3pPr marL="914400" indent="0">
               <a:buNone/>
-              <a:defRPr sz="1200"/>
+              <a:defRPr sz="1000"/>
             </a:lvl3pPr>
             <a:lvl4pPr marL="1371600" indent="0">
               <a:buNone/>
-              <a:defRPr sz="1000"/>
+              <a:defRPr sz="900"/>
             </a:lvl4pPr>
             <a:lvl5pPr marL="1828800" indent="0">
               <a:buNone/>
-              <a:defRPr sz="1000"/>
+              <a:defRPr sz="900"/>
             </a:lvl5pPr>
             <a:lvl6pPr marL="2286000" indent="0">
               <a:buNone/>
-              <a:defRPr sz="1000"/>
+              <a:defRPr sz="900"/>
             </a:lvl6pPr>
             <a:lvl7pPr marL="2743200" indent="0">
               <a:buNone/>
-              <a:defRPr sz="1000"/>
+              <a:defRPr sz="900"/>
             </a:lvl7pPr>
             <a:lvl8pPr marL="3200400" indent="0">
               <a:buNone/>
-              <a:defRPr sz="1000"/>
+              <a:defRPr sz="900"/>
             </a:lvl8pPr>
             <a:lvl9pPr marL="3657600" indent="0">
               <a:buNone/>
-              <a:defRPr sz="1000"/>
+              <a:defRPr sz="900"/>
             </a:lvl9pPr>
           </a:lstStyle>
           <a:p>
@@ -2661,13 +3104,7 @@
       </p:sp>
       <p:sp>
         <p:nvSpPr>
-          <p:cNvPr id="5" name="Date Placeholder 4">
-            <a:extLst>
-              <a:ext uri="{FF2B5EF4-FFF2-40B4-BE49-F238E27FC236}">
-                <a16:creationId xmlns:a16="http://schemas.microsoft.com/office/drawing/2014/main" id="{903E3953-B760-15BD-CE48-EB5323DF8022}"/>
-              </a:ext>
-            </a:extLst>
-          </p:cNvPr>
+          <p:cNvPr id="5" name="Date Placeholder 4"/>
           <p:cNvSpPr>
             <a:spLocks noGrp="1"/>
           </p:cNvSpPr>
@@ -2682,7 +3119,7 @@
           <a:p>
             <a:fld id="{E42C0315-CB05-4C87-8043-96F5DC3A635F}" type="datetimeFigureOut">
               <a:rPr lang="en-MY" smtClean="0"/>
-              <a:t>4/1/2024</a:t>
+              <a:t>14/1/2024</a:t>
             </a:fld>
             <a:endParaRPr lang="en-MY"/>
           </a:p>
@@ -2690,13 +3127,7 @@
       </p:sp>
       <p:sp>
         <p:nvSpPr>
-          <p:cNvPr id="6" name="Footer Placeholder 5">
-            <a:extLst>
-              <a:ext uri="{FF2B5EF4-FFF2-40B4-BE49-F238E27FC236}">
-                <a16:creationId xmlns:a16="http://schemas.microsoft.com/office/drawing/2014/main" id="{9348330F-2926-0005-37A4-4B94534B6A44}"/>
-              </a:ext>
-            </a:extLst>
-          </p:cNvPr>
+          <p:cNvPr id="6" name="Footer Placeholder 5"/>
           <p:cNvSpPr>
             <a:spLocks noGrp="1"/>
           </p:cNvSpPr>
@@ -2715,13 +3146,7 @@
       </p:sp>
       <p:sp>
         <p:nvSpPr>
-          <p:cNvPr id="7" name="Slide Number Placeholder 6">
-            <a:extLst>
-              <a:ext uri="{FF2B5EF4-FFF2-40B4-BE49-F238E27FC236}">
-                <a16:creationId xmlns:a16="http://schemas.microsoft.com/office/drawing/2014/main" id="{1EBD5DD7-821B-A79F-D5EB-7668A33A3071}"/>
-              </a:ext>
-            </a:extLst>
-          </p:cNvPr>
+          <p:cNvPr id="7" name="Slide Number Placeholder 6"/>
           <p:cNvSpPr>
             <a:spLocks noGrp="1"/>
           </p:cNvSpPr>
@@ -2745,7 +3170,7 @@
     </p:spTree>
     <p:extLst>
       <p:ext uri="{BB962C8B-B14F-4D97-AF65-F5344CB8AC3E}">
-        <p14:creationId xmlns:p14="http://schemas.microsoft.com/office/powerpoint/2010/main" val="3166106715"/>
+        <p14:creationId xmlns:p14="http://schemas.microsoft.com/office/powerpoint/2010/main" val="2685908962"/>
       </p:ext>
     </p:extLst>
   </p:cSld>
@@ -2779,31 +3204,65 @@
       </p:grpSpPr>
       <p:sp>
         <p:nvSpPr>
-          <p:cNvPr id="2" name="Title Placeholder 1">
-            <a:extLst>
-              <a:ext uri="{FF2B5EF4-FFF2-40B4-BE49-F238E27FC236}">
-                <a16:creationId xmlns:a16="http://schemas.microsoft.com/office/drawing/2014/main" id="{BF8DC19F-1EC6-4A9C-2ED4-9E37E79A202E}"/>
-              </a:ext>
-            </a:extLst>
-          </p:cNvPr>
-          <p:cNvSpPr>
-            <a:spLocks noGrp="1"/>
-          </p:cNvSpPr>
-          <p:nvPr>
-            <p:ph type="title"/>
-          </p:nvPr>
+          <p:cNvPr id="7" name="Rectangle 6"/>
+          <p:cNvSpPr/>
+          <p:nvPr/>
         </p:nvSpPr>
         <p:spPr>
           <a:xfrm>
-            <a:off x="838200" y="365125"/>
-            <a:ext cx="10515600" cy="1325563"/>
+            <a:off x="11292840" y="0"/>
+            <a:ext cx="914400" cy="6858000"/>
+          </a:xfrm>
+          <a:prstGeom prst="rect">
+            <a:avLst/>
+          </a:prstGeom>
+          <a:solidFill>
+            <a:schemeClr val="tx2">
+              <a:lumMod val="75000"/>
+            </a:schemeClr>
+          </a:solidFill>
+          <a:ln>
+            <a:noFill/>
+          </a:ln>
+        </p:spPr>
+        <p:style>
+          <a:lnRef idx="2">
+            <a:schemeClr val="accent1">
+              <a:shade val="50000"/>
+            </a:schemeClr>
+          </a:lnRef>
+          <a:fillRef idx="1">
+            <a:schemeClr val="accent1"/>
+          </a:fillRef>
+          <a:effectRef idx="0">
+            <a:schemeClr val="accent1"/>
+          </a:effectRef>
+          <a:fontRef idx="minor">
+            <a:schemeClr val="lt1"/>
+          </a:fontRef>
+        </p:style>
+      </p:sp>
+      <p:sp>
+        <p:nvSpPr>
+          <p:cNvPr id="2" name="Title Placeholder 1"/>
+          <p:cNvSpPr>
+            <a:spLocks noGrp="1"/>
+          </p:cNvSpPr>
+          <p:nvPr>
+            <p:ph type="title"/>
+          </p:nvPr>
+        </p:nvSpPr>
+        <p:spPr>
+          <a:xfrm>
+            <a:off x="1261872" y="365760"/>
+            <a:ext cx="9692640" cy="1325562"/>
           </a:xfrm>
           <a:prstGeom prst="rect">
             <a:avLst/>
           </a:prstGeom>
         </p:spPr>
         <p:txBody>
-          <a:bodyPr vert="horz" lIns="91440" tIns="45720" rIns="91440" bIns="45720" rtlCol="0" anchor="ctr">
+          <a:bodyPr vert="horz" lIns="91440" tIns="45720" rIns="91440" bIns="45720" rtlCol="0" anchor="b">
             <a:normAutofit/>
           </a:bodyPr>
           <a:lstStyle/>
@@ -2812,19 +3271,13 @@
               <a:rPr lang="en-US"/>
               <a:t>Click to edit Master title style</a:t>
             </a:r>
-            <a:endParaRPr lang="en-MY"/>
-          </a:p>
-        </p:txBody>
-      </p:sp>
-      <p:sp>
-        <p:nvSpPr>
-          <p:cNvPr id="3" name="Text Placeholder 2">
-            <a:extLst>
-              <a:ext uri="{FF2B5EF4-FFF2-40B4-BE49-F238E27FC236}">
-                <a16:creationId xmlns:a16="http://schemas.microsoft.com/office/drawing/2014/main" id="{C96BD50A-744E-A171-017C-9A67CEC7515A}"/>
-              </a:ext>
-            </a:extLst>
-          </p:cNvPr>
+            <a:endParaRPr lang="en-US" dirty="0"/>
+          </a:p>
+        </p:txBody>
+      </p:sp>
+      <p:sp>
+        <p:nvSpPr>
+          <p:cNvPr id="3" name="Text Placeholder 2"/>
           <p:cNvSpPr>
             <a:spLocks noGrp="1"/>
           </p:cNvSpPr>
@@ -2834,8 +3287,8 @@
         </p:nvSpPr>
         <p:spPr>
           <a:xfrm>
-            <a:off x="838200" y="1825625"/>
-            <a:ext cx="10515600" cy="4351338"/>
+            <a:off x="1261872" y="1828800"/>
+            <a:ext cx="8595360" cy="4351337"/>
           </a:xfrm>
           <a:prstGeom prst="rect">
             <a:avLst/>
@@ -2880,19 +3333,13 @@
               <a:rPr lang="en-US"/>
               <a:t>Fifth level</a:t>
             </a:r>
-            <a:endParaRPr lang="en-MY"/>
-          </a:p>
-        </p:txBody>
-      </p:sp>
-      <p:sp>
-        <p:nvSpPr>
-          <p:cNvPr id="4" name="Date Placeholder 3">
-            <a:extLst>
-              <a:ext uri="{FF2B5EF4-FFF2-40B4-BE49-F238E27FC236}">
-                <a16:creationId xmlns:a16="http://schemas.microsoft.com/office/drawing/2014/main" id="{AD6766BA-EE79-25A2-9FF3-4531A9654FBF}"/>
-              </a:ext>
-            </a:extLst>
-          </p:cNvPr>
+            <a:endParaRPr lang="en-US" dirty="0"/>
+          </a:p>
+        </p:txBody>
+      </p:sp>
+      <p:sp>
+        <p:nvSpPr>
+          <p:cNvPr id="4" name="Date Placeholder 3"/>
           <p:cNvSpPr>
             <a:spLocks noGrp="1"/>
           </p:cNvSpPr>
@@ -2901,9 +3348,9 @@
           </p:nvPr>
         </p:nvSpPr>
         <p:spPr>
-          <a:xfrm>
-            <a:off x="838200" y="6356350"/>
-            <a:ext cx="2743200" cy="365125"/>
+          <a:xfrm rot="16200000">
+            <a:off x="10797542" y="998537"/>
+            <a:ext cx="1904999" cy="365125"/>
           </a:xfrm>
           <a:prstGeom prst="rect">
             <a:avLst/>
@@ -2912,11 +3359,12 @@
         <p:txBody>
           <a:bodyPr vert="horz" lIns="91440" tIns="45720" rIns="91440" bIns="45720" rtlCol="0" anchor="ctr"/>
           <a:lstStyle>
-            <a:lvl1pPr algn="l">
-              <a:defRPr sz="1200">
+            <a:lvl1pPr algn="r">
+              <a:defRPr sz="1050" b="0">
                 <a:solidFill>
-                  <a:schemeClr val="tx1">
-                    <a:tint val="75000"/>
+                  <a:schemeClr val="tx2">
+                    <a:lumMod val="20000"/>
+                    <a:lumOff val="80000"/>
                   </a:schemeClr>
                 </a:solidFill>
               </a:defRPr>
@@ -2925,7 +3373,7 @@
           <a:p>
             <a:fld id="{E42C0315-CB05-4C87-8043-96F5DC3A635F}" type="datetimeFigureOut">
               <a:rPr lang="en-MY" smtClean="0"/>
-              <a:t>4/1/2024</a:t>
+              <a:t>14/1/2024</a:t>
             </a:fld>
             <a:endParaRPr lang="en-MY"/>
           </a:p>
@@ -2933,13 +3381,7 @@
       </p:sp>
       <p:sp>
         <p:nvSpPr>
-          <p:cNvPr id="5" name="Footer Placeholder 4">
-            <a:extLst>
-              <a:ext uri="{FF2B5EF4-FFF2-40B4-BE49-F238E27FC236}">
-                <a16:creationId xmlns:a16="http://schemas.microsoft.com/office/drawing/2014/main" id="{BDDB07C8-88B5-6C17-7B33-6974E31F68A4}"/>
-              </a:ext>
-            </a:extLst>
-          </p:cNvPr>
+          <p:cNvPr id="5" name="Footer Placeholder 4"/>
           <p:cNvSpPr>
             <a:spLocks noGrp="1"/>
           </p:cNvSpPr>
@@ -2948,9 +3390,9 @@
           </p:nvPr>
         </p:nvSpPr>
         <p:spPr>
-          <a:xfrm>
-            <a:off x="4038600" y="6356350"/>
-            <a:ext cx="4114800" cy="365125"/>
+          <a:xfrm rot="16200000">
+            <a:off x="9959341" y="4046537"/>
+            <a:ext cx="3581400" cy="365125"/>
           </a:xfrm>
           <a:prstGeom prst="rect">
             <a:avLst/>
@@ -2959,11 +3401,12 @@
         <p:txBody>
           <a:bodyPr vert="horz" lIns="91440" tIns="45720" rIns="91440" bIns="45720" rtlCol="0" anchor="ctr"/>
           <a:lstStyle>
-            <a:lvl1pPr algn="ctr">
-              <a:defRPr sz="1200">
+            <a:lvl1pPr algn="l">
+              <a:defRPr sz="1050">
                 <a:solidFill>
-                  <a:schemeClr val="tx1">
-                    <a:tint val="75000"/>
+                  <a:schemeClr val="tx2">
+                    <a:lumMod val="20000"/>
+                    <a:lumOff val="80000"/>
                   </a:schemeClr>
                 </a:solidFill>
               </a:defRPr>
@@ -2976,13 +3419,7 @@
       </p:sp>
       <p:sp>
         <p:nvSpPr>
-          <p:cNvPr id="6" name="Slide Number Placeholder 5">
-            <a:extLst>
-              <a:ext uri="{FF2B5EF4-FFF2-40B4-BE49-F238E27FC236}">
-                <a16:creationId xmlns:a16="http://schemas.microsoft.com/office/drawing/2014/main" id="{5A7847D9-975B-3EBF-53E6-0F9EA1C24886}"/>
-              </a:ext>
-            </a:extLst>
-          </p:cNvPr>
+          <p:cNvPr id="6" name="Slide Number Placeholder 5"/>
           <p:cNvSpPr>
             <a:spLocks noGrp="1"/>
           </p:cNvSpPr>
@@ -2992,21 +3429,24 @@
         </p:nvSpPr>
         <p:spPr>
           <a:xfrm>
-            <a:off x="8610600" y="6356350"/>
-            <a:ext cx="2743200" cy="365125"/>
+            <a:off x="11292840" y="6172200"/>
+            <a:ext cx="914400" cy="593725"/>
           </a:xfrm>
           <a:prstGeom prst="rect">
             <a:avLst/>
           </a:prstGeom>
         </p:spPr>
         <p:txBody>
-          <a:bodyPr vert="horz" lIns="91440" tIns="45720" rIns="91440" bIns="45720" rtlCol="0" anchor="ctr"/>
+          <a:bodyPr vert="horz" lIns="45720" tIns="45720" rIns="45720" bIns="45720" rtlCol="0" anchor="ctr">
+            <a:normAutofit/>
+          </a:bodyPr>
           <a:lstStyle>
-            <a:lvl1pPr algn="r">
-              <a:defRPr sz="1200">
+            <a:lvl1pPr algn="ctr">
+              <a:defRPr sz="3600">
                 <a:solidFill>
-                  <a:schemeClr val="tx1">
-                    <a:tint val="75000"/>
+                  <a:schemeClr val="tx2">
+                    <a:lumMod val="60000"/>
+                    <a:lumOff val="40000"/>
                   </a:schemeClr>
                 </a:solidFill>
               </a:defRPr>
@@ -3024,23 +3464,23 @@
     </p:spTree>
     <p:extLst>
       <p:ext uri="{BB962C8B-B14F-4D97-AF65-F5344CB8AC3E}">
-        <p14:creationId xmlns:p14="http://schemas.microsoft.com/office/powerpoint/2010/main" val="3210483952"/>
+        <p14:creationId xmlns:p14="http://schemas.microsoft.com/office/powerpoint/2010/main" val="879593903"/>
       </p:ext>
     </p:extLst>
   </p:cSld>
   <p:clrMap bg1="lt1" tx1="dk1" bg2="lt2" tx2="dk2" accent1="accent1" accent2="accent2" accent3="accent3" accent4="accent4" accent5="accent5" accent6="accent6" hlink="hlink" folHlink="folHlink"/>
   <p:sldLayoutIdLst>
-    <p:sldLayoutId id="2147483649" r:id="rId1"/>
-    <p:sldLayoutId id="2147483650" r:id="rId2"/>
-    <p:sldLayoutId id="2147483651" r:id="rId3"/>
-    <p:sldLayoutId id="2147483652" r:id="rId4"/>
-    <p:sldLayoutId id="2147483653" r:id="rId5"/>
-    <p:sldLayoutId id="2147483654" r:id="rId6"/>
-    <p:sldLayoutId id="2147483655" r:id="rId7"/>
-    <p:sldLayoutId id="2147483656" r:id="rId8"/>
-    <p:sldLayoutId id="2147483657" r:id="rId9"/>
-    <p:sldLayoutId id="2147483658" r:id="rId10"/>
-    <p:sldLayoutId id="2147483659" r:id="rId11"/>
+    <p:sldLayoutId id="2147483750" r:id="rId1"/>
+    <p:sldLayoutId id="2147483751" r:id="rId2"/>
+    <p:sldLayoutId id="2147483752" r:id="rId3"/>
+    <p:sldLayoutId id="2147483753" r:id="rId4"/>
+    <p:sldLayoutId id="2147483754" r:id="rId5"/>
+    <p:sldLayoutId id="2147483755" r:id="rId6"/>
+    <p:sldLayoutId id="2147483756" r:id="rId7"/>
+    <p:sldLayoutId id="2147483757" r:id="rId8"/>
+    <p:sldLayoutId id="2147483758" r:id="rId9"/>
+    <p:sldLayoutId id="2147483759" r:id="rId10"/>
+    <p:sldLayoutId id="2147483760" r:id="rId11"/>
   </p:sldLayoutIdLst>
   <p:txStyles>
     <p:titleStyle>
@@ -3052,7 +3492,7 @@
           <a:spcPct val="0"/>
         </a:spcBef>
         <a:buNone/>
-        <a:defRPr sz="4400" kern="1200">
+        <a:defRPr sz="4400" kern="1200" spc="-50" baseline="0">
           <a:solidFill>
             <a:schemeClr val="tx1"/>
           </a:solidFill>
@@ -3063,16 +3503,23 @@
       </a:lvl1pPr>
     </p:titleStyle>
     <p:bodyStyle>
-      <a:lvl1pPr marL="228600" indent="-228600" algn="l" defTabSz="914400" rtl="0" eaLnBrk="1" latinLnBrk="0" hangingPunct="1">
+      <a:lvl1pPr marL="182880" indent="-182880" algn="l" defTabSz="914400" rtl="0" eaLnBrk="1" latinLnBrk="0" hangingPunct="1">
         <a:lnSpc>
-          <a:spcPct val="90000"/>
+          <a:spcPct val="95000"/>
         </a:lnSpc>
         <a:spcBef>
-          <a:spcPts val="1000"/>
+          <a:spcPts val="1400"/>
         </a:spcBef>
-        <a:buFont typeface="Arial" panose="020B0604020202020204" pitchFamily="34" charset="0"/>
+        <a:spcAft>
+          <a:spcPts val="200"/>
+        </a:spcAft>
+        <a:buClr>
+          <a:schemeClr val="accent1"/>
+        </a:buClr>
+        <a:buSzPct val="80000"/>
+        <a:buFont typeface="Arial" pitchFamily="34" charset="0"/>
         <a:buChar char="•"/>
-        <a:defRPr sz="2800" kern="1200">
+        <a:defRPr sz="1800" kern="1200" spc="10" baseline="0">
           <a:solidFill>
             <a:schemeClr val="tx1"/>
           </a:solidFill>
@@ -3081,144 +3528,216 @@
           <a:cs typeface="+mn-cs"/>
         </a:defRPr>
       </a:lvl1pPr>
-      <a:lvl2pPr marL="685800" indent="-228600" algn="l" defTabSz="914400" rtl="0" eaLnBrk="1" latinLnBrk="0" hangingPunct="1">
+      <a:lvl2pPr marL="457200" indent="-182880" algn="l" defTabSz="914400" rtl="0" eaLnBrk="1" latinLnBrk="0" hangingPunct="1">
         <a:lnSpc>
           <a:spcPct val="90000"/>
         </a:lnSpc>
         <a:spcBef>
-          <a:spcPts val="500"/>
+          <a:spcPts val="300"/>
         </a:spcBef>
-        <a:buFont typeface="Arial" panose="020B0604020202020204" pitchFamily="34" charset="0"/>
-        <a:buChar char="•"/>
-        <a:defRPr sz="2400" kern="1200">
+        <a:spcAft>
+          <a:spcPts val="300"/>
+        </a:spcAft>
+        <a:buClr>
+          <a:schemeClr val="accent1"/>
+        </a:buClr>
+        <a:buFont typeface="Wingdings 2" pitchFamily="18" charset="2"/>
+        <a:buChar char=""/>
+        <a:defRPr sz="1600" kern="1200">
           <a:solidFill>
-            <a:schemeClr val="tx1"/>
+            <a:schemeClr val="tx1">
+              <a:lumMod val="85000"/>
+              <a:lumOff val="15000"/>
+            </a:schemeClr>
           </a:solidFill>
           <a:latin typeface="+mn-lt"/>
           <a:ea typeface="+mn-ea"/>
           <a:cs typeface="+mn-cs"/>
         </a:defRPr>
       </a:lvl2pPr>
-      <a:lvl3pPr marL="1143000" indent="-228600" algn="l" defTabSz="914400" rtl="0" eaLnBrk="1" latinLnBrk="0" hangingPunct="1">
+      <a:lvl3pPr marL="731520" indent="-182880" algn="l" defTabSz="914400" rtl="0" eaLnBrk="1" latinLnBrk="0" hangingPunct="1">
         <a:lnSpc>
           <a:spcPct val="90000"/>
         </a:lnSpc>
         <a:spcBef>
-          <a:spcPts val="500"/>
+          <a:spcPts val="300"/>
         </a:spcBef>
-        <a:buFont typeface="Arial" panose="020B0604020202020204" pitchFamily="34" charset="0"/>
-        <a:buChar char="•"/>
-        <a:defRPr sz="2000" kern="1200">
+        <a:spcAft>
+          <a:spcPts val="300"/>
+        </a:spcAft>
+        <a:buClr>
+          <a:schemeClr val="accent1"/>
+        </a:buClr>
+        <a:buFont typeface="Wingdings 2" pitchFamily="18" charset="2"/>
+        <a:buChar char=""/>
+        <a:defRPr sz="1400" kern="1200">
           <a:solidFill>
-            <a:schemeClr val="tx1"/>
+            <a:schemeClr val="tx1">
+              <a:lumMod val="85000"/>
+              <a:lumOff val="15000"/>
+            </a:schemeClr>
           </a:solidFill>
           <a:latin typeface="+mn-lt"/>
           <a:ea typeface="+mn-ea"/>
           <a:cs typeface="+mn-cs"/>
         </a:defRPr>
       </a:lvl3pPr>
-      <a:lvl4pPr marL="1600200" indent="-228600" algn="l" defTabSz="914400" rtl="0" eaLnBrk="1" latinLnBrk="0" hangingPunct="1">
+      <a:lvl4pPr marL="1005840" indent="-182880" algn="l" defTabSz="914400" rtl="0" eaLnBrk="1" latinLnBrk="0" hangingPunct="1">
         <a:lnSpc>
           <a:spcPct val="90000"/>
         </a:lnSpc>
         <a:spcBef>
-          <a:spcPts val="500"/>
+          <a:spcPts val="300"/>
         </a:spcBef>
-        <a:buFont typeface="Arial" panose="020B0604020202020204" pitchFamily="34" charset="0"/>
-        <a:buChar char="•"/>
-        <a:defRPr sz="1800" kern="1200">
+        <a:spcAft>
+          <a:spcPts val="300"/>
+        </a:spcAft>
+        <a:buClr>
+          <a:schemeClr val="accent1"/>
+        </a:buClr>
+        <a:buFont typeface="Wingdings 2" pitchFamily="18" charset="2"/>
+        <a:buChar char=""/>
+        <a:defRPr sz="1400" kern="1200">
           <a:solidFill>
-            <a:schemeClr val="tx1"/>
+            <a:schemeClr val="tx1">
+              <a:lumMod val="85000"/>
+              <a:lumOff val="15000"/>
+            </a:schemeClr>
           </a:solidFill>
           <a:latin typeface="+mn-lt"/>
           <a:ea typeface="+mn-ea"/>
           <a:cs typeface="+mn-cs"/>
         </a:defRPr>
       </a:lvl4pPr>
-      <a:lvl5pPr marL="2057400" indent="-228600" algn="l" defTabSz="914400" rtl="0" eaLnBrk="1" latinLnBrk="0" hangingPunct="1">
+      <a:lvl5pPr marL="1280160" indent="-182880" algn="l" defTabSz="914400" rtl="0" eaLnBrk="1" latinLnBrk="0" hangingPunct="1">
         <a:lnSpc>
           <a:spcPct val="90000"/>
         </a:lnSpc>
         <a:spcBef>
-          <a:spcPts val="500"/>
+          <a:spcPts val="300"/>
         </a:spcBef>
-        <a:buFont typeface="Arial" panose="020B0604020202020204" pitchFamily="34" charset="0"/>
-        <a:buChar char="•"/>
-        <a:defRPr sz="1800" kern="1200">
+        <a:spcAft>
+          <a:spcPts val="300"/>
+        </a:spcAft>
+        <a:buClr>
+          <a:schemeClr val="accent1"/>
+        </a:buClr>
+        <a:buFont typeface="Wingdings 2" pitchFamily="18" charset="2"/>
+        <a:buChar char=""/>
+        <a:defRPr sz="1400" kern="1200">
           <a:solidFill>
-            <a:schemeClr val="tx1"/>
+            <a:schemeClr val="tx1">
+              <a:lumMod val="85000"/>
+              <a:lumOff val="15000"/>
+            </a:schemeClr>
           </a:solidFill>
           <a:latin typeface="+mn-lt"/>
           <a:ea typeface="+mn-ea"/>
           <a:cs typeface="+mn-cs"/>
         </a:defRPr>
       </a:lvl5pPr>
-      <a:lvl6pPr marL="2514600" indent="-228600" algn="l" defTabSz="914400" rtl="0" eaLnBrk="1" latinLnBrk="0" hangingPunct="1">
+      <a:lvl6pPr marL="1600000" indent="-228600" algn="l" defTabSz="914400" rtl="0" eaLnBrk="1" latinLnBrk="0" hangingPunct="1">
         <a:lnSpc>
           <a:spcPct val="90000"/>
         </a:lnSpc>
         <a:spcBef>
-          <a:spcPts val="500"/>
+          <a:spcPts val="300"/>
         </a:spcBef>
-        <a:buFont typeface="Arial" panose="020B0604020202020204" pitchFamily="34" charset="0"/>
-        <a:buChar char="•"/>
-        <a:defRPr sz="1800" kern="1200">
+        <a:spcAft>
+          <a:spcPts val="300"/>
+        </a:spcAft>
+        <a:buClr>
+          <a:schemeClr val="accent1"/>
+        </a:buClr>
+        <a:buFont typeface="Wingdings 2" pitchFamily="18" charset="2"/>
+        <a:buChar char=""/>
+        <a:defRPr sz="1400" kern="1200">
           <a:solidFill>
-            <a:schemeClr val="tx1"/>
+            <a:schemeClr val="tx1">
+              <a:lumMod val="85000"/>
+              <a:lumOff val="15000"/>
+            </a:schemeClr>
           </a:solidFill>
           <a:latin typeface="+mn-lt"/>
           <a:ea typeface="+mn-ea"/>
           <a:cs typeface="+mn-cs"/>
         </a:defRPr>
       </a:lvl6pPr>
-      <a:lvl7pPr marL="2971800" indent="-228600" algn="l" defTabSz="914400" rtl="0" eaLnBrk="1" latinLnBrk="0" hangingPunct="1">
+      <a:lvl7pPr marL="1900000" indent="-228600" algn="l" defTabSz="914400" rtl="0" eaLnBrk="1" latinLnBrk="0" hangingPunct="1">
         <a:lnSpc>
           <a:spcPct val="90000"/>
         </a:lnSpc>
         <a:spcBef>
-          <a:spcPts val="500"/>
+          <a:spcPts val="300"/>
         </a:spcBef>
-        <a:buFont typeface="Arial" panose="020B0604020202020204" pitchFamily="34" charset="0"/>
-        <a:buChar char="•"/>
-        <a:defRPr sz="1800" kern="1200">
+        <a:spcAft>
+          <a:spcPts val="300"/>
+        </a:spcAft>
+        <a:buClr>
+          <a:schemeClr val="accent1"/>
+        </a:buClr>
+        <a:buFont typeface="Wingdings 2" pitchFamily="18" charset="2"/>
+        <a:buChar char=""/>
+        <a:defRPr sz="1400" kern="1200">
           <a:solidFill>
-            <a:schemeClr val="tx1"/>
+            <a:schemeClr val="tx1">
+              <a:lumMod val="85000"/>
+              <a:lumOff val="15000"/>
+            </a:schemeClr>
           </a:solidFill>
           <a:latin typeface="+mn-lt"/>
           <a:ea typeface="+mn-ea"/>
           <a:cs typeface="+mn-cs"/>
         </a:defRPr>
       </a:lvl7pPr>
-      <a:lvl8pPr marL="3429000" indent="-228600" algn="l" defTabSz="914400" rtl="0" eaLnBrk="1" latinLnBrk="0" hangingPunct="1">
+      <a:lvl8pPr marL="2200000" indent="-228600" algn="l" defTabSz="914400" rtl="0" eaLnBrk="1" latinLnBrk="0" hangingPunct="1">
         <a:lnSpc>
           <a:spcPct val="90000"/>
         </a:lnSpc>
         <a:spcBef>
-          <a:spcPts val="500"/>
+          <a:spcPts val="300"/>
         </a:spcBef>
-        <a:buFont typeface="Arial" panose="020B0604020202020204" pitchFamily="34" charset="0"/>
-        <a:buChar char="•"/>
-        <a:defRPr sz="1800" kern="1200">
+        <a:spcAft>
+          <a:spcPts val="300"/>
+        </a:spcAft>
+        <a:buClr>
+          <a:schemeClr val="accent1"/>
+        </a:buClr>
+        <a:buFont typeface="Wingdings 2" pitchFamily="18" charset="2"/>
+        <a:buChar char=""/>
+        <a:defRPr sz="1400" kern="1200">
           <a:solidFill>
-            <a:schemeClr val="tx1"/>
+            <a:schemeClr val="tx1">
+              <a:lumMod val="85000"/>
+              <a:lumOff val="15000"/>
+            </a:schemeClr>
           </a:solidFill>
           <a:latin typeface="+mn-lt"/>
           <a:ea typeface="+mn-ea"/>
           <a:cs typeface="+mn-cs"/>
         </a:defRPr>
       </a:lvl8pPr>
-      <a:lvl9pPr marL="3886200" indent="-228600" algn="l" defTabSz="914400" rtl="0" eaLnBrk="1" latinLnBrk="0" hangingPunct="1">
+      <a:lvl9pPr marL="2500000" indent="-228600" algn="l" defTabSz="914400" rtl="0" eaLnBrk="1" latinLnBrk="0" hangingPunct="1">
         <a:lnSpc>
           <a:spcPct val="90000"/>
         </a:lnSpc>
         <a:spcBef>
-          <a:spcPts val="500"/>
+          <a:spcPts val="300"/>
         </a:spcBef>
-        <a:buFont typeface="Arial" panose="020B0604020202020204" pitchFamily="34" charset="0"/>
-        <a:buChar char="•"/>
-        <a:defRPr sz="1800" kern="1200">
+        <a:spcAft>
+          <a:spcPts val="300"/>
+        </a:spcAft>
+        <a:buClr>
+          <a:schemeClr val="accent1"/>
+        </a:buClr>
+        <a:buFont typeface="Wingdings 2" pitchFamily="18" charset="2"/>
+        <a:buChar char=""/>
+        <a:defRPr sz="1400" kern="1200">
           <a:solidFill>
-            <a:schemeClr val="tx1"/>
+            <a:schemeClr val="tx1">
+              <a:lumMod val="85000"/>
+              <a:lumOff val="15000"/>
+            </a:schemeClr>
           </a:solidFill>
           <a:latin typeface="+mn-lt"/>
           <a:ea typeface="+mn-ea"/>
@@ -3360,12 +3879,14 @@
         </p:nvSpPr>
         <p:spPr/>
         <p:txBody>
-          <a:bodyPr/>
+          <a:bodyPr>
+            <a:normAutofit/>
+          </a:bodyPr>
           <a:lstStyle/>
           <a:p>
             <a:r>
-              <a:rPr lang="en-MY" dirty="0"/>
-              <a:t>COMP1004 </a:t>
+              <a:rPr lang="en-US" b="1" dirty="0"/>
+              <a:t>Interim Video Presentation</a:t>
             </a:r>
           </a:p>
         </p:txBody>
@@ -3391,7 +3912,10 @@
           <a:bodyPr/>
           <a:lstStyle/>
           <a:p>
-            <a:endParaRPr lang="en-MY"/>
+            <a:r>
+              <a:rPr lang="en-MY" dirty="0"/>
+              <a:t>By Jackson Hau</a:t>
+            </a:r>
           </a:p>
         </p:txBody>
       </p:sp>
@@ -3408,111 +3932,2200 @@
 </p:sld>
 </file>
 
+<file path=ppt/slides/slide2.xml><?xml version="1.0" encoding="utf-8"?>
+<p:sld xmlns:a="http://schemas.openxmlformats.org/drawingml/2006/main" xmlns:r="http://schemas.openxmlformats.org/officeDocument/2006/relationships" xmlns:p="http://schemas.openxmlformats.org/presentationml/2006/main">
+  <p:cSld>
+    <p:spTree>
+      <p:nvGrpSpPr>
+        <p:cNvPr id="1" name=""/>
+        <p:cNvGrpSpPr/>
+        <p:nvPr/>
+      </p:nvGrpSpPr>
+      <p:grpSpPr>
+        <a:xfrm>
+          <a:off x="0" y="0"/>
+          <a:ext cx="0" cy="0"/>
+          <a:chOff x="0" y="0"/>
+          <a:chExt cx="0" cy="0"/>
+        </a:xfrm>
+      </p:grpSpPr>
+      <p:sp>
+        <p:nvSpPr>
+          <p:cNvPr id="7" name="TextBox 6">
+            <a:extLst>
+              <a:ext uri="{FF2B5EF4-FFF2-40B4-BE49-F238E27FC236}">
+                <a16:creationId xmlns:a16="http://schemas.microsoft.com/office/drawing/2014/main" id="{DABDA961-A7A4-512F-D05C-1119AEE9DB3D}"/>
+              </a:ext>
+            </a:extLst>
+          </p:cNvPr>
+          <p:cNvSpPr txBox="1"/>
+          <p:nvPr/>
+        </p:nvSpPr>
+        <p:spPr>
+          <a:xfrm>
+            <a:off x="1111623" y="907213"/>
+            <a:ext cx="2964481" cy="1046440"/>
+          </a:xfrm>
+          <a:prstGeom prst="rect">
+            <a:avLst/>
+          </a:prstGeom>
+          <a:noFill/>
+        </p:spPr>
+        <p:txBody>
+          <a:bodyPr wrap="square" rtlCol="0">
+            <a:spAutoFit/>
+          </a:bodyPr>
+          <a:lstStyle/>
+          <a:p>
+            <a:r>
+              <a:rPr lang="en-MY" sz="4400" b="1" dirty="0"/>
+              <a:t>Content</a:t>
+            </a:r>
+          </a:p>
+          <a:p>
+            <a:endParaRPr lang="en-MY" dirty="0"/>
+          </a:p>
+        </p:txBody>
+      </p:sp>
+      <p:sp>
+        <p:nvSpPr>
+          <p:cNvPr id="8" name="TextBox 7">
+            <a:extLst>
+              <a:ext uri="{FF2B5EF4-FFF2-40B4-BE49-F238E27FC236}">
+                <a16:creationId xmlns:a16="http://schemas.microsoft.com/office/drawing/2014/main" id="{14700767-AB7A-BF66-9AA4-DE20DAD57171}"/>
+              </a:ext>
+            </a:extLst>
+          </p:cNvPr>
+          <p:cNvSpPr txBox="1"/>
+          <p:nvPr/>
+        </p:nvSpPr>
+        <p:spPr>
+          <a:xfrm>
+            <a:off x="4497445" y="901842"/>
+            <a:ext cx="6287096" cy="3762568"/>
+          </a:xfrm>
+          <a:prstGeom prst="rect">
+            <a:avLst/>
+          </a:prstGeom>
+          <a:noFill/>
+        </p:spPr>
+        <p:txBody>
+          <a:bodyPr wrap="square" rtlCol="0">
+            <a:spAutoFit/>
+          </a:bodyPr>
+          <a:lstStyle/>
+          <a:p>
+            <a:pPr marL="285750" indent="-285750">
+              <a:buFont typeface="Arial" panose="020B0604020202020204" pitchFamily="34" charset="0"/>
+              <a:buChar char="•"/>
+            </a:pPr>
+            <a:r>
+              <a:rPr lang="en-MY" sz="3450" b="1" dirty="0"/>
+              <a:t>Project Vision and background</a:t>
+            </a:r>
+          </a:p>
+          <a:p>
+            <a:pPr marL="285750" indent="-285750">
+              <a:buFont typeface="Arial" panose="020B0604020202020204" pitchFamily="34" charset="0"/>
+              <a:buChar char="•"/>
+            </a:pPr>
+            <a:r>
+              <a:rPr lang="en-MY" sz="3450" b="1" dirty="0"/>
+              <a:t>Project plan and Sprints</a:t>
+            </a:r>
+          </a:p>
+          <a:p>
+            <a:pPr marL="285750" indent="-285750">
+              <a:buFont typeface="Arial" panose="020B0604020202020204" pitchFamily="34" charset="0"/>
+              <a:buChar char="•"/>
+            </a:pPr>
+            <a:r>
+              <a:rPr lang="en-MY" sz="3450" b="1" dirty="0"/>
+              <a:t>UML models</a:t>
+            </a:r>
+          </a:p>
+          <a:p>
+            <a:pPr marL="285750" indent="-285750">
+              <a:buFont typeface="Arial" panose="020B0604020202020204" pitchFamily="34" charset="0"/>
+              <a:buChar char="•"/>
+            </a:pPr>
+            <a:r>
+              <a:rPr lang="en-MY" sz="3450" b="1" dirty="0"/>
+              <a:t>Initial prototype</a:t>
+            </a:r>
+          </a:p>
+          <a:p>
+            <a:pPr marL="285750" indent="-285750">
+              <a:buFont typeface="Arial" panose="020B0604020202020204" pitchFamily="34" charset="0"/>
+              <a:buChar char="•"/>
+            </a:pPr>
+            <a:r>
+              <a:rPr lang="en-MY" sz="3450" b="1" dirty="0"/>
+              <a:t>Challenges faced</a:t>
+            </a:r>
+          </a:p>
+          <a:p>
+            <a:endParaRPr lang="en-MY" sz="3150" b="1" dirty="0"/>
+          </a:p>
+        </p:txBody>
+      </p:sp>
+    </p:spTree>
+    <p:extLst>
+      <p:ext uri="{BB962C8B-B14F-4D97-AF65-F5344CB8AC3E}">
+        <p14:creationId xmlns:p14="http://schemas.microsoft.com/office/powerpoint/2010/main" val="1210216527"/>
+      </p:ext>
+    </p:extLst>
+  </p:cSld>
+  <p:clrMapOvr>
+    <a:masterClrMapping/>
+  </p:clrMapOvr>
+  <p:transition spd="slow">
+    <p:push dir="u"/>
+  </p:transition>
+  <p:timing>
+    <p:tnLst>
+      <p:par>
+        <p:cTn id="1" dur="indefinite" restart="never" nodeType="tmRoot">
+          <p:childTnLst>
+            <p:seq concurrent="1" nextAc="seek">
+              <p:cTn id="2" dur="indefinite" nodeType="mainSeq">
+                <p:childTnLst>
+                  <p:par>
+                    <p:cTn id="3" fill="hold">
+                      <p:stCondLst>
+                        <p:cond delay="indefinite"/>
+                      </p:stCondLst>
+                      <p:childTnLst>
+                        <p:par>
+                          <p:cTn id="4" fill="hold">
+                            <p:stCondLst>
+                              <p:cond delay="0"/>
+                            </p:stCondLst>
+                            <p:childTnLst>
+                              <p:par>
+                                <p:cTn id="5" presetID="2" presetClass="entr" presetSubtype="4" fill="hold" nodeType="clickEffect">
+                                  <p:stCondLst>
+                                    <p:cond delay="0"/>
+                                  </p:stCondLst>
+                                  <p:childTnLst>
+                                    <p:set>
+                                      <p:cBhvr>
+                                        <p:cTn id="6" dur="1" fill="hold">
+                                          <p:stCondLst>
+                                            <p:cond delay="0"/>
+                                          </p:stCondLst>
+                                        </p:cTn>
+                                        <p:tgtEl>
+                                          <p:spTgt spid="8">
+                                            <p:txEl>
+                                              <p:pRg st="0" end="0"/>
+                                            </p:txEl>
+                                          </p:spTgt>
+                                        </p:tgtEl>
+                                        <p:attrNameLst>
+                                          <p:attrName>style.visibility</p:attrName>
+                                        </p:attrNameLst>
+                                      </p:cBhvr>
+                                      <p:to>
+                                        <p:strVal val="visible"/>
+                                      </p:to>
+                                    </p:set>
+                                    <p:anim calcmode="lin" valueType="num">
+                                      <p:cBhvr additive="base">
+                                        <p:cTn id="7" dur="500" fill="hold"/>
+                                        <p:tgtEl>
+                                          <p:spTgt spid="8">
+                                            <p:txEl>
+                                              <p:pRg st="0" end="0"/>
+                                            </p:txEl>
+                                          </p:spTgt>
+                                        </p:tgtEl>
+                                        <p:attrNameLst>
+                                          <p:attrName>ppt_x</p:attrName>
+                                        </p:attrNameLst>
+                                      </p:cBhvr>
+                                      <p:tavLst>
+                                        <p:tav tm="0">
+                                          <p:val>
+                                            <p:strVal val="#ppt_x"/>
+                                          </p:val>
+                                        </p:tav>
+                                        <p:tav tm="100000">
+                                          <p:val>
+                                            <p:strVal val="#ppt_x"/>
+                                          </p:val>
+                                        </p:tav>
+                                      </p:tavLst>
+                                    </p:anim>
+                                    <p:anim calcmode="lin" valueType="num">
+                                      <p:cBhvr additive="base">
+                                        <p:cTn id="8" dur="500" fill="hold"/>
+                                        <p:tgtEl>
+                                          <p:spTgt spid="8">
+                                            <p:txEl>
+                                              <p:pRg st="0" end="0"/>
+                                            </p:txEl>
+                                          </p:spTgt>
+                                        </p:tgtEl>
+                                        <p:attrNameLst>
+                                          <p:attrName>ppt_y</p:attrName>
+                                        </p:attrNameLst>
+                                      </p:cBhvr>
+                                      <p:tavLst>
+                                        <p:tav tm="0">
+                                          <p:val>
+                                            <p:strVal val="1+#ppt_h/2"/>
+                                          </p:val>
+                                        </p:tav>
+                                        <p:tav tm="100000">
+                                          <p:val>
+                                            <p:strVal val="#ppt_y"/>
+                                          </p:val>
+                                        </p:tav>
+                                      </p:tavLst>
+                                    </p:anim>
+                                  </p:childTnLst>
+                                </p:cTn>
+                              </p:par>
+                            </p:childTnLst>
+                          </p:cTn>
+                        </p:par>
+                      </p:childTnLst>
+                    </p:cTn>
+                  </p:par>
+                  <p:par>
+                    <p:cTn id="9" fill="hold">
+                      <p:stCondLst>
+                        <p:cond delay="indefinite"/>
+                      </p:stCondLst>
+                      <p:childTnLst>
+                        <p:par>
+                          <p:cTn id="10" fill="hold">
+                            <p:stCondLst>
+                              <p:cond delay="0"/>
+                            </p:stCondLst>
+                            <p:childTnLst>
+                              <p:par>
+                                <p:cTn id="11" presetID="2" presetClass="entr" presetSubtype="4" fill="hold" nodeType="clickEffect">
+                                  <p:stCondLst>
+                                    <p:cond delay="0"/>
+                                  </p:stCondLst>
+                                  <p:childTnLst>
+                                    <p:set>
+                                      <p:cBhvr>
+                                        <p:cTn id="12" dur="1" fill="hold">
+                                          <p:stCondLst>
+                                            <p:cond delay="0"/>
+                                          </p:stCondLst>
+                                        </p:cTn>
+                                        <p:tgtEl>
+                                          <p:spTgt spid="8">
+                                            <p:txEl>
+                                              <p:pRg st="1" end="1"/>
+                                            </p:txEl>
+                                          </p:spTgt>
+                                        </p:tgtEl>
+                                        <p:attrNameLst>
+                                          <p:attrName>style.visibility</p:attrName>
+                                        </p:attrNameLst>
+                                      </p:cBhvr>
+                                      <p:to>
+                                        <p:strVal val="visible"/>
+                                      </p:to>
+                                    </p:set>
+                                    <p:anim calcmode="lin" valueType="num">
+                                      <p:cBhvr additive="base">
+                                        <p:cTn id="13" dur="500" fill="hold"/>
+                                        <p:tgtEl>
+                                          <p:spTgt spid="8">
+                                            <p:txEl>
+                                              <p:pRg st="1" end="1"/>
+                                            </p:txEl>
+                                          </p:spTgt>
+                                        </p:tgtEl>
+                                        <p:attrNameLst>
+                                          <p:attrName>ppt_x</p:attrName>
+                                        </p:attrNameLst>
+                                      </p:cBhvr>
+                                      <p:tavLst>
+                                        <p:tav tm="0">
+                                          <p:val>
+                                            <p:strVal val="#ppt_x"/>
+                                          </p:val>
+                                        </p:tav>
+                                        <p:tav tm="100000">
+                                          <p:val>
+                                            <p:strVal val="#ppt_x"/>
+                                          </p:val>
+                                        </p:tav>
+                                      </p:tavLst>
+                                    </p:anim>
+                                    <p:anim calcmode="lin" valueType="num">
+                                      <p:cBhvr additive="base">
+                                        <p:cTn id="14" dur="500" fill="hold"/>
+                                        <p:tgtEl>
+                                          <p:spTgt spid="8">
+                                            <p:txEl>
+                                              <p:pRg st="1" end="1"/>
+                                            </p:txEl>
+                                          </p:spTgt>
+                                        </p:tgtEl>
+                                        <p:attrNameLst>
+                                          <p:attrName>ppt_y</p:attrName>
+                                        </p:attrNameLst>
+                                      </p:cBhvr>
+                                      <p:tavLst>
+                                        <p:tav tm="0">
+                                          <p:val>
+                                            <p:strVal val="1+#ppt_h/2"/>
+                                          </p:val>
+                                        </p:tav>
+                                        <p:tav tm="100000">
+                                          <p:val>
+                                            <p:strVal val="#ppt_y"/>
+                                          </p:val>
+                                        </p:tav>
+                                      </p:tavLst>
+                                    </p:anim>
+                                  </p:childTnLst>
+                                </p:cTn>
+                              </p:par>
+                            </p:childTnLst>
+                          </p:cTn>
+                        </p:par>
+                      </p:childTnLst>
+                    </p:cTn>
+                  </p:par>
+                  <p:par>
+                    <p:cTn id="15" fill="hold">
+                      <p:stCondLst>
+                        <p:cond delay="indefinite"/>
+                      </p:stCondLst>
+                      <p:childTnLst>
+                        <p:par>
+                          <p:cTn id="16" fill="hold">
+                            <p:stCondLst>
+                              <p:cond delay="0"/>
+                            </p:stCondLst>
+                            <p:childTnLst>
+                              <p:par>
+                                <p:cTn id="17" presetID="2" presetClass="entr" presetSubtype="4" fill="hold" nodeType="clickEffect">
+                                  <p:stCondLst>
+                                    <p:cond delay="0"/>
+                                  </p:stCondLst>
+                                  <p:childTnLst>
+                                    <p:set>
+                                      <p:cBhvr>
+                                        <p:cTn id="18" dur="1" fill="hold">
+                                          <p:stCondLst>
+                                            <p:cond delay="0"/>
+                                          </p:stCondLst>
+                                        </p:cTn>
+                                        <p:tgtEl>
+                                          <p:spTgt spid="8">
+                                            <p:txEl>
+                                              <p:pRg st="2" end="2"/>
+                                            </p:txEl>
+                                          </p:spTgt>
+                                        </p:tgtEl>
+                                        <p:attrNameLst>
+                                          <p:attrName>style.visibility</p:attrName>
+                                        </p:attrNameLst>
+                                      </p:cBhvr>
+                                      <p:to>
+                                        <p:strVal val="visible"/>
+                                      </p:to>
+                                    </p:set>
+                                    <p:anim calcmode="lin" valueType="num">
+                                      <p:cBhvr additive="base">
+                                        <p:cTn id="19" dur="500" fill="hold"/>
+                                        <p:tgtEl>
+                                          <p:spTgt spid="8">
+                                            <p:txEl>
+                                              <p:pRg st="2" end="2"/>
+                                            </p:txEl>
+                                          </p:spTgt>
+                                        </p:tgtEl>
+                                        <p:attrNameLst>
+                                          <p:attrName>ppt_x</p:attrName>
+                                        </p:attrNameLst>
+                                      </p:cBhvr>
+                                      <p:tavLst>
+                                        <p:tav tm="0">
+                                          <p:val>
+                                            <p:strVal val="#ppt_x"/>
+                                          </p:val>
+                                        </p:tav>
+                                        <p:tav tm="100000">
+                                          <p:val>
+                                            <p:strVal val="#ppt_x"/>
+                                          </p:val>
+                                        </p:tav>
+                                      </p:tavLst>
+                                    </p:anim>
+                                    <p:anim calcmode="lin" valueType="num">
+                                      <p:cBhvr additive="base">
+                                        <p:cTn id="20" dur="500" fill="hold"/>
+                                        <p:tgtEl>
+                                          <p:spTgt spid="8">
+                                            <p:txEl>
+                                              <p:pRg st="2" end="2"/>
+                                            </p:txEl>
+                                          </p:spTgt>
+                                        </p:tgtEl>
+                                        <p:attrNameLst>
+                                          <p:attrName>ppt_y</p:attrName>
+                                        </p:attrNameLst>
+                                      </p:cBhvr>
+                                      <p:tavLst>
+                                        <p:tav tm="0">
+                                          <p:val>
+                                            <p:strVal val="1+#ppt_h/2"/>
+                                          </p:val>
+                                        </p:tav>
+                                        <p:tav tm="100000">
+                                          <p:val>
+                                            <p:strVal val="#ppt_y"/>
+                                          </p:val>
+                                        </p:tav>
+                                      </p:tavLst>
+                                    </p:anim>
+                                  </p:childTnLst>
+                                </p:cTn>
+                              </p:par>
+                            </p:childTnLst>
+                          </p:cTn>
+                        </p:par>
+                      </p:childTnLst>
+                    </p:cTn>
+                  </p:par>
+                  <p:par>
+                    <p:cTn id="21" fill="hold">
+                      <p:stCondLst>
+                        <p:cond delay="indefinite"/>
+                      </p:stCondLst>
+                      <p:childTnLst>
+                        <p:par>
+                          <p:cTn id="22" fill="hold">
+                            <p:stCondLst>
+                              <p:cond delay="0"/>
+                            </p:stCondLst>
+                            <p:childTnLst>
+                              <p:par>
+                                <p:cTn id="23" presetID="2" presetClass="entr" presetSubtype="4" fill="hold" nodeType="clickEffect">
+                                  <p:stCondLst>
+                                    <p:cond delay="0"/>
+                                  </p:stCondLst>
+                                  <p:childTnLst>
+                                    <p:set>
+                                      <p:cBhvr>
+                                        <p:cTn id="24" dur="1" fill="hold">
+                                          <p:stCondLst>
+                                            <p:cond delay="0"/>
+                                          </p:stCondLst>
+                                        </p:cTn>
+                                        <p:tgtEl>
+                                          <p:spTgt spid="8">
+                                            <p:txEl>
+                                              <p:pRg st="3" end="3"/>
+                                            </p:txEl>
+                                          </p:spTgt>
+                                        </p:tgtEl>
+                                        <p:attrNameLst>
+                                          <p:attrName>style.visibility</p:attrName>
+                                        </p:attrNameLst>
+                                      </p:cBhvr>
+                                      <p:to>
+                                        <p:strVal val="visible"/>
+                                      </p:to>
+                                    </p:set>
+                                    <p:anim calcmode="lin" valueType="num">
+                                      <p:cBhvr additive="base">
+                                        <p:cTn id="25" dur="500" fill="hold"/>
+                                        <p:tgtEl>
+                                          <p:spTgt spid="8">
+                                            <p:txEl>
+                                              <p:pRg st="3" end="3"/>
+                                            </p:txEl>
+                                          </p:spTgt>
+                                        </p:tgtEl>
+                                        <p:attrNameLst>
+                                          <p:attrName>ppt_x</p:attrName>
+                                        </p:attrNameLst>
+                                      </p:cBhvr>
+                                      <p:tavLst>
+                                        <p:tav tm="0">
+                                          <p:val>
+                                            <p:strVal val="#ppt_x"/>
+                                          </p:val>
+                                        </p:tav>
+                                        <p:tav tm="100000">
+                                          <p:val>
+                                            <p:strVal val="#ppt_x"/>
+                                          </p:val>
+                                        </p:tav>
+                                      </p:tavLst>
+                                    </p:anim>
+                                    <p:anim calcmode="lin" valueType="num">
+                                      <p:cBhvr additive="base">
+                                        <p:cTn id="26" dur="500" fill="hold"/>
+                                        <p:tgtEl>
+                                          <p:spTgt spid="8">
+                                            <p:txEl>
+                                              <p:pRg st="3" end="3"/>
+                                            </p:txEl>
+                                          </p:spTgt>
+                                        </p:tgtEl>
+                                        <p:attrNameLst>
+                                          <p:attrName>ppt_y</p:attrName>
+                                        </p:attrNameLst>
+                                      </p:cBhvr>
+                                      <p:tavLst>
+                                        <p:tav tm="0">
+                                          <p:val>
+                                            <p:strVal val="1+#ppt_h/2"/>
+                                          </p:val>
+                                        </p:tav>
+                                        <p:tav tm="100000">
+                                          <p:val>
+                                            <p:strVal val="#ppt_y"/>
+                                          </p:val>
+                                        </p:tav>
+                                      </p:tavLst>
+                                    </p:anim>
+                                  </p:childTnLst>
+                                </p:cTn>
+                              </p:par>
+                            </p:childTnLst>
+                          </p:cTn>
+                        </p:par>
+                      </p:childTnLst>
+                    </p:cTn>
+                  </p:par>
+                  <p:par>
+                    <p:cTn id="27" fill="hold">
+                      <p:stCondLst>
+                        <p:cond delay="indefinite"/>
+                      </p:stCondLst>
+                      <p:childTnLst>
+                        <p:par>
+                          <p:cTn id="28" fill="hold">
+                            <p:stCondLst>
+                              <p:cond delay="0"/>
+                            </p:stCondLst>
+                            <p:childTnLst>
+                              <p:par>
+                                <p:cTn id="29" presetID="2" presetClass="entr" presetSubtype="4" fill="hold" nodeType="clickEffect">
+                                  <p:stCondLst>
+                                    <p:cond delay="0"/>
+                                  </p:stCondLst>
+                                  <p:childTnLst>
+                                    <p:set>
+                                      <p:cBhvr>
+                                        <p:cTn id="30" dur="1" fill="hold">
+                                          <p:stCondLst>
+                                            <p:cond delay="0"/>
+                                          </p:stCondLst>
+                                        </p:cTn>
+                                        <p:tgtEl>
+                                          <p:spTgt spid="8">
+                                            <p:txEl>
+                                              <p:pRg st="4" end="4"/>
+                                            </p:txEl>
+                                          </p:spTgt>
+                                        </p:tgtEl>
+                                        <p:attrNameLst>
+                                          <p:attrName>style.visibility</p:attrName>
+                                        </p:attrNameLst>
+                                      </p:cBhvr>
+                                      <p:to>
+                                        <p:strVal val="visible"/>
+                                      </p:to>
+                                    </p:set>
+                                    <p:anim calcmode="lin" valueType="num">
+                                      <p:cBhvr additive="base">
+                                        <p:cTn id="31" dur="500" fill="hold"/>
+                                        <p:tgtEl>
+                                          <p:spTgt spid="8">
+                                            <p:txEl>
+                                              <p:pRg st="4" end="4"/>
+                                            </p:txEl>
+                                          </p:spTgt>
+                                        </p:tgtEl>
+                                        <p:attrNameLst>
+                                          <p:attrName>ppt_x</p:attrName>
+                                        </p:attrNameLst>
+                                      </p:cBhvr>
+                                      <p:tavLst>
+                                        <p:tav tm="0">
+                                          <p:val>
+                                            <p:strVal val="#ppt_x"/>
+                                          </p:val>
+                                        </p:tav>
+                                        <p:tav tm="100000">
+                                          <p:val>
+                                            <p:strVal val="#ppt_x"/>
+                                          </p:val>
+                                        </p:tav>
+                                      </p:tavLst>
+                                    </p:anim>
+                                    <p:anim calcmode="lin" valueType="num">
+                                      <p:cBhvr additive="base">
+                                        <p:cTn id="32" dur="500" fill="hold"/>
+                                        <p:tgtEl>
+                                          <p:spTgt spid="8">
+                                            <p:txEl>
+                                              <p:pRg st="4" end="4"/>
+                                            </p:txEl>
+                                          </p:spTgt>
+                                        </p:tgtEl>
+                                        <p:attrNameLst>
+                                          <p:attrName>ppt_y</p:attrName>
+                                        </p:attrNameLst>
+                                      </p:cBhvr>
+                                      <p:tavLst>
+                                        <p:tav tm="0">
+                                          <p:val>
+                                            <p:strVal val="1+#ppt_h/2"/>
+                                          </p:val>
+                                        </p:tav>
+                                        <p:tav tm="100000">
+                                          <p:val>
+                                            <p:strVal val="#ppt_y"/>
+                                          </p:val>
+                                        </p:tav>
+                                      </p:tavLst>
+                                    </p:anim>
+                                  </p:childTnLst>
+                                </p:cTn>
+                              </p:par>
+                            </p:childTnLst>
+                          </p:cTn>
+                        </p:par>
+                      </p:childTnLst>
+                    </p:cTn>
+                  </p:par>
+                </p:childTnLst>
+              </p:cTn>
+              <p:prevCondLst>
+                <p:cond evt="onPrev" delay="0">
+                  <p:tgtEl>
+                    <p:sldTgt/>
+                  </p:tgtEl>
+                </p:cond>
+              </p:prevCondLst>
+              <p:nextCondLst>
+                <p:cond evt="onNext" delay="0">
+                  <p:tgtEl>
+                    <p:sldTgt/>
+                  </p:tgtEl>
+                </p:cond>
+              </p:nextCondLst>
+            </p:seq>
+          </p:childTnLst>
+        </p:cTn>
+      </p:par>
+    </p:tnLst>
+  </p:timing>
+</p:sld>
+</file>
+
+<file path=ppt/slides/slide3.xml><?xml version="1.0" encoding="utf-8"?>
+<p:sld xmlns:a="http://schemas.openxmlformats.org/drawingml/2006/main" xmlns:r="http://schemas.openxmlformats.org/officeDocument/2006/relationships" xmlns:p="http://schemas.openxmlformats.org/presentationml/2006/main">
+  <p:cSld>
+    <p:spTree>
+      <p:nvGrpSpPr>
+        <p:cNvPr id="1" name=""/>
+        <p:cNvGrpSpPr/>
+        <p:nvPr/>
+      </p:nvGrpSpPr>
+      <p:grpSpPr>
+        <a:xfrm>
+          <a:off x="0" y="0"/>
+          <a:ext cx="0" cy="0"/>
+          <a:chOff x="0" y="0"/>
+          <a:chExt cx="0" cy="0"/>
+        </a:xfrm>
+      </p:grpSpPr>
+      <p:sp>
+        <p:nvSpPr>
+          <p:cNvPr id="2" name="Title 1">
+            <a:extLst>
+              <a:ext uri="{FF2B5EF4-FFF2-40B4-BE49-F238E27FC236}">
+                <a16:creationId xmlns:a16="http://schemas.microsoft.com/office/drawing/2014/main" id="{3884317C-0FA7-5D3E-2EF7-3A0E1ABE2280}"/>
+              </a:ext>
+            </a:extLst>
+          </p:cNvPr>
+          <p:cNvSpPr>
+            <a:spLocks noGrp="1"/>
+          </p:cNvSpPr>
+          <p:nvPr>
+            <p:ph type="title"/>
+          </p:nvPr>
+        </p:nvSpPr>
+        <p:spPr/>
+        <p:txBody>
+          <a:bodyPr/>
+          <a:lstStyle/>
+          <a:p>
+            <a:r>
+              <a:rPr lang="en-MY" dirty="0"/>
+              <a:t>Project Vision and background </a:t>
+            </a:r>
+          </a:p>
+        </p:txBody>
+      </p:sp>
+      <p:sp>
+        <p:nvSpPr>
+          <p:cNvPr id="3" name="Content Placeholder 2">
+            <a:extLst>
+              <a:ext uri="{FF2B5EF4-FFF2-40B4-BE49-F238E27FC236}">
+                <a16:creationId xmlns:a16="http://schemas.microsoft.com/office/drawing/2014/main" id="{9F8E2657-DA5D-8DFE-836E-848CFCC4F3A4}"/>
+              </a:ext>
+            </a:extLst>
+          </p:cNvPr>
+          <p:cNvSpPr>
+            <a:spLocks noGrp="1"/>
+          </p:cNvSpPr>
+          <p:nvPr>
+            <p:ph idx="1"/>
+          </p:nvPr>
+        </p:nvSpPr>
+        <p:spPr/>
+        <p:txBody>
+          <a:bodyPr>
+            <a:normAutofit fontScale="32500" lnSpcReduction="20000"/>
+          </a:bodyPr>
+          <a:lstStyle/>
+          <a:p>
+            <a:r>
+              <a:rPr lang="en-GB" sz="8000" dirty="0"/>
+              <a:t>I like my 2D car game simple and fun. My simple game makes you go "wow." Make games fun for everyone is my goal.</a:t>
+            </a:r>
+          </a:p>
+          <a:p>
+            <a:r>
+              <a:rPr lang="en-GB" sz="8000" dirty="0"/>
+              <a:t>To combine old-school racing characteristics with current game play to create an entertaining 2D automobile game that lets players escape reality.</a:t>
+            </a:r>
+          </a:p>
+          <a:p>
+            <a:r>
+              <a:rPr lang="en-MY" sz="8000" dirty="0" err="1"/>
+              <a:t>ScreenRant</a:t>
+            </a:r>
+            <a:r>
+              <a:rPr lang="en-MY" sz="8000" dirty="0"/>
+              <a:t> claims driving games' high speed helps players improve their hand-eye coordination and reaction time. Racing games range from goofy go-karts to realistic racing and driving simulations.</a:t>
+            </a:r>
+          </a:p>
+          <a:p>
+            <a:endParaRPr lang="en-US" dirty="0"/>
+          </a:p>
+          <a:p>
+            <a:endParaRPr lang="en-MY" dirty="0"/>
+          </a:p>
+        </p:txBody>
+      </p:sp>
+    </p:spTree>
+    <p:extLst>
+      <p:ext uri="{BB962C8B-B14F-4D97-AF65-F5344CB8AC3E}">
+        <p14:creationId xmlns:p14="http://schemas.microsoft.com/office/powerpoint/2010/main" val="921768442"/>
+      </p:ext>
+    </p:extLst>
+  </p:cSld>
+  <p:clrMapOvr>
+    <a:masterClrMapping/>
+  </p:clrMapOvr>
+  <p:transition spd="slow">
+    <p:cover/>
+  </p:transition>
+  <p:timing>
+    <p:tnLst>
+      <p:par>
+        <p:cTn id="1" dur="indefinite" restart="never" nodeType="tmRoot">
+          <p:childTnLst>
+            <p:seq concurrent="1" nextAc="seek">
+              <p:cTn id="2" dur="indefinite" nodeType="mainSeq">
+                <p:childTnLst>
+                  <p:par>
+                    <p:cTn id="3" fill="hold">
+                      <p:stCondLst>
+                        <p:cond delay="indefinite"/>
+                      </p:stCondLst>
+                      <p:childTnLst>
+                        <p:par>
+                          <p:cTn id="4" fill="hold">
+                            <p:stCondLst>
+                              <p:cond delay="0"/>
+                            </p:stCondLst>
+                            <p:childTnLst>
+                              <p:par>
+                                <p:cTn id="5" presetID="1" presetClass="entr" presetSubtype="0" fill="hold" grpId="0" nodeType="clickEffect">
+                                  <p:stCondLst>
+                                    <p:cond delay="0"/>
+                                  </p:stCondLst>
+                                  <p:childTnLst>
+                                    <p:set>
+                                      <p:cBhvr>
+                                        <p:cTn id="6" dur="1" fill="hold">
+                                          <p:stCondLst>
+                                            <p:cond delay="0"/>
+                                          </p:stCondLst>
+                                        </p:cTn>
+                                        <p:tgtEl>
+                                          <p:spTgt spid="2"/>
+                                        </p:tgtEl>
+                                        <p:attrNameLst>
+                                          <p:attrName>style.visibility</p:attrName>
+                                        </p:attrNameLst>
+                                      </p:cBhvr>
+                                      <p:to>
+                                        <p:strVal val="visible"/>
+                                      </p:to>
+                                    </p:set>
+                                  </p:childTnLst>
+                                </p:cTn>
+                              </p:par>
+                            </p:childTnLst>
+                          </p:cTn>
+                        </p:par>
+                      </p:childTnLst>
+                    </p:cTn>
+                  </p:par>
+                  <p:par>
+                    <p:cTn id="7" fill="hold">
+                      <p:stCondLst>
+                        <p:cond delay="indefinite"/>
+                      </p:stCondLst>
+                      <p:childTnLst>
+                        <p:par>
+                          <p:cTn id="8" fill="hold">
+                            <p:stCondLst>
+                              <p:cond delay="0"/>
+                            </p:stCondLst>
+                            <p:childTnLst>
+                              <p:par>
+                                <p:cTn id="9" presetID="10" presetClass="entr" presetSubtype="0" fill="hold" nodeType="clickEffect">
+                                  <p:stCondLst>
+                                    <p:cond delay="0"/>
+                                  </p:stCondLst>
+                                  <p:childTnLst>
+                                    <p:set>
+                                      <p:cBhvr>
+                                        <p:cTn id="10" dur="1" fill="hold">
+                                          <p:stCondLst>
+                                            <p:cond delay="0"/>
+                                          </p:stCondLst>
+                                        </p:cTn>
+                                        <p:tgtEl>
+                                          <p:spTgt spid="3">
+                                            <p:txEl>
+                                              <p:pRg st="0" end="0"/>
+                                            </p:txEl>
+                                          </p:spTgt>
+                                        </p:tgtEl>
+                                        <p:attrNameLst>
+                                          <p:attrName>style.visibility</p:attrName>
+                                        </p:attrNameLst>
+                                      </p:cBhvr>
+                                      <p:to>
+                                        <p:strVal val="visible"/>
+                                      </p:to>
+                                    </p:set>
+                                    <p:animEffect transition="in" filter="fade">
+                                      <p:cBhvr>
+                                        <p:cTn id="11" dur="500"/>
+                                        <p:tgtEl>
+                                          <p:spTgt spid="3">
+                                            <p:txEl>
+                                              <p:pRg st="0" end="0"/>
+                                            </p:txEl>
+                                          </p:spTgt>
+                                        </p:tgtEl>
+                                      </p:cBhvr>
+                                    </p:animEffect>
+                                  </p:childTnLst>
+                                </p:cTn>
+                              </p:par>
+                              <p:par>
+                                <p:cTn id="12" presetID="10" presetClass="entr" presetSubtype="0" fill="hold" nodeType="withEffect">
+                                  <p:stCondLst>
+                                    <p:cond delay="0"/>
+                                  </p:stCondLst>
+                                  <p:childTnLst>
+                                    <p:set>
+                                      <p:cBhvr>
+                                        <p:cTn id="13" dur="1" fill="hold">
+                                          <p:stCondLst>
+                                            <p:cond delay="0"/>
+                                          </p:stCondLst>
+                                        </p:cTn>
+                                        <p:tgtEl>
+                                          <p:spTgt spid="3">
+                                            <p:txEl>
+                                              <p:pRg st="1" end="1"/>
+                                            </p:txEl>
+                                          </p:spTgt>
+                                        </p:tgtEl>
+                                        <p:attrNameLst>
+                                          <p:attrName>style.visibility</p:attrName>
+                                        </p:attrNameLst>
+                                      </p:cBhvr>
+                                      <p:to>
+                                        <p:strVal val="visible"/>
+                                      </p:to>
+                                    </p:set>
+                                    <p:animEffect transition="in" filter="fade">
+                                      <p:cBhvr>
+                                        <p:cTn id="14" dur="500"/>
+                                        <p:tgtEl>
+                                          <p:spTgt spid="3">
+                                            <p:txEl>
+                                              <p:pRg st="1" end="1"/>
+                                            </p:txEl>
+                                          </p:spTgt>
+                                        </p:tgtEl>
+                                      </p:cBhvr>
+                                    </p:animEffect>
+                                  </p:childTnLst>
+                                </p:cTn>
+                              </p:par>
+                              <p:par>
+                                <p:cTn id="15" presetID="10" presetClass="entr" presetSubtype="0" fill="hold" nodeType="withEffect">
+                                  <p:stCondLst>
+                                    <p:cond delay="0"/>
+                                  </p:stCondLst>
+                                  <p:childTnLst>
+                                    <p:set>
+                                      <p:cBhvr>
+                                        <p:cTn id="16" dur="1" fill="hold">
+                                          <p:stCondLst>
+                                            <p:cond delay="0"/>
+                                          </p:stCondLst>
+                                        </p:cTn>
+                                        <p:tgtEl>
+                                          <p:spTgt spid="3">
+                                            <p:txEl>
+                                              <p:pRg st="2" end="2"/>
+                                            </p:txEl>
+                                          </p:spTgt>
+                                        </p:tgtEl>
+                                        <p:attrNameLst>
+                                          <p:attrName>style.visibility</p:attrName>
+                                        </p:attrNameLst>
+                                      </p:cBhvr>
+                                      <p:to>
+                                        <p:strVal val="visible"/>
+                                      </p:to>
+                                    </p:set>
+                                    <p:animEffect transition="in" filter="fade">
+                                      <p:cBhvr>
+                                        <p:cTn id="17" dur="500"/>
+                                        <p:tgtEl>
+                                          <p:spTgt spid="3">
+                                            <p:txEl>
+                                              <p:pRg st="2" end="2"/>
+                                            </p:txEl>
+                                          </p:spTgt>
+                                        </p:tgtEl>
+                                      </p:cBhvr>
+                                    </p:animEffect>
+                                  </p:childTnLst>
+                                </p:cTn>
+                              </p:par>
+                            </p:childTnLst>
+                          </p:cTn>
+                        </p:par>
+                      </p:childTnLst>
+                    </p:cTn>
+                  </p:par>
+                </p:childTnLst>
+              </p:cTn>
+              <p:prevCondLst>
+                <p:cond evt="onPrev" delay="0">
+                  <p:tgtEl>
+                    <p:sldTgt/>
+                  </p:tgtEl>
+                </p:cond>
+              </p:prevCondLst>
+              <p:nextCondLst>
+                <p:cond evt="onNext" delay="0">
+                  <p:tgtEl>
+                    <p:sldTgt/>
+                  </p:tgtEl>
+                </p:cond>
+              </p:nextCondLst>
+            </p:seq>
+          </p:childTnLst>
+        </p:cTn>
+      </p:par>
+    </p:tnLst>
+    <p:bldLst>
+      <p:bldP spid="2" grpId="0"/>
+    </p:bldLst>
+  </p:timing>
+</p:sld>
+</file>
+
+<file path=ppt/slides/slide4.xml><?xml version="1.0" encoding="utf-8"?>
+<p:sld xmlns:a="http://schemas.openxmlformats.org/drawingml/2006/main" xmlns:r="http://schemas.openxmlformats.org/officeDocument/2006/relationships" xmlns:p="http://schemas.openxmlformats.org/presentationml/2006/main">
+  <p:cSld>
+    <p:spTree>
+      <p:nvGrpSpPr>
+        <p:cNvPr id="1" name=""/>
+        <p:cNvGrpSpPr/>
+        <p:nvPr/>
+      </p:nvGrpSpPr>
+      <p:grpSpPr>
+        <a:xfrm>
+          <a:off x="0" y="0"/>
+          <a:ext cx="0" cy="0"/>
+          <a:chOff x="0" y="0"/>
+          <a:chExt cx="0" cy="0"/>
+        </a:xfrm>
+      </p:grpSpPr>
+      <p:sp>
+        <p:nvSpPr>
+          <p:cNvPr id="2" name="Title 1">
+            <a:extLst>
+              <a:ext uri="{FF2B5EF4-FFF2-40B4-BE49-F238E27FC236}">
+                <a16:creationId xmlns:a16="http://schemas.microsoft.com/office/drawing/2014/main" id="{6131FC55-6DAB-E928-0267-5E6CBC9EA8EF}"/>
+              </a:ext>
+            </a:extLst>
+          </p:cNvPr>
+          <p:cNvSpPr>
+            <a:spLocks noGrp="1"/>
+          </p:cNvSpPr>
+          <p:nvPr>
+            <p:ph type="title"/>
+          </p:nvPr>
+        </p:nvSpPr>
+        <p:spPr/>
+        <p:txBody>
+          <a:bodyPr/>
+          <a:lstStyle/>
+          <a:p>
+            <a:pPr algn="ctr"/>
+            <a:r>
+              <a:rPr lang="en-MY" dirty="0"/>
+              <a:t>Project Plans and Sprints </a:t>
+            </a:r>
+          </a:p>
+        </p:txBody>
+      </p:sp>
+      <p:pic>
+        <p:nvPicPr>
+          <p:cNvPr id="5" name="Content Placeholder 4">
+            <a:extLst>
+              <a:ext uri="{FF2B5EF4-FFF2-40B4-BE49-F238E27FC236}">
+                <a16:creationId xmlns:a16="http://schemas.microsoft.com/office/drawing/2014/main" id="{D1B4E1B7-CAF2-1EA1-D604-940895102C3F}"/>
+              </a:ext>
+            </a:extLst>
+          </p:cNvPr>
+          <p:cNvPicPr>
+            <a:picLocks noGrp="1" noChangeAspect="1"/>
+          </p:cNvPicPr>
+          <p:nvPr>
+            <p:ph idx="1"/>
+          </p:nvPr>
+        </p:nvPicPr>
+        <p:blipFill>
+          <a:blip r:embed="rId2"/>
+          <a:stretch>
+            <a:fillRect/>
+          </a:stretch>
+        </p:blipFill>
+        <p:spPr>
+          <a:xfrm>
+            <a:off x="2118382" y="1681797"/>
+            <a:ext cx="7998669" cy="4925338"/>
+          </a:xfrm>
+        </p:spPr>
+      </p:pic>
+    </p:spTree>
+    <p:extLst>
+      <p:ext uri="{BB962C8B-B14F-4D97-AF65-F5344CB8AC3E}">
+        <p14:creationId xmlns:p14="http://schemas.microsoft.com/office/powerpoint/2010/main" val="2823083689"/>
+      </p:ext>
+    </p:extLst>
+  </p:cSld>
+  <p:clrMapOvr>
+    <a:masterClrMapping/>
+  </p:clrMapOvr>
+  <p:timing>
+    <p:tnLst>
+      <p:par>
+        <p:cTn id="1" dur="indefinite" restart="never" nodeType="tmRoot">
+          <p:childTnLst>
+            <p:seq concurrent="1" nextAc="seek">
+              <p:cTn id="2" dur="indefinite" nodeType="mainSeq">
+                <p:childTnLst>
+                  <p:par>
+                    <p:cTn id="3" fill="hold">
+                      <p:stCondLst>
+                        <p:cond delay="indefinite"/>
+                      </p:stCondLst>
+                      <p:childTnLst>
+                        <p:par>
+                          <p:cTn id="4" fill="hold">
+                            <p:stCondLst>
+                              <p:cond delay="0"/>
+                            </p:stCondLst>
+                            <p:childTnLst>
+                              <p:par>
+                                <p:cTn id="5" presetID="22" presetClass="entr" presetSubtype="4" fill="hold" grpId="0" nodeType="clickEffect">
+                                  <p:stCondLst>
+                                    <p:cond delay="0"/>
+                                  </p:stCondLst>
+                                  <p:childTnLst>
+                                    <p:set>
+                                      <p:cBhvr>
+                                        <p:cTn id="6" dur="1" fill="hold">
+                                          <p:stCondLst>
+                                            <p:cond delay="0"/>
+                                          </p:stCondLst>
+                                        </p:cTn>
+                                        <p:tgtEl>
+                                          <p:spTgt spid="2"/>
+                                        </p:tgtEl>
+                                        <p:attrNameLst>
+                                          <p:attrName>style.visibility</p:attrName>
+                                        </p:attrNameLst>
+                                      </p:cBhvr>
+                                      <p:to>
+                                        <p:strVal val="visible"/>
+                                      </p:to>
+                                    </p:set>
+                                    <p:animEffect transition="in" filter="wipe(down)">
+                                      <p:cBhvr>
+                                        <p:cTn id="7" dur="500"/>
+                                        <p:tgtEl>
+                                          <p:spTgt spid="2"/>
+                                        </p:tgtEl>
+                                      </p:cBhvr>
+                                    </p:animEffect>
+                                  </p:childTnLst>
+                                </p:cTn>
+                              </p:par>
+                            </p:childTnLst>
+                          </p:cTn>
+                        </p:par>
+                      </p:childTnLst>
+                    </p:cTn>
+                  </p:par>
+                  <p:par>
+                    <p:cTn id="8" fill="hold">
+                      <p:stCondLst>
+                        <p:cond delay="indefinite"/>
+                      </p:stCondLst>
+                      <p:childTnLst>
+                        <p:par>
+                          <p:cTn id="9" fill="hold">
+                            <p:stCondLst>
+                              <p:cond delay="0"/>
+                            </p:stCondLst>
+                            <p:childTnLst>
+                              <p:par>
+                                <p:cTn id="10" presetID="16" presetClass="entr" presetSubtype="21" fill="hold" nodeType="clickEffect">
+                                  <p:stCondLst>
+                                    <p:cond delay="0"/>
+                                  </p:stCondLst>
+                                  <p:childTnLst>
+                                    <p:set>
+                                      <p:cBhvr>
+                                        <p:cTn id="11" dur="1" fill="hold">
+                                          <p:stCondLst>
+                                            <p:cond delay="0"/>
+                                          </p:stCondLst>
+                                        </p:cTn>
+                                        <p:tgtEl>
+                                          <p:spTgt spid="5"/>
+                                        </p:tgtEl>
+                                        <p:attrNameLst>
+                                          <p:attrName>style.visibility</p:attrName>
+                                        </p:attrNameLst>
+                                      </p:cBhvr>
+                                      <p:to>
+                                        <p:strVal val="visible"/>
+                                      </p:to>
+                                    </p:set>
+                                    <p:animEffect transition="in" filter="barn(inVertical)">
+                                      <p:cBhvr>
+                                        <p:cTn id="12" dur="500"/>
+                                        <p:tgtEl>
+                                          <p:spTgt spid="5"/>
+                                        </p:tgtEl>
+                                      </p:cBhvr>
+                                    </p:animEffect>
+                                  </p:childTnLst>
+                                </p:cTn>
+                              </p:par>
+                            </p:childTnLst>
+                          </p:cTn>
+                        </p:par>
+                      </p:childTnLst>
+                    </p:cTn>
+                  </p:par>
+                </p:childTnLst>
+              </p:cTn>
+              <p:prevCondLst>
+                <p:cond evt="onPrev" delay="0">
+                  <p:tgtEl>
+                    <p:sldTgt/>
+                  </p:tgtEl>
+                </p:cond>
+              </p:prevCondLst>
+              <p:nextCondLst>
+                <p:cond evt="onNext" delay="0">
+                  <p:tgtEl>
+                    <p:sldTgt/>
+                  </p:tgtEl>
+                </p:cond>
+              </p:nextCondLst>
+            </p:seq>
+          </p:childTnLst>
+        </p:cTn>
+      </p:par>
+    </p:tnLst>
+    <p:bldLst>
+      <p:bldP spid="2" grpId="0"/>
+    </p:bldLst>
+  </p:timing>
+</p:sld>
+</file>
+
+<file path=ppt/slides/slide5.xml><?xml version="1.0" encoding="utf-8"?>
+<p:sld xmlns:a="http://schemas.openxmlformats.org/drawingml/2006/main" xmlns:r="http://schemas.openxmlformats.org/officeDocument/2006/relationships" xmlns:p="http://schemas.openxmlformats.org/presentationml/2006/main">
+  <p:cSld>
+    <p:spTree>
+      <p:nvGrpSpPr>
+        <p:cNvPr id="1" name=""/>
+        <p:cNvGrpSpPr/>
+        <p:nvPr/>
+      </p:nvGrpSpPr>
+      <p:grpSpPr>
+        <a:xfrm>
+          <a:off x="0" y="0"/>
+          <a:ext cx="0" cy="0"/>
+          <a:chOff x="0" y="0"/>
+          <a:chExt cx="0" cy="0"/>
+        </a:xfrm>
+      </p:grpSpPr>
+      <p:sp>
+        <p:nvSpPr>
+          <p:cNvPr id="2" name="Title 1">
+            <a:extLst>
+              <a:ext uri="{FF2B5EF4-FFF2-40B4-BE49-F238E27FC236}">
+                <a16:creationId xmlns:a16="http://schemas.microsoft.com/office/drawing/2014/main" id="{BCE2BFCD-4EC1-E3C7-90FF-54B29522BA7B}"/>
+              </a:ext>
+            </a:extLst>
+          </p:cNvPr>
+          <p:cNvSpPr>
+            <a:spLocks noGrp="1"/>
+          </p:cNvSpPr>
+          <p:nvPr>
+            <p:ph type="title"/>
+          </p:nvPr>
+        </p:nvSpPr>
+        <p:spPr/>
+        <p:txBody>
+          <a:bodyPr/>
+          <a:lstStyle/>
+          <a:p>
+            <a:pPr algn="ctr"/>
+            <a:r>
+              <a:rPr lang="en-MY" dirty="0"/>
+              <a:t>Project Plans and Sprints </a:t>
+            </a:r>
+          </a:p>
+        </p:txBody>
+      </p:sp>
+      <p:pic>
+        <p:nvPicPr>
+          <p:cNvPr id="5" name="Content Placeholder 4">
+            <a:extLst>
+              <a:ext uri="{FF2B5EF4-FFF2-40B4-BE49-F238E27FC236}">
+                <a16:creationId xmlns:a16="http://schemas.microsoft.com/office/drawing/2014/main" id="{319D39AA-1C91-61E3-8407-5D1162ACF5D5}"/>
+              </a:ext>
+            </a:extLst>
+          </p:cNvPr>
+          <p:cNvPicPr>
+            <a:picLocks noGrp="1" noChangeAspect="1"/>
+          </p:cNvPicPr>
+          <p:nvPr>
+            <p:ph idx="1"/>
+          </p:nvPr>
+        </p:nvPicPr>
+        <p:blipFill rotWithShape="1">
+          <a:blip r:embed="rId2"/>
+          <a:srcRect l="1633" t="-1" r="1813" b="223"/>
+          <a:stretch/>
+        </p:blipFill>
+        <p:spPr>
+          <a:xfrm>
+            <a:off x="3680011" y="1691322"/>
+            <a:ext cx="4831977" cy="5166678"/>
+          </a:xfrm>
+        </p:spPr>
+      </p:pic>
+    </p:spTree>
+    <p:extLst>
+      <p:ext uri="{BB962C8B-B14F-4D97-AF65-F5344CB8AC3E}">
+        <p14:creationId xmlns:p14="http://schemas.microsoft.com/office/powerpoint/2010/main" val="2171703894"/>
+      </p:ext>
+    </p:extLst>
+  </p:cSld>
+  <p:clrMapOvr>
+    <a:masterClrMapping/>
+  </p:clrMapOvr>
+</p:sld>
+</file>
+
+<file path=ppt/slides/slide6.xml><?xml version="1.0" encoding="utf-8"?>
+<p:sld xmlns:a="http://schemas.openxmlformats.org/drawingml/2006/main" xmlns:r="http://schemas.openxmlformats.org/officeDocument/2006/relationships" xmlns:p="http://schemas.openxmlformats.org/presentationml/2006/main">
+  <p:cSld>
+    <p:spTree>
+      <p:nvGrpSpPr>
+        <p:cNvPr id="1" name=""/>
+        <p:cNvGrpSpPr/>
+        <p:nvPr/>
+      </p:nvGrpSpPr>
+      <p:grpSpPr>
+        <a:xfrm>
+          <a:off x="0" y="0"/>
+          <a:ext cx="0" cy="0"/>
+          <a:chOff x="0" y="0"/>
+          <a:chExt cx="0" cy="0"/>
+        </a:xfrm>
+      </p:grpSpPr>
+      <p:sp>
+        <p:nvSpPr>
+          <p:cNvPr id="2" name="Title 1">
+            <a:extLst>
+              <a:ext uri="{FF2B5EF4-FFF2-40B4-BE49-F238E27FC236}">
+                <a16:creationId xmlns:a16="http://schemas.microsoft.com/office/drawing/2014/main" id="{AFF6D287-1064-F536-F5E3-B23DD86DD2E0}"/>
+              </a:ext>
+            </a:extLst>
+          </p:cNvPr>
+          <p:cNvSpPr>
+            <a:spLocks noGrp="1"/>
+          </p:cNvSpPr>
+          <p:nvPr>
+            <p:ph type="title"/>
+          </p:nvPr>
+        </p:nvSpPr>
+        <p:spPr/>
+        <p:txBody>
+          <a:bodyPr/>
+          <a:lstStyle/>
+          <a:p>
+            <a:pPr algn="ctr"/>
+            <a:r>
+              <a:rPr lang="en-MY" dirty="0"/>
+              <a:t>UML models</a:t>
+            </a:r>
+          </a:p>
+        </p:txBody>
+      </p:sp>
+      <p:pic>
+        <p:nvPicPr>
+          <p:cNvPr id="11" name="Content Placeholder 10">
+            <a:extLst>
+              <a:ext uri="{FF2B5EF4-FFF2-40B4-BE49-F238E27FC236}">
+                <a16:creationId xmlns:a16="http://schemas.microsoft.com/office/drawing/2014/main" id="{3A0EAECC-446A-085D-57CB-281651964650}"/>
+              </a:ext>
+            </a:extLst>
+          </p:cNvPr>
+          <p:cNvPicPr>
+            <a:picLocks noGrp="1" noChangeAspect="1"/>
+          </p:cNvPicPr>
+          <p:nvPr>
+            <p:ph idx="1"/>
+          </p:nvPr>
+        </p:nvPicPr>
+        <p:blipFill>
+          <a:blip r:embed="rId2">
+            <a:extLst>
+              <a:ext uri="{28A0092B-C50C-407E-A947-70E740481C1C}">
+                <a14:useLocalDpi xmlns:a14="http://schemas.microsoft.com/office/drawing/2010/main" val="0"/>
+              </a:ext>
+            </a:extLst>
+          </a:blip>
+          <a:srcRect t="134" b="134"/>
+          <a:stretch/>
+        </p:blipFill>
+        <p:spPr>
+          <a:xfrm>
+            <a:off x="3279126" y="1677357"/>
+            <a:ext cx="5658131" cy="4814883"/>
+          </a:xfrm>
+        </p:spPr>
+      </p:pic>
+    </p:spTree>
+    <p:extLst>
+      <p:ext uri="{BB962C8B-B14F-4D97-AF65-F5344CB8AC3E}">
+        <p14:creationId xmlns:p14="http://schemas.microsoft.com/office/powerpoint/2010/main" val="6959203"/>
+      </p:ext>
+    </p:extLst>
+  </p:cSld>
+  <p:clrMapOvr>
+    <a:masterClrMapping/>
+  </p:clrMapOvr>
+  <p:transition spd="slow">
+    <p:cover/>
+  </p:transition>
+  <p:timing>
+    <p:tnLst>
+      <p:par>
+        <p:cTn id="1" dur="indefinite" restart="never" nodeType="tmRoot">
+          <p:childTnLst>
+            <p:seq concurrent="1" nextAc="seek">
+              <p:cTn id="2" dur="indefinite" nodeType="mainSeq">
+                <p:childTnLst>
+                  <p:par>
+                    <p:cTn id="3" fill="hold">
+                      <p:stCondLst>
+                        <p:cond delay="indefinite"/>
+                      </p:stCondLst>
+                      <p:childTnLst>
+                        <p:par>
+                          <p:cTn id="4" fill="hold">
+                            <p:stCondLst>
+                              <p:cond delay="0"/>
+                            </p:stCondLst>
+                            <p:childTnLst>
+                              <p:par>
+                                <p:cTn id="5" presetID="1" presetClass="entr" presetSubtype="0" fill="hold" grpId="0" nodeType="clickEffect">
+                                  <p:stCondLst>
+                                    <p:cond delay="0"/>
+                                  </p:stCondLst>
+                                  <p:childTnLst>
+                                    <p:set>
+                                      <p:cBhvr>
+                                        <p:cTn id="6" dur="1" fill="hold">
+                                          <p:stCondLst>
+                                            <p:cond delay="0"/>
+                                          </p:stCondLst>
+                                        </p:cTn>
+                                        <p:tgtEl>
+                                          <p:spTgt spid="2"/>
+                                        </p:tgtEl>
+                                        <p:attrNameLst>
+                                          <p:attrName>style.visibility</p:attrName>
+                                        </p:attrNameLst>
+                                      </p:cBhvr>
+                                      <p:to>
+                                        <p:strVal val="visible"/>
+                                      </p:to>
+                                    </p:set>
+                                  </p:childTnLst>
+                                </p:cTn>
+                              </p:par>
+                            </p:childTnLst>
+                          </p:cTn>
+                        </p:par>
+                      </p:childTnLst>
+                    </p:cTn>
+                  </p:par>
+                  <p:par>
+                    <p:cTn id="7" fill="hold">
+                      <p:stCondLst>
+                        <p:cond delay="indefinite"/>
+                      </p:stCondLst>
+                      <p:childTnLst>
+                        <p:par>
+                          <p:cTn id="8" fill="hold">
+                            <p:stCondLst>
+                              <p:cond delay="0"/>
+                            </p:stCondLst>
+                            <p:childTnLst>
+                              <p:par>
+                                <p:cTn id="9" presetID="1" presetClass="entr" presetSubtype="0" fill="hold" nodeType="clickEffect">
+                                  <p:stCondLst>
+                                    <p:cond delay="0"/>
+                                  </p:stCondLst>
+                                  <p:childTnLst>
+                                    <p:set>
+                                      <p:cBhvr>
+                                        <p:cTn id="10" dur="1" fill="hold">
+                                          <p:stCondLst>
+                                            <p:cond delay="0"/>
+                                          </p:stCondLst>
+                                        </p:cTn>
+                                        <p:tgtEl>
+                                          <p:spTgt spid="11"/>
+                                        </p:tgtEl>
+                                        <p:attrNameLst>
+                                          <p:attrName>style.visibility</p:attrName>
+                                        </p:attrNameLst>
+                                      </p:cBhvr>
+                                      <p:to>
+                                        <p:strVal val="visible"/>
+                                      </p:to>
+                                    </p:set>
+                                  </p:childTnLst>
+                                </p:cTn>
+                              </p:par>
+                            </p:childTnLst>
+                          </p:cTn>
+                        </p:par>
+                      </p:childTnLst>
+                    </p:cTn>
+                  </p:par>
+                </p:childTnLst>
+              </p:cTn>
+              <p:prevCondLst>
+                <p:cond evt="onPrev" delay="0">
+                  <p:tgtEl>
+                    <p:sldTgt/>
+                  </p:tgtEl>
+                </p:cond>
+              </p:prevCondLst>
+              <p:nextCondLst>
+                <p:cond evt="onNext" delay="0">
+                  <p:tgtEl>
+                    <p:sldTgt/>
+                  </p:tgtEl>
+                </p:cond>
+              </p:nextCondLst>
+            </p:seq>
+          </p:childTnLst>
+        </p:cTn>
+      </p:par>
+    </p:tnLst>
+    <p:bldLst>
+      <p:bldP spid="2" grpId="0"/>
+    </p:bldLst>
+  </p:timing>
+</p:sld>
+</file>
+
+<file path=ppt/slides/slide7.xml><?xml version="1.0" encoding="utf-8"?>
+<p:sld xmlns:a="http://schemas.openxmlformats.org/drawingml/2006/main" xmlns:r="http://schemas.openxmlformats.org/officeDocument/2006/relationships" xmlns:p="http://schemas.openxmlformats.org/presentationml/2006/main">
+  <p:cSld>
+    <p:spTree>
+      <p:nvGrpSpPr>
+        <p:cNvPr id="1" name=""/>
+        <p:cNvGrpSpPr/>
+        <p:nvPr/>
+      </p:nvGrpSpPr>
+      <p:grpSpPr>
+        <a:xfrm>
+          <a:off x="0" y="0"/>
+          <a:ext cx="0" cy="0"/>
+          <a:chOff x="0" y="0"/>
+          <a:chExt cx="0" cy="0"/>
+        </a:xfrm>
+      </p:grpSpPr>
+      <p:sp>
+        <p:nvSpPr>
+          <p:cNvPr id="4" name="Title 3">
+            <a:extLst>
+              <a:ext uri="{FF2B5EF4-FFF2-40B4-BE49-F238E27FC236}">
+                <a16:creationId xmlns:a16="http://schemas.microsoft.com/office/drawing/2014/main" id="{577F9F7E-8C65-1065-4D09-D54212F33D13}"/>
+              </a:ext>
+            </a:extLst>
+          </p:cNvPr>
+          <p:cNvSpPr>
+            <a:spLocks noGrp="1"/>
+          </p:cNvSpPr>
+          <p:nvPr>
+            <p:ph type="title"/>
+          </p:nvPr>
+        </p:nvSpPr>
+        <p:spPr>
+          <a:xfrm>
+            <a:off x="1386840" y="2888876"/>
+            <a:ext cx="9418320" cy="1080247"/>
+          </a:xfrm>
+        </p:spPr>
+        <p:txBody>
+          <a:bodyPr/>
+          <a:lstStyle/>
+          <a:p>
+            <a:pPr algn="ctr"/>
+            <a:r>
+              <a:rPr lang="en-MY" dirty="0"/>
+              <a:t>Initial prototype</a:t>
+            </a:r>
+          </a:p>
+        </p:txBody>
+      </p:sp>
+    </p:spTree>
+    <p:extLst>
+      <p:ext uri="{BB962C8B-B14F-4D97-AF65-F5344CB8AC3E}">
+        <p14:creationId xmlns:p14="http://schemas.microsoft.com/office/powerpoint/2010/main" val="4105249273"/>
+      </p:ext>
+    </p:extLst>
+  </p:cSld>
+  <p:clrMapOvr>
+    <a:masterClrMapping/>
+  </p:clrMapOvr>
+  <p:transition spd="med">
+    <p:pull/>
+  </p:transition>
+</p:sld>
+</file>
+
+<file path=ppt/slides/slide8.xml><?xml version="1.0" encoding="utf-8"?>
+<p:sld xmlns:a="http://schemas.openxmlformats.org/drawingml/2006/main" xmlns:r="http://schemas.openxmlformats.org/officeDocument/2006/relationships" xmlns:p="http://schemas.openxmlformats.org/presentationml/2006/main">
+  <p:cSld>
+    <p:spTree>
+      <p:nvGrpSpPr>
+        <p:cNvPr id="1" name=""/>
+        <p:cNvGrpSpPr/>
+        <p:nvPr/>
+      </p:nvGrpSpPr>
+      <p:grpSpPr>
+        <a:xfrm>
+          <a:off x="0" y="0"/>
+          <a:ext cx="0" cy="0"/>
+          <a:chOff x="0" y="0"/>
+          <a:chExt cx="0" cy="0"/>
+        </a:xfrm>
+      </p:grpSpPr>
+      <p:sp>
+        <p:nvSpPr>
+          <p:cNvPr id="2" name="Title 1">
+            <a:extLst>
+              <a:ext uri="{FF2B5EF4-FFF2-40B4-BE49-F238E27FC236}">
+                <a16:creationId xmlns:a16="http://schemas.microsoft.com/office/drawing/2014/main" id="{FD129BA6-F0FF-A9B5-2E0D-66CA21D9E94F}"/>
+              </a:ext>
+            </a:extLst>
+          </p:cNvPr>
+          <p:cNvSpPr>
+            <a:spLocks noGrp="1"/>
+          </p:cNvSpPr>
+          <p:nvPr>
+            <p:ph type="title"/>
+          </p:nvPr>
+        </p:nvSpPr>
+        <p:spPr/>
+        <p:txBody>
+          <a:bodyPr/>
+          <a:lstStyle/>
+          <a:p>
+            <a:r>
+              <a:rPr lang="en-MY" dirty="0"/>
+              <a:t>Challenges faced</a:t>
+            </a:r>
+          </a:p>
+        </p:txBody>
+      </p:sp>
+      <p:sp>
+        <p:nvSpPr>
+          <p:cNvPr id="3" name="Content Placeholder 2">
+            <a:extLst>
+              <a:ext uri="{FF2B5EF4-FFF2-40B4-BE49-F238E27FC236}">
+                <a16:creationId xmlns:a16="http://schemas.microsoft.com/office/drawing/2014/main" id="{B1AFD78C-05B3-1947-A7FC-40D1733734A4}"/>
+              </a:ext>
+            </a:extLst>
+          </p:cNvPr>
+          <p:cNvSpPr>
+            <a:spLocks noGrp="1"/>
+          </p:cNvSpPr>
+          <p:nvPr>
+            <p:ph idx="1"/>
+          </p:nvPr>
+        </p:nvSpPr>
+        <p:spPr/>
+        <p:txBody>
+          <a:bodyPr/>
+          <a:lstStyle/>
+          <a:p>
+            <a:r>
+              <a:rPr lang="en-US" dirty="0"/>
+              <a:t>Adding road and lines</a:t>
+            </a:r>
+          </a:p>
+          <a:p>
+            <a:r>
+              <a:rPr lang="en-US" dirty="0"/>
+              <a:t>Adding different cars </a:t>
+            </a:r>
+          </a:p>
+          <a:p>
+            <a:r>
+              <a:rPr lang="en-US" dirty="0"/>
+              <a:t>Background music</a:t>
+            </a:r>
+          </a:p>
+          <a:p>
+            <a:r>
+              <a:rPr lang="en-US" dirty="0"/>
+              <a:t>Making different maps </a:t>
+            </a:r>
+          </a:p>
+          <a:p>
+            <a:r>
+              <a:rPr lang="en-US" dirty="0"/>
+              <a:t>Making different levels</a:t>
+            </a:r>
+          </a:p>
+          <a:p>
+            <a:r>
+              <a:rPr lang="en-MY" dirty="0"/>
+              <a:t>Audio Integration</a:t>
+            </a:r>
+            <a:r>
+              <a:rPr lang="en-US" dirty="0"/>
+              <a:t> </a:t>
+            </a:r>
+          </a:p>
+          <a:p>
+            <a:r>
+              <a:rPr lang="en-US" dirty="0"/>
+              <a:t>Game bugs</a:t>
+            </a:r>
+          </a:p>
+        </p:txBody>
+      </p:sp>
+    </p:spTree>
+    <p:extLst>
+      <p:ext uri="{BB962C8B-B14F-4D97-AF65-F5344CB8AC3E}">
+        <p14:creationId xmlns:p14="http://schemas.microsoft.com/office/powerpoint/2010/main" val="1890543961"/>
+      </p:ext>
+    </p:extLst>
+  </p:cSld>
+  <p:clrMapOvr>
+    <a:masterClrMapping/>
+  </p:clrMapOvr>
+  <p:transition spd="slow">
+    <p:cover/>
+  </p:transition>
+  <p:timing>
+    <p:tnLst>
+      <p:par>
+        <p:cTn id="1" dur="indefinite" restart="never" nodeType="tmRoot">
+          <p:childTnLst>
+            <p:seq concurrent="1" nextAc="seek">
+              <p:cTn id="2" dur="indefinite" nodeType="mainSeq">
+                <p:childTnLst>
+                  <p:par>
+                    <p:cTn id="3" fill="hold">
+                      <p:stCondLst>
+                        <p:cond delay="indefinite"/>
+                      </p:stCondLst>
+                      <p:childTnLst>
+                        <p:par>
+                          <p:cTn id="4" fill="hold">
+                            <p:stCondLst>
+                              <p:cond delay="0"/>
+                            </p:stCondLst>
+                            <p:childTnLst>
+                              <p:par>
+                                <p:cTn id="5" presetID="1" presetClass="entr" presetSubtype="0" fill="hold" grpId="0" nodeType="clickEffect">
+                                  <p:stCondLst>
+                                    <p:cond delay="0"/>
+                                  </p:stCondLst>
+                                  <p:childTnLst>
+                                    <p:set>
+                                      <p:cBhvr>
+                                        <p:cTn id="6" dur="1" fill="hold">
+                                          <p:stCondLst>
+                                            <p:cond delay="0"/>
+                                          </p:stCondLst>
+                                        </p:cTn>
+                                        <p:tgtEl>
+                                          <p:spTgt spid="2"/>
+                                        </p:tgtEl>
+                                        <p:attrNameLst>
+                                          <p:attrName>style.visibility</p:attrName>
+                                        </p:attrNameLst>
+                                      </p:cBhvr>
+                                      <p:to>
+                                        <p:strVal val="visible"/>
+                                      </p:to>
+                                    </p:set>
+                                  </p:childTnLst>
+                                </p:cTn>
+                              </p:par>
+                            </p:childTnLst>
+                          </p:cTn>
+                        </p:par>
+                      </p:childTnLst>
+                    </p:cTn>
+                  </p:par>
+                  <p:par>
+                    <p:cTn id="7" fill="hold">
+                      <p:stCondLst>
+                        <p:cond delay="indefinite"/>
+                      </p:stCondLst>
+                      <p:childTnLst>
+                        <p:par>
+                          <p:cTn id="8" fill="hold">
+                            <p:stCondLst>
+                              <p:cond delay="0"/>
+                            </p:stCondLst>
+                            <p:childTnLst>
+                              <p:par>
+                                <p:cTn id="9" presetID="1" presetClass="entr" presetSubtype="0" fill="hold" nodeType="clickEffect">
+                                  <p:stCondLst>
+                                    <p:cond delay="0"/>
+                                  </p:stCondLst>
+                                  <p:childTnLst>
+                                    <p:set>
+                                      <p:cBhvr>
+                                        <p:cTn id="10" dur="1" fill="hold">
+                                          <p:stCondLst>
+                                            <p:cond delay="0"/>
+                                          </p:stCondLst>
+                                        </p:cTn>
+                                        <p:tgtEl>
+                                          <p:spTgt spid="3">
+                                            <p:txEl>
+                                              <p:pRg st="0" end="0"/>
+                                            </p:txEl>
+                                          </p:spTgt>
+                                        </p:tgtEl>
+                                        <p:attrNameLst>
+                                          <p:attrName>style.visibility</p:attrName>
+                                        </p:attrNameLst>
+                                      </p:cBhvr>
+                                      <p:to>
+                                        <p:strVal val="visible"/>
+                                      </p:to>
+                                    </p:set>
+                                  </p:childTnLst>
+                                </p:cTn>
+                              </p:par>
+                              <p:par>
+                                <p:cTn id="11" presetID="1" presetClass="entr" presetSubtype="0" fill="hold" nodeType="withEffect">
+                                  <p:stCondLst>
+                                    <p:cond delay="0"/>
+                                  </p:stCondLst>
+                                  <p:childTnLst>
+                                    <p:set>
+                                      <p:cBhvr>
+                                        <p:cTn id="12" dur="1" fill="hold">
+                                          <p:stCondLst>
+                                            <p:cond delay="0"/>
+                                          </p:stCondLst>
+                                        </p:cTn>
+                                        <p:tgtEl>
+                                          <p:spTgt spid="3">
+                                            <p:txEl>
+                                              <p:pRg st="1" end="1"/>
+                                            </p:txEl>
+                                          </p:spTgt>
+                                        </p:tgtEl>
+                                        <p:attrNameLst>
+                                          <p:attrName>style.visibility</p:attrName>
+                                        </p:attrNameLst>
+                                      </p:cBhvr>
+                                      <p:to>
+                                        <p:strVal val="visible"/>
+                                      </p:to>
+                                    </p:set>
+                                  </p:childTnLst>
+                                </p:cTn>
+                              </p:par>
+                              <p:par>
+                                <p:cTn id="13" presetID="1" presetClass="entr" presetSubtype="0" fill="hold" nodeType="withEffect">
+                                  <p:stCondLst>
+                                    <p:cond delay="0"/>
+                                  </p:stCondLst>
+                                  <p:childTnLst>
+                                    <p:set>
+                                      <p:cBhvr>
+                                        <p:cTn id="14" dur="1" fill="hold">
+                                          <p:stCondLst>
+                                            <p:cond delay="0"/>
+                                          </p:stCondLst>
+                                        </p:cTn>
+                                        <p:tgtEl>
+                                          <p:spTgt spid="3">
+                                            <p:txEl>
+                                              <p:pRg st="2" end="2"/>
+                                            </p:txEl>
+                                          </p:spTgt>
+                                        </p:tgtEl>
+                                        <p:attrNameLst>
+                                          <p:attrName>style.visibility</p:attrName>
+                                        </p:attrNameLst>
+                                      </p:cBhvr>
+                                      <p:to>
+                                        <p:strVal val="visible"/>
+                                      </p:to>
+                                    </p:set>
+                                  </p:childTnLst>
+                                </p:cTn>
+                              </p:par>
+                              <p:par>
+                                <p:cTn id="15" presetID="1" presetClass="entr" presetSubtype="0" fill="hold" nodeType="withEffect">
+                                  <p:stCondLst>
+                                    <p:cond delay="0"/>
+                                  </p:stCondLst>
+                                  <p:childTnLst>
+                                    <p:set>
+                                      <p:cBhvr>
+                                        <p:cTn id="16" dur="1" fill="hold">
+                                          <p:stCondLst>
+                                            <p:cond delay="0"/>
+                                          </p:stCondLst>
+                                        </p:cTn>
+                                        <p:tgtEl>
+                                          <p:spTgt spid="3">
+                                            <p:txEl>
+                                              <p:pRg st="3" end="3"/>
+                                            </p:txEl>
+                                          </p:spTgt>
+                                        </p:tgtEl>
+                                        <p:attrNameLst>
+                                          <p:attrName>style.visibility</p:attrName>
+                                        </p:attrNameLst>
+                                      </p:cBhvr>
+                                      <p:to>
+                                        <p:strVal val="visible"/>
+                                      </p:to>
+                                    </p:set>
+                                  </p:childTnLst>
+                                </p:cTn>
+                              </p:par>
+                              <p:par>
+                                <p:cTn id="17" presetID="1" presetClass="entr" presetSubtype="0" fill="hold" nodeType="withEffect">
+                                  <p:stCondLst>
+                                    <p:cond delay="0"/>
+                                  </p:stCondLst>
+                                  <p:childTnLst>
+                                    <p:set>
+                                      <p:cBhvr>
+                                        <p:cTn id="18" dur="1" fill="hold">
+                                          <p:stCondLst>
+                                            <p:cond delay="0"/>
+                                          </p:stCondLst>
+                                        </p:cTn>
+                                        <p:tgtEl>
+                                          <p:spTgt spid="3">
+                                            <p:txEl>
+                                              <p:pRg st="4" end="4"/>
+                                            </p:txEl>
+                                          </p:spTgt>
+                                        </p:tgtEl>
+                                        <p:attrNameLst>
+                                          <p:attrName>style.visibility</p:attrName>
+                                        </p:attrNameLst>
+                                      </p:cBhvr>
+                                      <p:to>
+                                        <p:strVal val="visible"/>
+                                      </p:to>
+                                    </p:set>
+                                  </p:childTnLst>
+                                </p:cTn>
+                              </p:par>
+                              <p:par>
+                                <p:cTn id="19" presetID="1" presetClass="entr" presetSubtype="0" fill="hold" nodeType="withEffect">
+                                  <p:stCondLst>
+                                    <p:cond delay="0"/>
+                                  </p:stCondLst>
+                                  <p:childTnLst>
+                                    <p:set>
+                                      <p:cBhvr>
+                                        <p:cTn id="20" dur="1" fill="hold">
+                                          <p:stCondLst>
+                                            <p:cond delay="0"/>
+                                          </p:stCondLst>
+                                        </p:cTn>
+                                        <p:tgtEl>
+                                          <p:spTgt spid="3">
+                                            <p:txEl>
+                                              <p:pRg st="5" end="5"/>
+                                            </p:txEl>
+                                          </p:spTgt>
+                                        </p:tgtEl>
+                                        <p:attrNameLst>
+                                          <p:attrName>style.visibility</p:attrName>
+                                        </p:attrNameLst>
+                                      </p:cBhvr>
+                                      <p:to>
+                                        <p:strVal val="visible"/>
+                                      </p:to>
+                                    </p:set>
+                                  </p:childTnLst>
+                                </p:cTn>
+                              </p:par>
+                              <p:par>
+                                <p:cTn id="21" presetID="1" presetClass="entr" presetSubtype="0" fill="hold" nodeType="withEffect">
+                                  <p:stCondLst>
+                                    <p:cond delay="0"/>
+                                  </p:stCondLst>
+                                  <p:childTnLst>
+                                    <p:set>
+                                      <p:cBhvr>
+                                        <p:cTn id="22" dur="1" fill="hold">
+                                          <p:stCondLst>
+                                            <p:cond delay="0"/>
+                                          </p:stCondLst>
+                                        </p:cTn>
+                                        <p:tgtEl>
+                                          <p:spTgt spid="3">
+                                            <p:txEl>
+                                              <p:pRg st="6" end="6"/>
+                                            </p:txEl>
+                                          </p:spTgt>
+                                        </p:tgtEl>
+                                        <p:attrNameLst>
+                                          <p:attrName>style.visibility</p:attrName>
+                                        </p:attrNameLst>
+                                      </p:cBhvr>
+                                      <p:to>
+                                        <p:strVal val="visible"/>
+                                      </p:to>
+                                    </p:set>
+                                  </p:childTnLst>
+                                </p:cTn>
+                              </p:par>
+                            </p:childTnLst>
+                          </p:cTn>
+                        </p:par>
+                      </p:childTnLst>
+                    </p:cTn>
+                  </p:par>
+                </p:childTnLst>
+              </p:cTn>
+              <p:prevCondLst>
+                <p:cond evt="onPrev" delay="0">
+                  <p:tgtEl>
+                    <p:sldTgt/>
+                  </p:tgtEl>
+                </p:cond>
+              </p:prevCondLst>
+              <p:nextCondLst>
+                <p:cond evt="onNext" delay="0">
+                  <p:tgtEl>
+                    <p:sldTgt/>
+                  </p:tgtEl>
+                </p:cond>
+              </p:nextCondLst>
+            </p:seq>
+          </p:childTnLst>
+        </p:cTn>
+      </p:par>
+    </p:tnLst>
+    <p:bldLst>
+      <p:bldP spid="2" grpId="0"/>
+    </p:bldLst>
+  </p:timing>
+</p:sld>
+</file>
+
+<file path=ppt/slides/slide9.xml><?xml version="1.0" encoding="utf-8"?>
+<p:sld xmlns:a="http://schemas.openxmlformats.org/drawingml/2006/main" xmlns:r="http://schemas.openxmlformats.org/officeDocument/2006/relationships" xmlns:p="http://schemas.openxmlformats.org/presentationml/2006/main">
+  <p:cSld>
+    <p:spTree>
+      <p:nvGrpSpPr>
+        <p:cNvPr id="1" name=""/>
+        <p:cNvGrpSpPr/>
+        <p:nvPr/>
+      </p:nvGrpSpPr>
+      <p:grpSpPr>
+        <a:xfrm>
+          <a:off x="0" y="0"/>
+          <a:ext cx="0" cy="0"/>
+          <a:chOff x="0" y="0"/>
+          <a:chExt cx="0" cy="0"/>
+        </a:xfrm>
+      </p:grpSpPr>
+      <p:sp>
+        <p:nvSpPr>
+          <p:cNvPr id="4" name="Title 3">
+            <a:extLst>
+              <a:ext uri="{FF2B5EF4-FFF2-40B4-BE49-F238E27FC236}">
+                <a16:creationId xmlns:a16="http://schemas.microsoft.com/office/drawing/2014/main" id="{F6252EC0-38EC-AFE9-FF64-ABB0D5854192}"/>
+              </a:ext>
+            </a:extLst>
+          </p:cNvPr>
+          <p:cNvSpPr>
+            <a:spLocks noGrp="1"/>
+          </p:cNvSpPr>
+          <p:nvPr>
+            <p:ph type="title"/>
+          </p:nvPr>
+        </p:nvSpPr>
+        <p:spPr>
+          <a:xfrm>
+            <a:off x="1527675" y="2821641"/>
+            <a:ext cx="8886713" cy="1214718"/>
+          </a:xfrm>
+        </p:spPr>
+        <p:txBody>
+          <a:bodyPr/>
+          <a:lstStyle/>
+          <a:p>
+            <a:r>
+              <a:rPr lang="en-MY" dirty="0"/>
+              <a:t>Thanks for watching</a:t>
+            </a:r>
+          </a:p>
+        </p:txBody>
+      </p:sp>
+    </p:spTree>
+    <p:extLst>
+      <p:ext uri="{BB962C8B-B14F-4D97-AF65-F5344CB8AC3E}">
+        <p14:creationId xmlns:p14="http://schemas.microsoft.com/office/powerpoint/2010/main" val="2355933921"/>
+      </p:ext>
+    </p:extLst>
+  </p:cSld>
+  <p:clrMapOvr>
+    <a:masterClrMapping/>
+  </p:clrMapOvr>
+</p:sld>
+</file>
+
 <file path=ppt/theme/theme1.xml><?xml version="1.0" encoding="utf-8"?>
-<a:theme xmlns:a="http://schemas.openxmlformats.org/drawingml/2006/main" name="Office Theme">
+<a:theme xmlns:a="http://schemas.openxmlformats.org/drawingml/2006/main" name="View">
   <a:themeElements>
-    <a:clrScheme name="Office">
+    <a:clrScheme name="View">
       <a:dk1>
-        <a:sysClr val="windowText" lastClr="000000"/>
+        <a:srgbClr val="000000"/>
       </a:dk1>
       <a:lt1>
-        <a:sysClr val="window" lastClr="FFFFFF"/>
+        <a:srgbClr val="FFFFFF"/>
       </a:lt1>
       <a:dk2>
-        <a:srgbClr val="44546A"/>
+        <a:srgbClr val="46464A"/>
       </a:dk2>
       <a:lt2>
-        <a:srgbClr val="E7E6E6"/>
+        <a:srgbClr val="D6D3CC"/>
       </a:lt2>
       <a:accent1>
-        <a:srgbClr val="4472C4"/>
+        <a:srgbClr val="6F6F74"/>
       </a:accent1>
       <a:accent2>
-        <a:srgbClr val="ED7D31"/>
+        <a:srgbClr val="92A9B9"/>
       </a:accent2>
       <a:accent3>
-        <a:srgbClr val="A5A5A5"/>
+        <a:srgbClr val="A7B789"/>
       </a:accent3>
       <a:accent4>
-        <a:srgbClr val="FFC000"/>
+        <a:srgbClr val="B9A489"/>
       </a:accent4>
       <a:accent5>
-        <a:srgbClr val="5B9BD5"/>
+        <a:srgbClr val="8D6374"/>
       </a:accent5>
       <a:accent6>
-        <a:srgbClr val="70AD47"/>
+        <a:srgbClr val="9B7362"/>
       </a:accent6>
       <a:hlink>
-        <a:srgbClr val="0563C1"/>
+        <a:srgbClr val="67AABF"/>
       </a:hlink>
       <a:folHlink>
-        <a:srgbClr val="954F72"/>
+        <a:srgbClr val="ABAFA5"/>
       </a:folHlink>
     </a:clrScheme>
-    <a:fontScheme name="Office">
+    <a:fontScheme name="View">
       <a:majorFont>
-        <a:latin typeface="Calibri Light" panose="020F0302020204030204"/>
+        <a:latin typeface="Century Schoolbook" panose="02040604050505020304"/>
         <a:ea typeface=""/>
         <a:cs typeface=""/>
-        <a:font script="Jpan" typeface="游ゴシック Light"/>
+        <a:font script="Jpan" typeface="ＭＳ ゴシック"/>
         <a:font script="Hang" typeface="맑은 고딕"/>
-        <a:font script="Hans" typeface="等线 Light"/>
+        <a:font script="Hans" typeface="宋体"/>
         <a:font script="Hant" typeface="新細明體"/>
-        <a:font script="Arab" typeface="Times New Roman"/>
-        <a:font script="Hebr" typeface="Times New Roman"/>
-        <a:font script="Thai" typeface="Angsana New"/>
-        <a:font script="Ethi" typeface="Nyala"/>
-        <a:font script="Beng" typeface="Vrinda"/>
-        <a:font script="Gujr" typeface="Shruti"/>
-        <a:font script="Khmr" typeface="MoolBoran"/>
-        <a:font script="Knda" typeface="Tunga"/>
-        <a:font script="Guru" typeface="Raavi"/>
-        <a:font script="Cans" typeface="Euphemia"/>
-        <a:font script="Cher" typeface="Plantagenet Cherokee"/>
-        <a:font script="Yiii" typeface="Microsoft Yi Baiti"/>
-        <a:font script="Tibt" typeface="Microsoft Himalaya"/>
-        <a:font script="Thaa" typeface="MV Boli"/>
-        <a:font script="Deva" typeface="Mangal"/>
-        <a:font script="Telu" typeface="Gautami"/>
-        <a:font script="Taml" typeface="Latha"/>
-        <a:font script="Syrc" typeface="Estrangelo Edessa"/>
-        <a:font script="Orya" typeface="Kalinga"/>
-        <a:font script="Mlym" typeface="Kartika"/>
-        <a:font script="Laoo" typeface="DokChampa"/>
-        <a:font script="Sinh" typeface="Iskoola Pota"/>
-        <a:font script="Mong" typeface="Mongolian Baiti"/>
-        <a:font script="Viet" typeface="Times New Roman"/>
-        <a:font script="Uigh" typeface="Microsoft Uighur"/>
-        <a:font script="Geor" typeface="Sylfaen"/>
-        <a:font script="Armn" typeface="Arial"/>
-        <a:font script="Bugi" typeface="Leelawadee UI"/>
-        <a:font script="Bopo" typeface="Microsoft JhengHei"/>
-        <a:font script="Java" typeface="Javanese Text"/>
-        <a:font script="Lisu" typeface="Segoe UI"/>
-        <a:font script="Mymr" typeface="Myanmar Text"/>
-        <a:font script="Nkoo" typeface="Ebrima"/>
-        <a:font script="Olck" typeface="Nirmala UI"/>
-        <a:font script="Osma" typeface="Ebrima"/>
-        <a:font script="Phag" typeface="Phagspa"/>
-        <a:font script="Syrn" typeface="Estrangelo Edessa"/>
-        <a:font script="Syrj" typeface="Estrangelo Edessa"/>
-        <a:font script="Syre" typeface="Estrangelo Edessa"/>
-        <a:font script="Sora" typeface="Nirmala UI"/>
-        <a:font script="Tale" typeface="Microsoft Tai Le"/>
-        <a:font script="Talu" typeface="Microsoft New Tai Lue"/>
-        <a:font script="Tfng" typeface="Ebrima"/>
-      </a:majorFont>
-      <a:minorFont>
-        <a:latin typeface="Calibri" panose="020F0502020204030204"/>
-        <a:ea typeface=""/>
-        <a:cs typeface=""/>
-        <a:font script="Jpan" typeface="游ゴシック"/>
-        <a:font script="Hang" typeface="맑은 고딕"/>
-        <a:font script="Hans" typeface="等线"/>
-        <a:font script="Hant" typeface="新細明體"/>
-        <a:font script="Arab" typeface="Arial"/>
-        <a:font script="Hebr" typeface="Arial"/>
-        <a:font script="Thai" typeface="Cordia New"/>
+        <a:font script="Arab" typeface="Tahoma"/>
+        <a:font script="Hebr" typeface="Gisha"/>
+        <a:font script="Thai" typeface="DilleniaUPC"/>
         <a:font script="Ethi" typeface="Nyala"/>
         <a:font script="Beng" typeface="Vrinda"/>
         <a:font script="Gujr" typeface="Shruti"/>
@@ -3533,107 +6146,86 @@
         <a:font script="Laoo" typeface="DokChampa"/>
         <a:font script="Sinh" typeface="Iskoola Pota"/>
         <a:font script="Mong" typeface="Mongolian Baiti"/>
-        <a:font script="Viet" typeface="Arial"/>
+        <a:font script="Viet" typeface="Tahoma"/>
         <a:font script="Uigh" typeface="Microsoft Uighur"/>
         <a:font script="Geor" typeface="Sylfaen"/>
-        <a:font script="Armn" typeface="Arial"/>
-        <a:font script="Bugi" typeface="Leelawadee UI"/>
-        <a:font script="Bopo" typeface="Microsoft JhengHei"/>
-        <a:font script="Java" typeface="Javanese Text"/>
-        <a:font script="Lisu" typeface="Segoe UI"/>
-        <a:font script="Mymr" typeface="Myanmar Text"/>
-        <a:font script="Nkoo" typeface="Ebrima"/>
-        <a:font script="Olck" typeface="Nirmala UI"/>
-        <a:font script="Osma" typeface="Ebrima"/>
-        <a:font script="Phag" typeface="Phagspa"/>
-        <a:font script="Syrn" typeface="Estrangelo Edessa"/>
-        <a:font script="Syrj" typeface="Estrangelo Edessa"/>
-        <a:font script="Syre" typeface="Estrangelo Edessa"/>
-        <a:font script="Sora" typeface="Nirmala UI"/>
-        <a:font script="Tale" typeface="Microsoft Tai Le"/>
-        <a:font script="Talu" typeface="Microsoft New Tai Lue"/>
-        <a:font script="Tfng" typeface="Ebrima"/>
+      </a:majorFont>
+      <a:minorFont>
+        <a:latin typeface="Century Schoolbook" panose="02040604050505020304"/>
+        <a:ea typeface=""/>
+        <a:cs typeface=""/>
+        <a:font script="Jpan" typeface="ＭＳ ゴシック"/>
+        <a:font script="Hang" typeface="맑은 고딕"/>
+        <a:font script="Hans" typeface="宋体"/>
+        <a:font script="Hant" typeface="新細明體"/>
+        <a:font script="Arab" typeface="Tahoma"/>
+        <a:font script="Hebr" typeface="Gisha"/>
+        <a:font script="Thai" typeface="DilleniaUPC"/>
+        <a:font script="Ethi" typeface="Nyala"/>
+        <a:font script="Beng" typeface="Vrinda"/>
+        <a:font script="Gujr" typeface="Shruti"/>
+        <a:font script="Khmr" typeface="DaunPenh"/>
+        <a:font script="Knda" typeface="Tunga"/>
+        <a:font script="Guru" typeface="Raavi"/>
+        <a:font script="Cans" typeface="Euphemia"/>
+        <a:font script="Cher" typeface="Plantagenet Cherokee"/>
+        <a:font script="Yiii" typeface="Microsoft Yi Baiti"/>
+        <a:font script="Tibt" typeface="Microsoft Himalaya"/>
+        <a:font script="Thaa" typeface="MV Boli"/>
+        <a:font script="Deva" typeface="Mangal"/>
+        <a:font script="Telu" typeface="Gautami"/>
+        <a:font script="Taml" typeface="Latha"/>
+        <a:font script="Syrc" typeface="Estrangelo Edessa"/>
+        <a:font script="Orya" typeface="Kalinga"/>
+        <a:font script="Mlym" typeface="Kartika"/>
+        <a:font script="Laoo" typeface="DokChampa"/>
+        <a:font script="Sinh" typeface="Iskoola Pota"/>
+        <a:font script="Mong" typeface="Mongolian Baiti"/>
+        <a:font script="Viet" typeface="Verdana"/>
+        <a:font script="Uigh" typeface="Microsoft Uighur"/>
+        <a:font script="Geor" typeface="Sylfaen"/>
       </a:minorFont>
     </a:fontScheme>
-    <a:fmtScheme name="Office">
+    <a:fmtScheme name="View">
       <a:fillStyleLst>
         <a:solidFill>
           <a:schemeClr val="phClr"/>
         </a:solidFill>
-        <a:gradFill rotWithShape="1">
-          <a:gsLst>
-            <a:gs pos="0">
-              <a:schemeClr val="phClr">
-                <a:lumMod val="110000"/>
-                <a:satMod val="105000"/>
-                <a:tint val="67000"/>
-              </a:schemeClr>
-            </a:gs>
-            <a:gs pos="50000">
-              <a:schemeClr val="phClr">
-                <a:lumMod val="105000"/>
-                <a:satMod val="103000"/>
-                <a:tint val="73000"/>
-              </a:schemeClr>
-            </a:gs>
-            <a:gs pos="100000">
-              <a:schemeClr val="phClr">
-                <a:lumMod val="105000"/>
-                <a:satMod val="109000"/>
-                <a:tint val="81000"/>
-              </a:schemeClr>
-            </a:gs>
-          </a:gsLst>
-          <a:lin ang="5400000" scaled="0"/>
-        </a:gradFill>
-        <a:gradFill rotWithShape="1">
-          <a:gsLst>
-            <a:gs pos="0">
-              <a:schemeClr val="phClr">
-                <a:satMod val="103000"/>
-                <a:lumMod val="102000"/>
-                <a:tint val="94000"/>
-              </a:schemeClr>
-            </a:gs>
-            <a:gs pos="50000">
-              <a:schemeClr val="phClr">
-                <a:satMod val="110000"/>
-                <a:lumMod val="100000"/>
-                <a:shade val="100000"/>
-              </a:schemeClr>
-            </a:gs>
-            <a:gs pos="100000">
-              <a:schemeClr val="phClr">
-                <a:lumMod val="99000"/>
-                <a:satMod val="120000"/>
-                <a:shade val="78000"/>
-              </a:schemeClr>
-            </a:gs>
-          </a:gsLst>
-          <a:lin ang="5400000" scaled="0"/>
-        </a:gradFill>
+        <a:solidFill>
+          <a:schemeClr val="phClr">
+            <a:tint val="60000"/>
+            <a:satMod val="120000"/>
+          </a:schemeClr>
+        </a:solidFill>
+        <a:solidFill>
+          <a:schemeClr val="phClr">
+            <a:shade val="75000"/>
+            <a:satMod val="160000"/>
+          </a:schemeClr>
+        </a:solidFill>
       </a:fillStyleLst>
       <a:lnStyleLst>
-        <a:ln w="6350" cap="flat" cmpd="sng" algn="ctr">
+        <a:ln w="9525" cap="flat" cmpd="sng" algn="ctr">
           <a:solidFill>
             <a:schemeClr val="phClr"/>
           </a:solidFill>
           <a:prstDash val="solid"/>
-          <a:miter lim="800000"/>
         </a:ln>
-        <a:ln w="12700" cap="flat" cmpd="sng" algn="ctr">
+        <a:ln w="13970" cap="flat" cmpd="sng" algn="ctr">
           <a:solidFill>
             <a:schemeClr val="phClr"/>
           </a:solidFill>
           <a:prstDash val="solid"/>
-          <a:miter lim="800000"/>
         </a:ln>
-        <a:ln w="19050" cap="flat" cmpd="sng" algn="ctr">
+        <a:ln w="17145" cap="flat" cmpd="sng" algn="ctr">
           <a:solidFill>
-            <a:schemeClr val="phClr"/>
+            <a:schemeClr val="phClr">
+              <a:shade val="95000"/>
+              <a:alpha val="95000"/>
+              <a:satMod val="150000"/>
+            </a:schemeClr>
           </a:solidFill>
           <a:prstDash val="solid"/>
-          <a:miter lim="800000"/>
         </a:ln>
       </a:lnStyleLst>
       <a:effectStyleLst>
@@ -3641,16 +6233,52 @@
           <a:effectLst/>
         </a:effectStyle>
         <a:effectStyle>
-          <a:effectLst/>
+          <a:effectLst>
+            <a:outerShdw blurRad="50800" dist="15240" dir="5400000" algn="tl" rotWithShape="0">
+              <a:srgbClr val="000000">
+                <a:alpha val="75000"/>
+              </a:srgbClr>
+            </a:outerShdw>
+          </a:effectLst>
+          <a:scene3d>
+            <a:camera prst="orthographicFront">
+              <a:rot lat="0" lon="0" rev="0"/>
+            </a:camera>
+            <a:lightRig rig="brightRoom" dir="tl"/>
+          </a:scene3d>
+          <a:sp3d contourW="9525" prstMaterial="flat">
+            <a:bevelT w="0" h="0" prst="coolSlant"/>
+            <a:contourClr>
+              <a:schemeClr val="phClr">
+                <a:shade val="35000"/>
+                <a:satMod val="130000"/>
+              </a:schemeClr>
+            </a:contourClr>
+          </a:sp3d>
         </a:effectStyle>
         <a:effectStyle>
           <a:effectLst>
-            <a:outerShdw blurRad="57150" dist="19050" dir="5400000" algn="ctr" rotWithShape="0">
+            <a:outerShdw blurRad="76200" dist="25400" dir="5400000" algn="tl" rotWithShape="0">
               <a:srgbClr val="000000">
-                <a:alpha val="63000"/>
+                <a:alpha val="55000"/>
               </a:srgbClr>
             </a:outerShdw>
           </a:effectLst>
+          <a:scene3d>
+            <a:camera prst="orthographicFront">
+              <a:rot lat="0" lon="0" rev="0"/>
+            </a:camera>
+            <a:lightRig rig="brightRoom" dir="tl"/>
+          </a:scene3d>
+          <a:sp3d contourW="19050" prstMaterial="flat">
+            <a:bevelT w="0" h="0" prst="coolSlant"/>
+            <a:contourClr>
+              <a:schemeClr val="phClr">
+                <a:shade val="25000"/>
+                <a:satMod val="140000"/>
+              </a:schemeClr>
+            </a:contourClr>
+          </a:sp3d>
         </a:effectStyle>
       </a:effectStyleLst>
       <a:bgFillStyleLst>
@@ -3667,28 +6295,23 @@
           <a:gsLst>
             <a:gs pos="0">
               <a:schemeClr val="phClr">
-                <a:tint val="93000"/>
-                <a:satMod val="150000"/>
+                <a:tint val="94000"/>
                 <a:shade val="98000"/>
+                <a:satMod val="130000"/>
                 <a:lumMod val="102000"/>
-              </a:schemeClr>
-            </a:gs>
-            <a:gs pos="50000">
-              <a:schemeClr val="phClr">
-                <a:tint val="98000"/>
-                <a:satMod val="130000"/>
-                <a:shade val="90000"/>
-                <a:lumMod val="103000"/>
               </a:schemeClr>
             </a:gs>
             <a:gs pos="100000">
               <a:schemeClr val="phClr">
-                <a:shade val="63000"/>
-                <a:satMod val="120000"/>
+                <a:tint val="98000"/>
+                <a:shade val="78000"/>
+                <a:satMod val="140000"/>
               </a:schemeClr>
             </a:gs>
           </a:gsLst>
-          <a:lin ang="5400000" scaled="0"/>
+          <a:path path="circle">
+            <a:fillToRect l="100000" t="100000" r="100000" b="100000"/>
+          </a:path>
         </a:gradFill>
       </a:bgFillStyleLst>
     </a:fmtScheme>
@@ -3697,7 +6320,7 @@
   <a:extraClrSchemeLst/>
   <a:extLst>
     <a:ext uri="{05A4C25C-085E-4340-85A3-A5531E510DB2}">
-      <thm15:themeFamily xmlns:thm15="http://schemas.microsoft.com/office/thememl/2012/main" name="Office Theme" id="{62F939B6-93AF-4DB8-9C6B-D6C7DFDC589F}" vid="{4A3C46E8-61CC-4603-A589-7422A47A8E4A}"/>
+      <thm15:themeFamily xmlns:thm15="http://schemas.microsoft.com/office/thememl/2012/main" name="View" id="{BA0EB5A6-F2D4-4F82-977B-64ADEE4A2A69}" vid="{3969A8A2-35DB-4E3B-8885-16FD20568674}"/>
     </a:ext>
   </a:extLst>
 </a:theme>
